--- a/doc/zookeeper/zookeeper.pptx
+++ b/doc/zookeeper/zookeeper.pptx
@@ -7,23 +7,26 @@
     <p:sldMasterId id="2147483672" r:id="rId3"/>
   </p:sldMasterIdLst>
   <p:notesMasterIdLst>
-    <p:notesMasterId r:id="rId18"/>
+    <p:notesMasterId r:id="rId21"/>
   </p:notesMasterIdLst>
   <p:sldIdLst>
     <p:sldId id="256" r:id="rId4"/>
     <p:sldId id="269" r:id="rId5"/>
     <p:sldId id="262" r:id="rId6"/>
-    <p:sldId id="263" r:id="rId7"/>
-    <p:sldId id="270" r:id="rId8"/>
-    <p:sldId id="264" r:id="rId9"/>
-    <p:sldId id="265" r:id="rId10"/>
-    <p:sldId id="271" r:id="rId11"/>
-    <p:sldId id="266" r:id="rId12"/>
-    <p:sldId id="267" r:id="rId13"/>
-    <p:sldId id="268" r:id="rId14"/>
-    <p:sldId id="272" r:id="rId15"/>
-    <p:sldId id="273" r:id="rId16"/>
-    <p:sldId id="258" r:id="rId17"/>
+    <p:sldId id="275" r:id="rId7"/>
+    <p:sldId id="274" r:id="rId8"/>
+    <p:sldId id="276" r:id="rId9"/>
+    <p:sldId id="263" r:id="rId10"/>
+    <p:sldId id="270" r:id="rId11"/>
+    <p:sldId id="264" r:id="rId12"/>
+    <p:sldId id="265" r:id="rId13"/>
+    <p:sldId id="271" r:id="rId14"/>
+    <p:sldId id="266" r:id="rId15"/>
+    <p:sldId id="267" r:id="rId16"/>
+    <p:sldId id="268" r:id="rId17"/>
+    <p:sldId id="272" r:id="rId18"/>
+    <p:sldId id="273" r:id="rId19"/>
+    <p:sldId id="258" r:id="rId20"/>
   </p:sldIdLst>
   <p:sldSz cx="12192000" cy="6858000"/>
   <p:notesSz cx="6858000" cy="9144000"/>
@@ -226,7 +229,7 @@
           <a:p>
             <a:fld id="{F80A79D7-4A9E-44A2-938D-96DD55A0451F}" type="datetimeFigureOut">
               <a:rPr lang="zh-CN" altLang="en-US" smtClean="0"/>
-              <a:t>2015/8/20</a:t>
+              <a:t>2015/9/15</a:t>
             </a:fld>
             <a:endParaRPr lang="zh-CN" altLang="en-US"/>
           </a:p>
@@ -1621,7 +1624,7 @@
           <a:p>
             <a:fld id="{18446989-7499-4ACB-8901-26D27B7A4262}" type="slidenum">
               <a:rPr lang="zh-CN" altLang="en-US" smtClean="0"/>
-              <a:t>6</a:t>
+              <a:t>9</a:t>
             </a:fld>
             <a:endParaRPr lang="zh-CN" altLang="en-US"/>
           </a:p>
@@ -1969,7 +1972,7 @@
           <a:p>
             <a:fld id="{18446989-7499-4ACB-8901-26D27B7A4262}" type="slidenum">
               <a:rPr lang="zh-CN" altLang="en-US" smtClean="0"/>
-              <a:t>7</a:t>
+              <a:t>10</a:t>
             </a:fld>
             <a:endParaRPr lang="zh-CN" altLang="en-US"/>
           </a:p>
@@ -2184,7 +2187,7 @@
             <a:fld id="{530820CF-B880-4189-942D-D702A7CBA730}" type="datetimeFigureOut">
               <a:rPr lang="zh-CN" altLang="en-US" smtClean="0"/>
               <a:pPr/>
-              <a:t>2015/8/20</a:t>
+              <a:t>2015/9/15</a:t>
             </a:fld>
             <a:endParaRPr lang="zh-CN" altLang="en-US"/>
           </a:p>
@@ -2391,7 +2394,7 @@
             <a:fld id="{530820CF-B880-4189-942D-D702A7CBA730}" type="datetimeFigureOut">
               <a:rPr lang="zh-CN" altLang="en-US" smtClean="0"/>
               <a:pPr/>
-              <a:t>2015/8/20</a:t>
+              <a:t>2015/9/15</a:t>
             </a:fld>
             <a:endParaRPr lang="zh-CN" altLang="en-US"/>
           </a:p>
@@ -2598,7 +2601,7 @@
             <a:fld id="{530820CF-B880-4189-942D-D702A7CBA730}" type="datetimeFigureOut">
               <a:rPr lang="zh-CN" altLang="en-US" smtClean="0"/>
               <a:pPr/>
-              <a:t>2015/8/20</a:t>
+              <a:t>2015/9/15</a:t>
             </a:fld>
             <a:endParaRPr lang="zh-CN" altLang="en-US"/>
           </a:p>
@@ -2866,7 +2869,7 @@
           <a:p>
             <a:fld id="{9ED97C3E-F1CE-4C91-98E9-7997DC916CD7}" type="datetimeFigureOut">
               <a:rPr lang="zh-CN" altLang="en-US" smtClean="0"/>
-              <a:t>2015/8/20</a:t>
+              <a:t>2015/9/15</a:t>
             </a:fld>
             <a:endParaRPr lang="zh-CN" altLang="en-US"/>
           </a:p>
@@ -3071,7 +3074,7 @@
           <a:p>
             <a:fld id="{9ED97C3E-F1CE-4C91-98E9-7997DC916CD7}" type="datetimeFigureOut">
               <a:rPr lang="zh-CN" altLang="en-US" smtClean="0"/>
-              <a:t>2015/8/20</a:t>
+              <a:t>2015/9/15</a:t>
             </a:fld>
             <a:endParaRPr lang="zh-CN" altLang="en-US"/>
           </a:p>
@@ -3342,7 +3345,7 @@
           <a:p>
             <a:fld id="{9ED97C3E-F1CE-4C91-98E9-7997DC916CD7}" type="datetimeFigureOut">
               <a:rPr lang="zh-CN" altLang="en-US" smtClean="0"/>
-              <a:t>2015/8/20</a:t>
+              <a:t>2015/9/15</a:t>
             </a:fld>
             <a:endParaRPr lang="zh-CN" altLang="en-US"/>
           </a:p>
@@ -3663,7 +3666,7 @@
           <a:p>
             <a:fld id="{9ED97C3E-F1CE-4C91-98E9-7997DC916CD7}" type="datetimeFigureOut">
               <a:rPr lang="zh-CN" altLang="en-US" smtClean="0"/>
-              <a:t>2015/8/20</a:t>
+              <a:t>2015/9/15</a:t>
             </a:fld>
             <a:endParaRPr lang="zh-CN" altLang="en-US"/>
           </a:p>
@@ -4124,7 +4127,7 @@
           <a:p>
             <a:fld id="{9ED97C3E-F1CE-4C91-98E9-7997DC916CD7}" type="datetimeFigureOut">
               <a:rPr lang="zh-CN" altLang="en-US" smtClean="0"/>
-              <a:t>2015/8/20</a:t>
+              <a:t>2015/9/15</a:t>
             </a:fld>
             <a:endParaRPr lang="zh-CN" altLang="en-US"/>
           </a:p>
@@ -4269,7 +4272,7 @@
           <a:p>
             <a:fld id="{9ED97C3E-F1CE-4C91-98E9-7997DC916CD7}" type="datetimeFigureOut">
               <a:rPr lang="zh-CN" altLang="en-US" smtClean="0"/>
-              <a:t>2015/8/20</a:t>
+              <a:t>2015/9/15</a:t>
             </a:fld>
             <a:endParaRPr lang="zh-CN" altLang="en-US"/>
           </a:p>
@@ -4383,7 +4386,7 @@
           <a:p>
             <a:fld id="{9ED97C3E-F1CE-4C91-98E9-7997DC916CD7}" type="datetimeFigureOut">
               <a:rPr lang="zh-CN" altLang="en-US" smtClean="0"/>
-              <a:t>2015/8/20</a:t>
+              <a:t>2015/9/15</a:t>
             </a:fld>
             <a:endParaRPr lang="zh-CN" altLang="en-US"/>
           </a:p>
@@ -4688,7 +4691,7 @@
           <a:p>
             <a:fld id="{9ED97C3E-F1CE-4C91-98E9-7997DC916CD7}" type="datetimeFigureOut">
               <a:rPr lang="zh-CN" altLang="en-US" smtClean="0"/>
-              <a:t>2015/8/20</a:t>
+              <a:t>2015/9/15</a:t>
             </a:fld>
             <a:endParaRPr lang="zh-CN" altLang="en-US"/>
           </a:p>
@@ -4894,7 +4897,7 @@
             <a:fld id="{530820CF-B880-4189-942D-D702A7CBA730}" type="datetimeFigureOut">
               <a:rPr lang="zh-CN" altLang="en-US" smtClean="0"/>
               <a:pPr/>
-              <a:t>2015/8/20</a:t>
+              <a:t>2015/9/15</a:t>
             </a:fld>
             <a:endParaRPr lang="zh-CN" altLang="en-US"/>
           </a:p>
@@ -5176,7 +5179,7 @@
           <a:p>
             <a:fld id="{9ED97C3E-F1CE-4C91-98E9-7997DC916CD7}" type="datetimeFigureOut">
               <a:rPr lang="zh-CN" altLang="en-US" smtClean="0"/>
-              <a:t>2015/8/20</a:t>
+              <a:t>2015/9/15</a:t>
             </a:fld>
             <a:endParaRPr lang="zh-CN" altLang="en-US"/>
           </a:p>
@@ -5381,7 +5384,7 @@
           <a:p>
             <a:fld id="{9ED97C3E-F1CE-4C91-98E9-7997DC916CD7}" type="datetimeFigureOut">
               <a:rPr lang="zh-CN" altLang="en-US" smtClean="0"/>
-              <a:t>2015/8/20</a:t>
+              <a:t>2015/9/15</a:t>
             </a:fld>
             <a:endParaRPr lang="zh-CN" altLang="en-US"/>
           </a:p>
@@ -5586,7 +5589,7 @@
           <a:p>
             <a:fld id="{9ED97C3E-F1CE-4C91-98E9-7997DC916CD7}" type="datetimeFigureOut">
               <a:rPr lang="zh-CN" altLang="en-US" smtClean="0"/>
-              <a:t>2015/8/20</a:t>
+              <a:t>2015/9/15</a:t>
             </a:fld>
             <a:endParaRPr lang="zh-CN" altLang="en-US"/>
           </a:p>
@@ -5853,7 +5856,7 @@
           <a:p>
             <a:fld id="{7B952422-9346-49C1-A84E-FD29E8C4785D}" type="datetimeFigureOut">
               <a:rPr lang="zh-CN" altLang="en-US" smtClean="0"/>
-              <a:t>2015/8/20</a:t>
+              <a:t>2015/9/15</a:t>
             </a:fld>
             <a:endParaRPr lang="zh-CN" altLang="en-US"/>
           </a:p>
@@ -6058,7 +6061,7 @@
           <a:p>
             <a:fld id="{7B952422-9346-49C1-A84E-FD29E8C4785D}" type="datetimeFigureOut">
               <a:rPr lang="zh-CN" altLang="en-US" smtClean="0"/>
-              <a:t>2015/8/20</a:t>
+              <a:t>2015/9/15</a:t>
             </a:fld>
             <a:endParaRPr lang="zh-CN" altLang="en-US"/>
           </a:p>
@@ -6329,7 +6332,7 @@
           <a:p>
             <a:fld id="{7B952422-9346-49C1-A84E-FD29E8C4785D}" type="datetimeFigureOut">
               <a:rPr lang="zh-CN" altLang="en-US" smtClean="0"/>
-              <a:t>2015/8/20</a:t>
+              <a:t>2015/9/15</a:t>
             </a:fld>
             <a:endParaRPr lang="zh-CN" altLang="en-US"/>
           </a:p>
@@ -6650,7 +6653,7 @@
           <a:p>
             <a:fld id="{7B952422-9346-49C1-A84E-FD29E8C4785D}" type="datetimeFigureOut">
               <a:rPr lang="zh-CN" altLang="en-US" smtClean="0"/>
-              <a:t>2015/8/20</a:t>
+              <a:t>2015/9/15</a:t>
             </a:fld>
             <a:endParaRPr lang="zh-CN" altLang="en-US"/>
           </a:p>
@@ -7111,7 +7114,7 @@
           <a:p>
             <a:fld id="{7B952422-9346-49C1-A84E-FD29E8C4785D}" type="datetimeFigureOut">
               <a:rPr lang="zh-CN" altLang="en-US" smtClean="0"/>
-              <a:t>2015/8/20</a:t>
+              <a:t>2015/9/15</a:t>
             </a:fld>
             <a:endParaRPr lang="zh-CN" altLang="en-US"/>
           </a:p>
@@ -7256,7 +7259,7 @@
           <a:p>
             <a:fld id="{7B952422-9346-49C1-A84E-FD29E8C4785D}" type="datetimeFigureOut">
               <a:rPr lang="zh-CN" altLang="en-US" smtClean="0"/>
-              <a:t>2015/8/20</a:t>
+              <a:t>2015/9/15</a:t>
             </a:fld>
             <a:endParaRPr lang="zh-CN" altLang="en-US"/>
           </a:p>
@@ -7370,7 +7373,7 @@
           <a:p>
             <a:fld id="{7B952422-9346-49C1-A84E-FD29E8C4785D}" type="datetimeFigureOut">
               <a:rPr lang="zh-CN" altLang="en-US" smtClean="0"/>
-              <a:t>2015/8/20</a:t>
+              <a:t>2015/9/15</a:t>
             </a:fld>
             <a:endParaRPr lang="zh-CN" altLang="en-US"/>
           </a:p>
@@ -7642,7 +7645,7 @@
             <a:fld id="{530820CF-B880-4189-942D-D702A7CBA730}" type="datetimeFigureOut">
               <a:rPr lang="zh-CN" altLang="en-US" smtClean="0"/>
               <a:pPr/>
-              <a:t>2015/8/20</a:t>
+              <a:t>2015/9/15</a:t>
             </a:fld>
             <a:endParaRPr lang="zh-CN" altLang="en-US"/>
           </a:p>
@@ -7948,7 +7951,7 @@
           <a:p>
             <a:fld id="{7B952422-9346-49C1-A84E-FD29E8C4785D}" type="datetimeFigureOut">
               <a:rPr lang="zh-CN" altLang="en-US" smtClean="0"/>
-              <a:t>2015/8/20</a:t>
+              <a:t>2015/9/15</a:t>
             </a:fld>
             <a:endParaRPr lang="zh-CN" altLang="en-US"/>
           </a:p>
@@ -8229,7 +8232,7 @@
           <a:p>
             <a:fld id="{7B952422-9346-49C1-A84E-FD29E8C4785D}" type="datetimeFigureOut">
               <a:rPr lang="zh-CN" altLang="en-US" smtClean="0"/>
-              <a:t>2015/8/20</a:t>
+              <a:t>2015/9/15</a:t>
             </a:fld>
             <a:endParaRPr lang="zh-CN" altLang="en-US"/>
           </a:p>
@@ -8434,7 +8437,7 @@
           <a:p>
             <a:fld id="{7B952422-9346-49C1-A84E-FD29E8C4785D}" type="datetimeFigureOut">
               <a:rPr lang="zh-CN" altLang="en-US" smtClean="0"/>
-              <a:t>2015/8/20</a:t>
+              <a:t>2015/9/15</a:t>
             </a:fld>
             <a:endParaRPr lang="zh-CN" altLang="en-US"/>
           </a:p>
@@ -8639,7 +8642,7 @@
           <a:p>
             <a:fld id="{7B952422-9346-49C1-A84E-FD29E8C4785D}" type="datetimeFigureOut">
               <a:rPr lang="zh-CN" altLang="en-US" smtClean="0"/>
-              <a:t>2015/8/20</a:t>
+              <a:t>2015/9/15</a:t>
             </a:fld>
             <a:endParaRPr lang="zh-CN" altLang="en-US"/>
           </a:p>
@@ -8961,7 +8964,7 @@
             <a:fld id="{530820CF-B880-4189-942D-D702A7CBA730}" type="datetimeFigureOut">
               <a:rPr lang="zh-CN" altLang="en-US" smtClean="0"/>
               <a:pPr/>
-              <a:t>2015/8/20</a:t>
+              <a:t>2015/9/15</a:t>
             </a:fld>
             <a:endParaRPr lang="zh-CN" altLang="en-US"/>
           </a:p>
@@ -9424,7 +9427,7 @@
             <a:fld id="{530820CF-B880-4189-942D-D702A7CBA730}" type="datetimeFigureOut">
               <a:rPr lang="zh-CN" altLang="en-US" smtClean="0"/>
               <a:pPr/>
-              <a:t>2015/8/20</a:t>
+              <a:t>2015/9/15</a:t>
             </a:fld>
             <a:endParaRPr lang="zh-CN" altLang="en-US"/>
           </a:p>
@@ -9571,7 +9574,7 @@
             <a:fld id="{530820CF-B880-4189-942D-D702A7CBA730}" type="datetimeFigureOut">
               <a:rPr lang="zh-CN" altLang="en-US" smtClean="0"/>
               <a:pPr/>
-              <a:t>2015/8/20</a:t>
+              <a:t>2015/9/15</a:t>
             </a:fld>
             <a:endParaRPr lang="zh-CN" altLang="en-US"/>
           </a:p>
@@ -9687,7 +9690,7 @@
             <a:fld id="{530820CF-B880-4189-942D-D702A7CBA730}" type="datetimeFigureOut">
               <a:rPr lang="zh-CN" altLang="en-US" smtClean="0"/>
               <a:pPr/>
-              <a:t>2015/8/20</a:t>
+              <a:t>2015/9/15</a:t>
             </a:fld>
             <a:endParaRPr lang="zh-CN" altLang="en-US"/>
           </a:p>
@@ -9994,7 +9997,7 @@
             <a:fld id="{530820CF-B880-4189-942D-D702A7CBA730}" type="datetimeFigureOut">
               <a:rPr lang="zh-CN" altLang="en-US" smtClean="0"/>
               <a:pPr/>
-              <a:t>2015/8/20</a:t>
+              <a:t>2015/9/15</a:t>
             </a:fld>
             <a:endParaRPr lang="zh-CN" altLang="en-US"/>
           </a:p>
@@ -10277,7 +10280,7 @@
             <a:fld id="{530820CF-B880-4189-942D-D702A7CBA730}" type="datetimeFigureOut">
               <a:rPr lang="zh-CN" altLang="en-US" smtClean="0"/>
               <a:pPr/>
-              <a:t>2015/8/20</a:t>
+              <a:t>2015/9/15</a:t>
             </a:fld>
             <a:endParaRPr lang="zh-CN" altLang="en-US"/>
           </a:p>
@@ -11526,6 +11529,958 @@
 </file>
 
 <file path=ppt/slides/slide10.xml><?xml version="1.0" encoding="utf-8"?>
+<p:sld xmlns:a="http://schemas.openxmlformats.org/drawingml/2006/main" xmlns:r="http://schemas.openxmlformats.org/officeDocument/2006/relationships" xmlns:p="http://schemas.openxmlformats.org/presentationml/2006/main">
+  <p:cSld>
+    <p:spTree>
+      <p:nvGrpSpPr>
+        <p:cNvPr id="1" name=""/>
+        <p:cNvGrpSpPr/>
+        <p:nvPr/>
+      </p:nvGrpSpPr>
+      <p:grpSpPr>
+        <a:xfrm>
+          <a:off x="0" y="0"/>
+          <a:ext cx="0" cy="0"/>
+          <a:chOff x="0" y="0"/>
+          <a:chExt cx="0" cy="0"/>
+        </a:xfrm>
+      </p:grpSpPr>
+      <p:sp>
+        <p:nvSpPr>
+          <p:cNvPr id="2" name="文本框 1"/>
+          <p:cNvSpPr txBox="1"/>
+          <p:nvPr/>
+        </p:nvSpPr>
+        <p:spPr>
+          <a:xfrm>
+            <a:off x="911424" y="764704"/>
+            <a:ext cx="9865096" cy="2092881"/>
+          </a:xfrm>
+          <a:prstGeom prst="rect">
+            <a:avLst/>
+          </a:prstGeom>
+          <a:noFill/>
+        </p:spPr>
+        <p:txBody>
+          <a:bodyPr wrap="square" rtlCol="0">
+            <a:spAutoFit/>
+          </a:bodyPr>
+          <a:lstStyle/>
+          <a:p>
+            <a:r>
+              <a:rPr lang="zh-CN" altLang="en-US" sz="2400" b="1" dirty="0">
+                <a:latin typeface="微软雅黑" panose="020B0503020204020204" pitchFamily="34" charset="-122"/>
+                <a:ea typeface="微软雅黑" panose="020B0503020204020204" pitchFamily="34" charset="-122"/>
+              </a:rPr>
+              <a:t>共享锁（</a:t>
+            </a:r>
+            <a:r>
+              <a:rPr lang="en-US" altLang="zh-CN" sz="2400" b="1" dirty="0">
+                <a:latin typeface="微软雅黑" panose="020B0503020204020204" pitchFamily="34" charset="-122"/>
+                <a:ea typeface="微软雅黑" panose="020B0503020204020204" pitchFamily="34" charset="-122"/>
+              </a:rPr>
+              <a:t>Locks</a:t>
+            </a:r>
+            <a:r>
+              <a:rPr lang="zh-CN" altLang="en-US" sz="2400" b="1" dirty="0" smtClean="0">
+                <a:latin typeface="微软雅黑" panose="020B0503020204020204" pitchFamily="34" charset="-122"/>
+                <a:ea typeface="微软雅黑" panose="020B0503020204020204" pitchFamily="34" charset="-122"/>
+              </a:rPr>
+              <a:t>）</a:t>
+            </a:r>
+            <a:endParaRPr lang="en-US" altLang="zh-CN" sz="2400" b="1" dirty="0" smtClean="0">
+              <a:latin typeface="微软雅黑" panose="020B0503020204020204" pitchFamily="34" charset="-122"/>
+              <a:ea typeface="微软雅黑" panose="020B0503020204020204" pitchFamily="34" charset="-122"/>
+            </a:endParaRPr>
+          </a:p>
+          <a:p>
+            <a:endParaRPr lang="en-US" altLang="zh-CN" sz="2400" b="1" dirty="0">
+              <a:latin typeface="微软雅黑" panose="020B0503020204020204" pitchFamily="34" charset="-122"/>
+              <a:ea typeface="微软雅黑" panose="020B0503020204020204" pitchFamily="34" charset="-122"/>
+            </a:endParaRPr>
+          </a:p>
+          <a:p>
+            <a:endParaRPr lang="zh-CN" altLang="en-US" sz="2400" b="1" dirty="0">
+              <a:latin typeface="微软雅黑" panose="020B0503020204020204" pitchFamily="34" charset="-122"/>
+              <a:ea typeface="微软雅黑" panose="020B0503020204020204" pitchFamily="34" charset="-122"/>
+            </a:endParaRPr>
+          </a:p>
+          <a:p>
+            <a:r>
+              <a:rPr lang="zh-CN" altLang="en-US" sz="2000" dirty="0">
+                <a:latin typeface="微软雅黑" panose="020B0503020204020204" pitchFamily="34" charset="-122"/>
+                <a:ea typeface="微软雅黑" panose="020B0503020204020204" pitchFamily="34" charset="-122"/>
+              </a:rPr>
+              <a:t>共享锁在同一个进程中很容易实现，但是在跨进程或者在不同 </a:t>
+            </a:r>
+            <a:r>
+              <a:rPr lang="en-US" altLang="zh-CN" sz="2000" dirty="0">
+                <a:latin typeface="微软雅黑" panose="020B0503020204020204" pitchFamily="34" charset="-122"/>
+                <a:ea typeface="微软雅黑" panose="020B0503020204020204" pitchFamily="34" charset="-122"/>
+              </a:rPr>
+              <a:t>Server </a:t>
+            </a:r>
+            <a:r>
+              <a:rPr lang="zh-CN" altLang="en-US" sz="2000" dirty="0">
+                <a:latin typeface="微软雅黑" panose="020B0503020204020204" pitchFamily="34" charset="-122"/>
+                <a:ea typeface="微软雅黑" panose="020B0503020204020204" pitchFamily="34" charset="-122"/>
+              </a:rPr>
+              <a:t>之间就不好实现了。</a:t>
+            </a:r>
+            <a:r>
+              <a:rPr lang="en-US" altLang="zh-CN" sz="2000" dirty="0">
+                <a:latin typeface="微软雅黑" panose="020B0503020204020204" pitchFamily="34" charset="-122"/>
+                <a:ea typeface="微软雅黑" panose="020B0503020204020204" pitchFamily="34" charset="-122"/>
+              </a:rPr>
+              <a:t>Zookeeper </a:t>
+            </a:r>
+            <a:r>
+              <a:rPr lang="zh-CN" altLang="en-US" sz="2000" dirty="0">
+                <a:latin typeface="微软雅黑" panose="020B0503020204020204" pitchFamily="34" charset="-122"/>
+                <a:ea typeface="微软雅黑" panose="020B0503020204020204" pitchFamily="34" charset="-122"/>
+              </a:rPr>
+              <a:t>却很容易实现这个</a:t>
+            </a:r>
+            <a:r>
+              <a:rPr lang="zh-CN" altLang="en-US" sz="2000" dirty="0" smtClean="0">
+                <a:latin typeface="微软雅黑" panose="020B0503020204020204" pitchFamily="34" charset="-122"/>
+                <a:ea typeface="微软雅黑" panose="020B0503020204020204" pitchFamily="34" charset="-122"/>
+              </a:rPr>
+              <a:t>功能。</a:t>
+            </a:r>
+            <a:endParaRPr lang="en-US" altLang="zh-CN" sz="2000" dirty="0" smtClean="0">
+              <a:latin typeface="微软雅黑" panose="020B0503020204020204" pitchFamily="34" charset="-122"/>
+              <a:ea typeface="微软雅黑" panose="020B0503020204020204" pitchFamily="34" charset="-122"/>
+            </a:endParaRPr>
+          </a:p>
+          <a:p>
+            <a:endParaRPr lang="zh-CN" altLang="en-US" dirty="0"/>
+          </a:p>
+        </p:txBody>
+      </p:sp>
+    </p:spTree>
+    <p:extLst>
+      <p:ext uri="{BB962C8B-B14F-4D97-AF65-F5344CB8AC3E}">
+        <p14:creationId xmlns:p14="http://schemas.microsoft.com/office/powerpoint/2010/main" val="3535279588"/>
+      </p:ext>
+    </p:extLst>
+  </p:cSld>
+  <p:clrMapOvr>
+    <a:masterClrMapping/>
+  </p:clrMapOvr>
+  <p:timing>
+    <p:tnLst>
+      <p:par>
+        <p:cTn id="1" dur="indefinite" restart="never" nodeType="tmRoot"/>
+      </p:par>
+    </p:tnLst>
+  </p:timing>
+</p:sld>
+</file>
+
+<file path=ppt/slides/slide11.xml><?xml version="1.0" encoding="utf-8"?>
+<p:sld xmlns:a="http://schemas.openxmlformats.org/drawingml/2006/main" xmlns:r="http://schemas.openxmlformats.org/officeDocument/2006/relationships" xmlns:p="http://schemas.openxmlformats.org/presentationml/2006/main">
+  <p:cSld>
+    <p:spTree>
+      <p:nvGrpSpPr>
+        <p:cNvPr id="1" name=""/>
+        <p:cNvGrpSpPr/>
+        <p:nvPr/>
+      </p:nvGrpSpPr>
+      <p:grpSpPr>
+        <a:xfrm>
+          <a:off x="0" y="0"/>
+          <a:ext cx="0" cy="0"/>
+          <a:chOff x="0" y="0"/>
+          <a:chExt cx="0" cy="0"/>
+        </a:xfrm>
+      </p:grpSpPr>
+      <p:sp>
+        <p:nvSpPr>
+          <p:cNvPr id="2" name="文本框 1"/>
+          <p:cNvSpPr txBox="1"/>
+          <p:nvPr/>
+        </p:nvSpPr>
+        <p:spPr>
+          <a:xfrm>
+            <a:off x="911424" y="764704"/>
+            <a:ext cx="9865096" cy="2339102"/>
+          </a:xfrm>
+          <a:prstGeom prst="rect">
+            <a:avLst/>
+          </a:prstGeom>
+          <a:noFill/>
+        </p:spPr>
+        <p:txBody>
+          <a:bodyPr wrap="square" rtlCol="0">
+            <a:spAutoFit/>
+          </a:bodyPr>
+          <a:lstStyle/>
+          <a:p>
+            <a:r>
+              <a:rPr lang="zh-CN" altLang="en-US" sz="2400" b="1" dirty="0" smtClean="0">
+                <a:latin typeface="微软雅黑" panose="020B0503020204020204" pitchFamily="34" charset="-122"/>
+                <a:ea typeface="微软雅黑" panose="020B0503020204020204" pitchFamily="34" charset="-122"/>
+              </a:rPr>
+              <a:t>队列管理</a:t>
+            </a:r>
+            <a:endParaRPr lang="en-US" altLang="zh-CN" sz="2400" b="1" dirty="0">
+              <a:latin typeface="微软雅黑" panose="020B0503020204020204" pitchFamily="34" charset="-122"/>
+              <a:ea typeface="微软雅黑" panose="020B0503020204020204" pitchFamily="34" charset="-122"/>
+            </a:endParaRPr>
+          </a:p>
+          <a:p>
+            <a:endParaRPr lang="zh-CN" altLang="en-US" sz="2400" b="1" dirty="0">
+              <a:latin typeface="微软雅黑" panose="020B0503020204020204" pitchFamily="34" charset="-122"/>
+              <a:ea typeface="微软雅黑" panose="020B0503020204020204" pitchFamily="34" charset="-122"/>
+            </a:endParaRPr>
+          </a:p>
+          <a:p>
+            <a:r>
+              <a:rPr lang="en-US" altLang="zh-CN" sz="2000" dirty="0">
+                <a:latin typeface="微软雅黑" panose="020B0503020204020204" pitchFamily="34" charset="-122"/>
+                <a:ea typeface="微软雅黑" panose="020B0503020204020204" pitchFamily="34" charset="-122"/>
+              </a:rPr>
+              <a:t>Zookeeper </a:t>
+            </a:r>
+            <a:r>
+              <a:rPr lang="zh-CN" altLang="en-US" sz="2000" dirty="0">
+                <a:latin typeface="微软雅黑" panose="020B0503020204020204" pitchFamily="34" charset="-122"/>
+                <a:ea typeface="微软雅黑" panose="020B0503020204020204" pitchFamily="34" charset="-122"/>
+              </a:rPr>
+              <a:t>可以处理两种类型的队列：</a:t>
+            </a:r>
+          </a:p>
+          <a:p>
+            <a:pPr marL="457200" indent="-457200">
+              <a:buFont typeface="+mj-lt"/>
+              <a:buAutoNum type="arabicPeriod"/>
+            </a:pPr>
+            <a:r>
+              <a:rPr lang="zh-CN" altLang="en-US" sz="2000" dirty="0">
+                <a:latin typeface="微软雅黑" panose="020B0503020204020204" pitchFamily="34" charset="-122"/>
+                <a:ea typeface="微软雅黑" panose="020B0503020204020204" pitchFamily="34" charset="-122"/>
+              </a:rPr>
+              <a:t>当一个队列的成员都聚齐时，这个队列才可用，否则一直等待所有成员到达，这种是同步队列。</a:t>
+            </a:r>
+          </a:p>
+          <a:p>
+            <a:pPr marL="457200" indent="-457200">
+              <a:buFont typeface="+mj-lt"/>
+              <a:buAutoNum type="arabicPeriod"/>
+            </a:pPr>
+            <a:r>
+              <a:rPr lang="zh-CN" altLang="en-US" sz="2000" dirty="0">
+                <a:latin typeface="微软雅黑" panose="020B0503020204020204" pitchFamily="34" charset="-122"/>
+                <a:ea typeface="微软雅黑" panose="020B0503020204020204" pitchFamily="34" charset="-122"/>
+              </a:rPr>
+              <a:t>队列按照 </a:t>
+            </a:r>
+            <a:r>
+              <a:rPr lang="en-US" altLang="zh-CN" sz="2000" dirty="0">
+                <a:latin typeface="微软雅黑" panose="020B0503020204020204" pitchFamily="34" charset="-122"/>
+                <a:ea typeface="微软雅黑" panose="020B0503020204020204" pitchFamily="34" charset="-122"/>
+              </a:rPr>
+              <a:t>FIFO </a:t>
+            </a:r>
+            <a:r>
+              <a:rPr lang="zh-CN" altLang="en-US" sz="2000" dirty="0">
+                <a:latin typeface="微软雅黑" panose="020B0503020204020204" pitchFamily="34" charset="-122"/>
+                <a:ea typeface="微软雅黑" panose="020B0503020204020204" pitchFamily="34" charset="-122"/>
+              </a:rPr>
+              <a:t>方式进行入队和出队操作，例如实现生产者和消费者模型。</a:t>
+            </a:r>
+          </a:p>
+          <a:p>
+            <a:endParaRPr lang="zh-CN" altLang="en-US" dirty="0"/>
+          </a:p>
+        </p:txBody>
+      </p:sp>
+    </p:spTree>
+    <p:extLst>
+      <p:ext uri="{BB962C8B-B14F-4D97-AF65-F5344CB8AC3E}">
+        <p14:creationId xmlns:p14="http://schemas.microsoft.com/office/powerpoint/2010/main" val="3177383479"/>
+      </p:ext>
+    </p:extLst>
+  </p:cSld>
+  <p:clrMapOvr>
+    <a:masterClrMapping/>
+  </p:clrMapOvr>
+  <p:timing>
+    <p:tnLst>
+      <p:par>
+        <p:cTn id="1" dur="indefinite" restart="never" nodeType="tmRoot"/>
+      </p:par>
+    </p:tnLst>
+  </p:timing>
+</p:sld>
+</file>
+
+<file path=ppt/slides/slide12.xml><?xml version="1.0" encoding="utf-8"?>
+<p:sld xmlns:a="http://schemas.openxmlformats.org/drawingml/2006/main" xmlns:r="http://schemas.openxmlformats.org/officeDocument/2006/relationships" xmlns:p="http://schemas.openxmlformats.org/presentationml/2006/main">
+  <p:cSld>
+    <p:spTree>
+      <p:nvGrpSpPr>
+        <p:cNvPr id="1" name=""/>
+        <p:cNvGrpSpPr/>
+        <p:nvPr/>
+      </p:nvGrpSpPr>
+      <p:grpSpPr>
+        <a:xfrm>
+          <a:off x="0" y="0"/>
+          <a:ext cx="0" cy="0"/>
+          <a:chOff x="0" y="0"/>
+          <a:chExt cx="0" cy="0"/>
+        </a:xfrm>
+      </p:grpSpPr>
+      <p:graphicFrame>
+        <p:nvGraphicFramePr>
+          <p:cNvPr id="4" name="表格 3"/>
+          <p:cNvGraphicFramePr>
+            <a:graphicFrameLocks noGrp="1"/>
+          </p:cNvGraphicFramePr>
+          <p:nvPr>
+            <p:extLst>
+              <p:ext uri="{D42A27DB-BD31-4B8C-83A1-F6EECF244321}">
+                <p14:modId xmlns:p14="http://schemas.microsoft.com/office/powerpoint/2010/main" val="3871599898"/>
+              </p:ext>
+            </p:extLst>
+          </p:nvPr>
+        </p:nvGraphicFramePr>
+        <p:xfrm>
+          <a:off x="1559496" y="1124744"/>
+          <a:ext cx="9649072" cy="4479642"/>
+        </p:xfrm>
+        <a:graphic>
+          <a:graphicData uri="http://schemas.openxmlformats.org/drawingml/2006/table">
+            <a:tbl>
+              <a:tblPr>
+                <a:tableStyleId>{8799B23B-EC83-4686-B30A-512413B5E67A}</a:tableStyleId>
+              </a:tblPr>
+              <a:tblGrid>
+                <a:gridCol w="2592148"/>
+                <a:gridCol w="3600540"/>
+                <a:gridCol w="3456384"/>
+              </a:tblGrid>
+              <a:tr h="649760">
+                <a:tc>
+                  <a:txBody>
+                    <a:bodyPr/>
+                    <a:lstStyle/>
+                    <a:p>
+                      <a:pPr algn="l"/>
+                      <a:r>
+                        <a:rPr lang="en-US" sz="1600" dirty="0">
+                          <a:effectLst/>
+                          <a:latin typeface="Arial Unicode MS" panose="020B0604020202020204" pitchFamily="34" charset="-122"/>
+                          <a:ea typeface="Arial Unicode MS" panose="020B0604020202020204" pitchFamily="34" charset="-122"/>
+                          <a:cs typeface="Arial Unicode MS" panose="020B0604020202020204" pitchFamily="34" charset="-122"/>
+                        </a:rPr>
+                        <a:t/>
+                      </a:r>
+                      <a:br>
+                        <a:rPr lang="en-US" sz="1600" dirty="0">
+                          <a:effectLst/>
+                          <a:latin typeface="Arial Unicode MS" panose="020B0604020202020204" pitchFamily="34" charset="-122"/>
+                          <a:ea typeface="Arial Unicode MS" panose="020B0604020202020204" pitchFamily="34" charset="-122"/>
+                          <a:cs typeface="Arial Unicode MS" panose="020B0604020202020204" pitchFamily="34" charset="-122"/>
+                        </a:rPr>
+                      </a:br>
+                      <a:endParaRPr lang="en-US" sz="1600" dirty="0">
+                        <a:effectLst/>
+                        <a:latin typeface="Arial Unicode MS" panose="020B0604020202020204" pitchFamily="34" charset="-122"/>
+                        <a:ea typeface="Arial Unicode MS" panose="020B0604020202020204" pitchFamily="34" charset="-122"/>
+                        <a:cs typeface="Arial Unicode MS" panose="020B0604020202020204" pitchFamily="34" charset="-122"/>
+                      </a:endParaRPr>
+                    </a:p>
+                  </a:txBody>
+                  <a:tcPr marL="16918" marR="16918" marT="16918" marB="16918" anchor="b"/>
+                </a:tc>
+                <a:tc>
+                  <a:txBody>
+                    <a:bodyPr/>
+                    <a:lstStyle/>
+                    <a:p>
+                      <a:pPr algn="l"/>
+                      <a:r>
+                        <a:rPr lang="en-US" altLang="zh-CN" sz="1600" dirty="0" smtClean="0">
+                          <a:solidFill>
+                            <a:srgbClr val="FF0000"/>
+                          </a:solidFill>
+                          <a:effectLst/>
+                          <a:latin typeface="Arial Unicode MS" panose="020B0604020202020204" pitchFamily="34" charset="-122"/>
+                          <a:ea typeface="Arial Unicode MS" panose="020B0604020202020204" pitchFamily="34" charset="-122"/>
+                          <a:cs typeface="Arial Unicode MS" panose="020B0604020202020204" pitchFamily="34" charset="-122"/>
+                        </a:rPr>
+                        <a:t>event For “/path”</a:t>
+                      </a:r>
+                      <a:endParaRPr lang="en-US" sz="1600" dirty="0">
+                        <a:solidFill>
+                          <a:srgbClr val="FF0000"/>
+                        </a:solidFill>
+                        <a:effectLst/>
+                        <a:latin typeface="Arial Unicode MS" panose="020B0604020202020204" pitchFamily="34" charset="-122"/>
+                        <a:ea typeface="Arial Unicode MS" panose="020B0604020202020204" pitchFamily="34" charset="-122"/>
+                        <a:cs typeface="Arial Unicode MS" panose="020B0604020202020204" pitchFamily="34" charset="-122"/>
+                      </a:endParaRPr>
+                    </a:p>
+                  </a:txBody>
+                  <a:tcPr marL="16918" marR="16918" marT="16918" marB="16918" anchor="b"/>
+                </a:tc>
+                <a:tc>
+                  <a:txBody>
+                    <a:bodyPr/>
+                    <a:lstStyle/>
+                    <a:p>
+                      <a:pPr marL="0" marR="0" indent="0" algn="l" defTabSz="1219170" rtl="0" eaLnBrk="1" fontAlgn="auto" latinLnBrk="0" hangingPunct="1">
+                        <a:lnSpc>
+                          <a:spcPct val="100000"/>
+                        </a:lnSpc>
+                        <a:spcBef>
+                          <a:spcPts val="0"/>
+                        </a:spcBef>
+                        <a:spcAft>
+                          <a:spcPts val="0"/>
+                        </a:spcAft>
+                        <a:buClrTx/>
+                        <a:buSzTx/>
+                        <a:buFontTx/>
+                        <a:buNone/>
+                        <a:tabLst/>
+                        <a:defRPr/>
+                      </a:pPr>
+                      <a:r>
+                        <a:rPr lang="en-US" altLang="zh-CN" sz="1600" dirty="0" smtClean="0">
+                          <a:solidFill>
+                            <a:srgbClr val="FF0000"/>
+                          </a:solidFill>
+                          <a:effectLst/>
+                          <a:latin typeface="Arial Unicode MS" panose="020B0604020202020204" pitchFamily="34" charset="-122"/>
+                          <a:ea typeface="Arial Unicode MS" panose="020B0604020202020204" pitchFamily="34" charset="-122"/>
+                          <a:cs typeface="Arial Unicode MS" panose="020B0604020202020204" pitchFamily="34" charset="-122"/>
+                        </a:rPr>
+                        <a:t>event For “/path/child”</a:t>
+                      </a:r>
+                    </a:p>
+                  </a:txBody>
+                  <a:tcPr marL="54138" marR="54138" marT="27069" marB="27069" anchor="b"/>
+                </a:tc>
+              </a:tr>
+              <a:tr h="574376">
+                <a:tc>
+                  <a:txBody>
+                    <a:bodyPr/>
+                    <a:lstStyle/>
+                    <a:p>
+                      <a:pPr algn="l"/>
+                      <a:r>
+                        <a:rPr lang="en-US" sz="1600" dirty="0">
+                          <a:solidFill>
+                            <a:srgbClr val="00B050"/>
+                          </a:solidFill>
+                          <a:effectLst/>
+                          <a:latin typeface="Arial Unicode MS" panose="020B0604020202020204" pitchFamily="34" charset="-122"/>
+                          <a:ea typeface="Arial Unicode MS" panose="020B0604020202020204" pitchFamily="34" charset="-122"/>
+                          <a:cs typeface="Arial Unicode MS" panose="020B0604020202020204" pitchFamily="34" charset="-122"/>
+                        </a:rPr>
+                        <a:t>create(“/path”)</a:t>
+                      </a:r>
+                    </a:p>
+                  </a:txBody>
+                  <a:tcPr marL="16918" marR="16918" marT="16918" marB="16918" anchor="b"/>
+                </a:tc>
+                <a:tc>
+                  <a:txBody>
+                    <a:bodyPr/>
+                    <a:lstStyle/>
+                    <a:p>
+                      <a:pPr algn="l"/>
+                      <a:r>
+                        <a:rPr lang="en-US" sz="1600" dirty="0" err="1">
+                          <a:effectLst/>
+                          <a:latin typeface="Arial Unicode MS" panose="020B0604020202020204" pitchFamily="34" charset="-122"/>
+                          <a:ea typeface="Arial Unicode MS" panose="020B0604020202020204" pitchFamily="34" charset="-122"/>
+                          <a:cs typeface="Arial Unicode MS" panose="020B0604020202020204" pitchFamily="34" charset="-122"/>
+                        </a:rPr>
+                        <a:t>EventType.NodeCreated</a:t>
+                      </a:r>
+                      <a:endParaRPr lang="en-US" sz="1600" dirty="0">
+                        <a:effectLst/>
+                        <a:latin typeface="Arial Unicode MS" panose="020B0604020202020204" pitchFamily="34" charset="-122"/>
+                        <a:ea typeface="Arial Unicode MS" panose="020B0604020202020204" pitchFamily="34" charset="-122"/>
+                        <a:cs typeface="Arial Unicode MS" panose="020B0604020202020204" pitchFamily="34" charset="-122"/>
+                      </a:endParaRPr>
+                    </a:p>
+                  </a:txBody>
+                  <a:tcPr marL="16918" marR="16918" marT="16918" marB="16918" anchor="b"/>
+                </a:tc>
+                <a:tc>
+                  <a:txBody>
+                    <a:bodyPr/>
+                    <a:lstStyle/>
+                    <a:p>
+                      <a:pPr algn="l"/>
+                      <a:r>
+                        <a:rPr lang="en-US" sz="1600" dirty="0">
+                          <a:effectLst/>
+                          <a:latin typeface="Arial Unicode MS" panose="020B0604020202020204" pitchFamily="34" charset="-122"/>
+                          <a:ea typeface="Arial Unicode MS" panose="020B0604020202020204" pitchFamily="34" charset="-122"/>
+                          <a:cs typeface="Arial Unicode MS" panose="020B0604020202020204" pitchFamily="34" charset="-122"/>
+                        </a:rPr>
+                        <a:t>NA</a:t>
+                      </a:r>
+                    </a:p>
+                  </a:txBody>
+                  <a:tcPr marL="16918" marR="16918" marT="16918" marB="16918" anchor="b"/>
+                </a:tc>
+              </a:tr>
+              <a:tr h="634537">
+                <a:tc>
+                  <a:txBody>
+                    <a:bodyPr/>
+                    <a:lstStyle/>
+                    <a:p>
+                      <a:pPr algn="l"/>
+                      <a:r>
+                        <a:rPr lang="en-US" sz="1600" dirty="0">
+                          <a:solidFill>
+                            <a:srgbClr val="00B050"/>
+                          </a:solidFill>
+                          <a:effectLst/>
+                          <a:latin typeface="Arial Unicode MS" panose="020B0604020202020204" pitchFamily="34" charset="-122"/>
+                          <a:ea typeface="Arial Unicode MS" panose="020B0604020202020204" pitchFamily="34" charset="-122"/>
+                          <a:cs typeface="Arial Unicode MS" panose="020B0604020202020204" pitchFamily="34" charset="-122"/>
+                        </a:rPr>
+                        <a:t>delete(“/path”)</a:t>
+                      </a:r>
+                    </a:p>
+                  </a:txBody>
+                  <a:tcPr marL="16918" marR="16918" marT="16918" marB="16918" anchor="b"/>
+                </a:tc>
+                <a:tc>
+                  <a:txBody>
+                    <a:bodyPr/>
+                    <a:lstStyle/>
+                    <a:p>
+                      <a:pPr algn="l"/>
+                      <a:r>
+                        <a:rPr lang="en-US" sz="1600" dirty="0" err="1">
+                          <a:effectLst/>
+                          <a:latin typeface="Arial Unicode MS" panose="020B0604020202020204" pitchFamily="34" charset="-122"/>
+                          <a:ea typeface="Arial Unicode MS" panose="020B0604020202020204" pitchFamily="34" charset="-122"/>
+                          <a:cs typeface="Arial Unicode MS" panose="020B0604020202020204" pitchFamily="34" charset="-122"/>
+                        </a:rPr>
+                        <a:t>EventType.NodeDeleted</a:t>
+                      </a:r>
+                      <a:endParaRPr lang="en-US" sz="1600" dirty="0">
+                        <a:effectLst/>
+                        <a:latin typeface="Arial Unicode MS" panose="020B0604020202020204" pitchFamily="34" charset="-122"/>
+                        <a:ea typeface="Arial Unicode MS" panose="020B0604020202020204" pitchFamily="34" charset="-122"/>
+                        <a:cs typeface="Arial Unicode MS" panose="020B0604020202020204" pitchFamily="34" charset="-122"/>
+                      </a:endParaRPr>
+                    </a:p>
+                  </a:txBody>
+                  <a:tcPr marL="16918" marR="16918" marT="16918" marB="16918" anchor="b"/>
+                </a:tc>
+                <a:tc>
+                  <a:txBody>
+                    <a:bodyPr/>
+                    <a:lstStyle/>
+                    <a:p>
+                      <a:pPr algn="l"/>
+                      <a:r>
+                        <a:rPr lang="en-US" sz="1600" dirty="0">
+                          <a:effectLst/>
+                          <a:latin typeface="Arial Unicode MS" panose="020B0604020202020204" pitchFamily="34" charset="-122"/>
+                          <a:ea typeface="Arial Unicode MS" panose="020B0604020202020204" pitchFamily="34" charset="-122"/>
+                          <a:cs typeface="Arial Unicode MS" panose="020B0604020202020204" pitchFamily="34" charset="-122"/>
+                        </a:rPr>
+                        <a:t>NA</a:t>
+                      </a:r>
+                    </a:p>
+                  </a:txBody>
+                  <a:tcPr marL="16918" marR="16918" marT="16918" marB="16918" anchor="b"/>
+                </a:tc>
+              </a:tr>
+              <a:tr h="694698">
+                <a:tc>
+                  <a:txBody>
+                    <a:bodyPr/>
+                    <a:lstStyle/>
+                    <a:p>
+                      <a:pPr algn="l"/>
+                      <a:r>
+                        <a:rPr lang="en-US" sz="1600" dirty="0" err="1">
+                          <a:solidFill>
+                            <a:srgbClr val="00B050"/>
+                          </a:solidFill>
+                          <a:effectLst/>
+                          <a:latin typeface="Arial Unicode MS" panose="020B0604020202020204" pitchFamily="34" charset="-122"/>
+                          <a:ea typeface="Arial Unicode MS" panose="020B0604020202020204" pitchFamily="34" charset="-122"/>
+                          <a:cs typeface="Arial Unicode MS" panose="020B0604020202020204" pitchFamily="34" charset="-122"/>
+                        </a:rPr>
+                        <a:t>setData</a:t>
+                      </a:r>
+                      <a:r>
+                        <a:rPr lang="en-US" sz="1600" dirty="0">
+                          <a:solidFill>
+                            <a:srgbClr val="00B050"/>
+                          </a:solidFill>
+                          <a:effectLst/>
+                          <a:latin typeface="Arial Unicode MS" panose="020B0604020202020204" pitchFamily="34" charset="-122"/>
+                          <a:ea typeface="Arial Unicode MS" panose="020B0604020202020204" pitchFamily="34" charset="-122"/>
+                          <a:cs typeface="Arial Unicode MS" panose="020B0604020202020204" pitchFamily="34" charset="-122"/>
+                        </a:rPr>
+                        <a:t>(“/path”)</a:t>
+                      </a:r>
+                    </a:p>
+                  </a:txBody>
+                  <a:tcPr marL="16918" marR="16918" marT="16918" marB="16918" anchor="b"/>
+                </a:tc>
+                <a:tc>
+                  <a:txBody>
+                    <a:bodyPr/>
+                    <a:lstStyle/>
+                    <a:p>
+                      <a:pPr algn="l"/>
+                      <a:r>
+                        <a:rPr lang="en-US" sz="1600" dirty="0" err="1">
+                          <a:effectLst/>
+                          <a:latin typeface="Arial Unicode MS" panose="020B0604020202020204" pitchFamily="34" charset="-122"/>
+                          <a:ea typeface="Arial Unicode MS" panose="020B0604020202020204" pitchFamily="34" charset="-122"/>
+                          <a:cs typeface="Arial Unicode MS" panose="020B0604020202020204" pitchFamily="34" charset="-122"/>
+                        </a:rPr>
+                        <a:t>EventType.NodeDataChanged</a:t>
+                      </a:r>
+                      <a:endParaRPr lang="en-US" sz="1600" dirty="0">
+                        <a:effectLst/>
+                        <a:latin typeface="Arial Unicode MS" panose="020B0604020202020204" pitchFamily="34" charset="-122"/>
+                        <a:ea typeface="Arial Unicode MS" panose="020B0604020202020204" pitchFamily="34" charset="-122"/>
+                        <a:cs typeface="Arial Unicode MS" panose="020B0604020202020204" pitchFamily="34" charset="-122"/>
+                      </a:endParaRPr>
+                    </a:p>
+                  </a:txBody>
+                  <a:tcPr marL="16918" marR="16918" marT="16918" marB="16918" anchor="b"/>
+                </a:tc>
+                <a:tc>
+                  <a:txBody>
+                    <a:bodyPr/>
+                    <a:lstStyle/>
+                    <a:p>
+                      <a:pPr algn="l"/>
+                      <a:r>
+                        <a:rPr lang="en-US" sz="1600" dirty="0">
+                          <a:effectLst/>
+                          <a:latin typeface="Arial Unicode MS" panose="020B0604020202020204" pitchFamily="34" charset="-122"/>
+                          <a:ea typeface="Arial Unicode MS" panose="020B0604020202020204" pitchFamily="34" charset="-122"/>
+                          <a:cs typeface="Arial Unicode MS" panose="020B0604020202020204" pitchFamily="34" charset="-122"/>
+                        </a:rPr>
+                        <a:t>NA</a:t>
+                      </a:r>
+                    </a:p>
+                  </a:txBody>
+                  <a:tcPr marL="16918" marR="16918" marT="16918" marB="16918" anchor="b"/>
+                </a:tc>
+              </a:tr>
+              <a:tr h="648072">
+                <a:tc>
+                  <a:txBody>
+                    <a:bodyPr/>
+                    <a:lstStyle/>
+                    <a:p>
+                      <a:pPr algn="l"/>
+                      <a:r>
+                        <a:rPr lang="en-US" sz="1600" dirty="0">
+                          <a:solidFill>
+                            <a:srgbClr val="00B050"/>
+                          </a:solidFill>
+                          <a:effectLst/>
+                          <a:latin typeface="Arial Unicode MS" panose="020B0604020202020204" pitchFamily="34" charset="-122"/>
+                          <a:ea typeface="Arial Unicode MS" panose="020B0604020202020204" pitchFamily="34" charset="-122"/>
+                          <a:cs typeface="Arial Unicode MS" panose="020B0604020202020204" pitchFamily="34" charset="-122"/>
+                        </a:rPr>
+                        <a:t>create(“/path/child”)</a:t>
+                      </a:r>
+                    </a:p>
+                  </a:txBody>
+                  <a:tcPr marL="16918" marR="16918" marT="16918" marB="16918" anchor="b"/>
+                </a:tc>
+                <a:tc>
+                  <a:txBody>
+                    <a:bodyPr/>
+                    <a:lstStyle/>
+                    <a:p>
+                      <a:pPr algn="l"/>
+                      <a:r>
+                        <a:rPr lang="en-US" sz="1600" dirty="0" err="1">
+                          <a:effectLst/>
+                          <a:latin typeface="Arial Unicode MS" panose="020B0604020202020204" pitchFamily="34" charset="-122"/>
+                          <a:ea typeface="Arial Unicode MS" panose="020B0604020202020204" pitchFamily="34" charset="-122"/>
+                          <a:cs typeface="Arial Unicode MS" panose="020B0604020202020204" pitchFamily="34" charset="-122"/>
+                        </a:rPr>
+                        <a:t>EventType.NodeChildrenChanged</a:t>
+                      </a:r>
+                      <a:endParaRPr lang="en-US" sz="1600" dirty="0">
+                        <a:effectLst/>
+                        <a:latin typeface="Arial Unicode MS" panose="020B0604020202020204" pitchFamily="34" charset="-122"/>
+                        <a:ea typeface="Arial Unicode MS" panose="020B0604020202020204" pitchFamily="34" charset="-122"/>
+                        <a:cs typeface="Arial Unicode MS" panose="020B0604020202020204" pitchFamily="34" charset="-122"/>
+                      </a:endParaRPr>
+                    </a:p>
+                  </a:txBody>
+                  <a:tcPr marL="16918" marR="16918" marT="16918" marB="16918" anchor="b"/>
+                </a:tc>
+                <a:tc>
+                  <a:txBody>
+                    <a:bodyPr/>
+                    <a:lstStyle/>
+                    <a:p>
+                      <a:pPr algn="l"/>
+                      <a:r>
+                        <a:rPr lang="en-US" sz="1600" dirty="0" err="1">
+                          <a:effectLst/>
+                          <a:latin typeface="Arial Unicode MS" panose="020B0604020202020204" pitchFamily="34" charset="-122"/>
+                          <a:ea typeface="Arial Unicode MS" panose="020B0604020202020204" pitchFamily="34" charset="-122"/>
+                          <a:cs typeface="Arial Unicode MS" panose="020B0604020202020204" pitchFamily="34" charset="-122"/>
+                        </a:rPr>
+                        <a:t>EventType.NodeCreated</a:t>
+                      </a:r>
+                      <a:endParaRPr lang="en-US" sz="1600" dirty="0">
+                        <a:effectLst/>
+                        <a:latin typeface="Arial Unicode MS" panose="020B0604020202020204" pitchFamily="34" charset="-122"/>
+                        <a:ea typeface="Arial Unicode MS" panose="020B0604020202020204" pitchFamily="34" charset="-122"/>
+                        <a:cs typeface="Arial Unicode MS" panose="020B0604020202020204" pitchFamily="34" charset="-122"/>
+                      </a:endParaRPr>
+                    </a:p>
+                  </a:txBody>
+                  <a:tcPr marL="16918" marR="16918" marT="16918" marB="16918" anchor="b"/>
+                </a:tc>
+              </a:tr>
+              <a:tr h="628439">
+                <a:tc>
+                  <a:txBody>
+                    <a:bodyPr/>
+                    <a:lstStyle/>
+                    <a:p>
+                      <a:pPr algn="l"/>
+                      <a:r>
+                        <a:rPr lang="en-US" sz="1600" dirty="0">
+                          <a:solidFill>
+                            <a:srgbClr val="00B050"/>
+                          </a:solidFill>
+                          <a:effectLst/>
+                          <a:latin typeface="Arial Unicode MS" panose="020B0604020202020204" pitchFamily="34" charset="-122"/>
+                          <a:ea typeface="Arial Unicode MS" panose="020B0604020202020204" pitchFamily="34" charset="-122"/>
+                          <a:cs typeface="Arial Unicode MS" panose="020B0604020202020204" pitchFamily="34" charset="-122"/>
+                        </a:rPr>
+                        <a:t>delete(“/path/child”)</a:t>
+                      </a:r>
+                    </a:p>
+                  </a:txBody>
+                  <a:tcPr marL="16918" marR="16918" marT="16918" marB="16918" anchor="b"/>
+                </a:tc>
+                <a:tc>
+                  <a:txBody>
+                    <a:bodyPr/>
+                    <a:lstStyle/>
+                    <a:p>
+                      <a:pPr algn="l"/>
+                      <a:r>
+                        <a:rPr lang="en-US" sz="1600" dirty="0" err="1">
+                          <a:effectLst/>
+                          <a:latin typeface="Arial Unicode MS" panose="020B0604020202020204" pitchFamily="34" charset="-122"/>
+                          <a:ea typeface="Arial Unicode MS" panose="020B0604020202020204" pitchFamily="34" charset="-122"/>
+                          <a:cs typeface="Arial Unicode MS" panose="020B0604020202020204" pitchFamily="34" charset="-122"/>
+                        </a:rPr>
+                        <a:t>EventType.NodeChildrenChanged</a:t>
+                      </a:r>
+                      <a:endParaRPr lang="en-US" sz="1600" dirty="0">
+                        <a:effectLst/>
+                        <a:latin typeface="Arial Unicode MS" panose="020B0604020202020204" pitchFamily="34" charset="-122"/>
+                        <a:ea typeface="Arial Unicode MS" panose="020B0604020202020204" pitchFamily="34" charset="-122"/>
+                        <a:cs typeface="Arial Unicode MS" panose="020B0604020202020204" pitchFamily="34" charset="-122"/>
+                      </a:endParaRPr>
+                    </a:p>
+                  </a:txBody>
+                  <a:tcPr marL="16918" marR="16918" marT="16918" marB="16918" anchor="b"/>
+                </a:tc>
+                <a:tc>
+                  <a:txBody>
+                    <a:bodyPr/>
+                    <a:lstStyle/>
+                    <a:p>
+                      <a:pPr algn="l"/>
+                      <a:r>
+                        <a:rPr lang="en-US" sz="1600" dirty="0" err="1">
+                          <a:effectLst/>
+                          <a:latin typeface="Arial Unicode MS" panose="020B0604020202020204" pitchFamily="34" charset="-122"/>
+                          <a:ea typeface="Arial Unicode MS" panose="020B0604020202020204" pitchFamily="34" charset="-122"/>
+                          <a:cs typeface="Arial Unicode MS" panose="020B0604020202020204" pitchFamily="34" charset="-122"/>
+                        </a:rPr>
+                        <a:t>EventType.NodeDeleted</a:t>
+                      </a:r>
+                      <a:endParaRPr lang="en-US" sz="1600" dirty="0">
+                        <a:effectLst/>
+                        <a:latin typeface="Arial Unicode MS" panose="020B0604020202020204" pitchFamily="34" charset="-122"/>
+                        <a:ea typeface="Arial Unicode MS" panose="020B0604020202020204" pitchFamily="34" charset="-122"/>
+                        <a:cs typeface="Arial Unicode MS" panose="020B0604020202020204" pitchFamily="34" charset="-122"/>
+                      </a:endParaRPr>
+                    </a:p>
+                  </a:txBody>
+                  <a:tcPr marL="16918" marR="16918" marT="16918" marB="16918" anchor="b"/>
+                </a:tc>
+              </a:tr>
+              <a:tr h="649760">
+                <a:tc>
+                  <a:txBody>
+                    <a:bodyPr/>
+                    <a:lstStyle/>
+                    <a:p>
+                      <a:pPr algn="l"/>
+                      <a:r>
+                        <a:rPr lang="en-US" sz="1600" dirty="0" err="1">
+                          <a:solidFill>
+                            <a:srgbClr val="00B050"/>
+                          </a:solidFill>
+                          <a:effectLst/>
+                          <a:latin typeface="Arial Unicode MS" panose="020B0604020202020204" pitchFamily="34" charset="-122"/>
+                          <a:ea typeface="Arial Unicode MS" panose="020B0604020202020204" pitchFamily="34" charset="-122"/>
+                          <a:cs typeface="Arial Unicode MS" panose="020B0604020202020204" pitchFamily="34" charset="-122"/>
+                        </a:rPr>
+                        <a:t>setData</a:t>
+                      </a:r>
+                      <a:r>
+                        <a:rPr lang="en-US" sz="1600" dirty="0">
+                          <a:solidFill>
+                            <a:srgbClr val="00B050"/>
+                          </a:solidFill>
+                          <a:effectLst/>
+                          <a:latin typeface="Arial Unicode MS" panose="020B0604020202020204" pitchFamily="34" charset="-122"/>
+                          <a:ea typeface="Arial Unicode MS" panose="020B0604020202020204" pitchFamily="34" charset="-122"/>
+                          <a:cs typeface="Arial Unicode MS" panose="020B0604020202020204" pitchFamily="34" charset="-122"/>
+                        </a:rPr>
+                        <a:t>(“/path/child”)</a:t>
+                      </a:r>
+                    </a:p>
+                  </a:txBody>
+                  <a:tcPr marL="16918" marR="16918" marT="16918" marB="16918" anchor="b"/>
+                </a:tc>
+                <a:tc>
+                  <a:txBody>
+                    <a:bodyPr/>
+                    <a:lstStyle/>
+                    <a:p>
+                      <a:pPr algn="l"/>
+                      <a:r>
+                        <a:rPr lang="en-US" sz="1600" dirty="0">
+                          <a:effectLst/>
+                          <a:latin typeface="Arial Unicode MS" panose="020B0604020202020204" pitchFamily="34" charset="-122"/>
+                          <a:ea typeface="Arial Unicode MS" panose="020B0604020202020204" pitchFamily="34" charset="-122"/>
+                          <a:cs typeface="Arial Unicode MS" panose="020B0604020202020204" pitchFamily="34" charset="-122"/>
+                        </a:rPr>
+                        <a:t>NA</a:t>
+                      </a:r>
+                    </a:p>
+                  </a:txBody>
+                  <a:tcPr marL="16918" marR="16918" marT="16918" marB="16918" anchor="b"/>
+                </a:tc>
+                <a:tc>
+                  <a:txBody>
+                    <a:bodyPr/>
+                    <a:lstStyle/>
+                    <a:p>
+                      <a:pPr algn="l"/>
+                      <a:r>
+                        <a:rPr lang="en-US" sz="1600" dirty="0" err="1">
+                          <a:effectLst/>
+                          <a:latin typeface="Arial Unicode MS" panose="020B0604020202020204" pitchFamily="34" charset="-122"/>
+                          <a:ea typeface="Arial Unicode MS" panose="020B0604020202020204" pitchFamily="34" charset="-122"/>
+                          <a:cs typeface="Arial Unicode MS" panose="020B0604020202020204" pitchFamily="34" charset="-122"/>
+                        </a:rPr>
+                        <a:t>EventType.NodeDataChanged</a:t>
+                      </a:r>
+                      <a:endParaRPr lang="en-US" sz="1600" dirty="0">
+                        <a:effectLst/>
+                        <a:latin typeface="Arial Unicode MS" panose="020B0604020202020204" pitchFamily="34" charset="-122"/>
+                        <a:ea typeface="Arial Unicode MS" panose="020B0604020202020204" pitchFamily="34" charset="-122"/>
+                        <a:cs typeface="Arial Unicode MS" panose="020B0604020202020204" pitchFamily="34" charset="-122"/>
+                      </a:endParaRPr>
+                    </a:p>
+                  </a:txBody>
+                  <a:tcPr marL="16918" marR="16918" marT="16918" marB="16918" anchor="b"/>
+                </a:tc>
+              </a:tr>
+            </a:tbl>
+          </a:graphicData>
+        </a:graphic>
+      </p:graphicFrame>
+      <p:sp>
+        <p:nvSpPr>
+          <p:cNvPr id="5" name="文本框 4"/>
+          <p:cNvSpPr txBox="1"/>
+          <p:nvPr/>
+        </p:nvSpPr>
+        <p:spPr>
+          <a:xfrm>
+            <a:off x="407368" y="188640"/>
+            <a:ext cx="6048672" cy="461665"/>
+          </a:xfrm>
+          <a:prstGeom prst="rect">
+            <a:avLst/>
+          </a:prstGeom>
+          <a:noFill/>
+        </p:spPr>
+        <p:txBody>
+          <a:bodyPr wrap="square" rtlCol="0">
+            <a:spAutoFit/>
+          </a:bodyPr>
+          <a:lstStyle/>
+          <a:p>
+            <a:r>
+              <a:rPr lang="zh-CN" altLang="en-US" sz="2400" b="1" dirty="0">
+                <a:latin typeface="微软雅黑" panose="020B0503020204020204" pitchFamily="34" charset="-122"/>
+                <a:ea typeface="微软雅黑" panose="020B0503020204020204" pitchFamily="34" charset="-122"/>
+              </a:rPr>
+              <a:t>操作与</a:t>
+            </a:r>
+            <a:r>
+              <a:rPr lang="en-US" altLang="zh-CN" sz="2400" b="1" dirty="0">
+                <a:latin typeface="微软雅黑" panose="020B0503020204020204" pitchFamily="34" charset="-122"/>
+                <a:ea typeface="微软雅黑" panose="020B0503020204020204" pitchFamily="34" charset="-122"/>
+              </a:rPr>
+              <a:t>ZK</a:t>
+            </a:r>
+            <a:r>
+              <a:rPr lang="zh-CN" altLang="en-US" sz="2400" b="1" dirty="0">
+                <a:latin typeface="微软雅黑" panose="020B0503020204020204" pitchFamily="34" charset="-122"/>
+                <a:ea typeface="微软雅黑" panose="020B0503020204020204" pitchFamily="34" charset="-122"/>
+              </a:rPr>
+              <a:t>内部产生的事件的对应关系：</a:t>
+            </a:r>
+          </a:p>
+        </p:txBody>
+      </p:sp>
+    </p:spTree>
+    <p:extLst>
+      <p:ext uri="{BB962C8B-B14F-4D97-AF65-F5344CB8AC3E}">
+        <p14:creationId xmlns:p14="http://schemas.microsoft.com/office/powerpoint/2010/main" val="43791981"/>
+      </p:ext>
+    </p:extLst>
+  </p:cSld>
+  <p:clrMapOvr>
+    <a:masterClrMapping/>
+  </p:clrMapOvr>
+  <p:timing>
+    <p:tnLst>
+      <p:par>
+        <p:cTn id="1" dur="indefinite" restart="never" nodeType="tmRoot"/>
+      </p:par>
+    </p:tnLst>
+  </p:timing>
+</p:sld>
+</file>
+
+<file path=ppt/slides/slide13.xml><?xml version="1.0" encoding="utf-8"?>
 <p:sld xmlns:a="http://schemas.openxmlformats.org/drawingml/2006/main" xmlns:r="http://schemas.openxmlformats.org/officeDocument/2006/relationships" xmlns:p="http://schemas.openxmlformats.org/presentationml/2006/main">
   <p:cSld>
     <p:spTree>
@@ -12300,7 +13255,7 @@
 </p:sld>
 </file>
 
-<file path=ppt/slides/slide11.xml><?xml version="1.0" encoding="utf-8"?>
+<file path=ppt/slides/slide14.xml><?xml version="1.0" encoding="utf-8"?>
 <p:sld xmlns:a="http://schemas.openxmlformats.org/drawingml/2006/main" xmlns:r="http://schemas.openxmlformats.org/officeDocument/2006/relationships" xmlns:p="http://schemas.openxmlformats.org/presentationml/2006/main">
   <p:cSld>
     <p:spTree>
@@ -13397,7 +14352,7 @@
 </p:sld>
 </file>
 
-<file path=ppt/slides/slide12.xml><?xml version="1.0" encoding="utf-8"?>
+<file path=ppt/slides/slide15.xml><?xml version="1.0" encoding="utf-8"?>
 <p:sld xmlns:a="http://schemas.openxmlformats.org/drawingml/2006/main" xmlns:r="http://schemas.openxmlformats.org/officeDocument/2006/relationships" xmlns:p="http://schemas.openxmlformats.org/presentationml/2006/main">
   <p:cSld>
     <p:spTree>
@@ -13766,7 +14721,7 @@
 </p:sld>
 </file>
 
-<file path=ppt/slides/slide13.xml><?xml version="1.0" encoding="utf-8"?>
+<file path=ppt/slides/slide16.xml><?xml version="1.0" encoding="utf-8"?>
 <p:sld xmlns:a="http://schemas.openxmlformats.org/drawingml/2006/main" xmlns:r="http://schemas.openxmlformats.org/officeDocument/2006/relationships" xmlns:p="http://schemas.openxmlformats.org/presentationml/2006/main">
   <p:cSld>
     <p:spTree>
@@ -13839,7 +14794,7 @@
 </p:sld>
 </file>
 
-<file path=ppt/slides/slide14.xml><?xml version="1.0" encoding="utf-8"?>
+<file path=ppt/slides/slide17.xml><?xml version="1.0" encoding="utf-8"?>
 <p:sld xmlns:a="http://schemas.openxmlformats.org/drawingml/2006/main" xmlns:r="http://schemas.openxmlformats.org/officeDocument/2006/relationships" xmlns:p="http://schemas.openxmlformats.org/presentationml/2006/main">
   <p:cSld>
     <p:spTree>
@@ -14741,8 +15696,8 @@
         </p:nvSpPr>
         <p:spPr>
           <a:xfrm>
-            <a:off x="839416" y="692696"/>
-            <a:ext cx="10801200" cy="4555093"/>
+            <a:off x="1199456" y="1196752"/>
+            <a:ext cx="10585176" cy="2554545"/>
           </a:xfrm>
           <a:prstGeom prst="rect">
             <a:avLst/>
@@ -14756,276 +15711,283 @@
           <a:lstStyle/>
           <a:p>
             <a:r>
-              <a:rPr lang="zh-CN" altLang="en-US" sz="2400" b="1" dirty="0">
-                <a:latin typeface="微软雅黑" panose="020B0503020204020204" pitchFamily="34" charset="-122"/>
-                <a:ea typeface="微软雅黑" panose="020B0503020204020204" pitchFamily="34" charset="-122"/>
-              </a:rPr>
-              <a:t>统一命名服务（</a:t>
-            </a:r>
-            <a:r>
-              <a:rPr lang="en-US" altLang="zh-CN" sz="2400" b="1" dirty="0">
-                <a:latin typeface="微软雅黑" panose="020B0503020204020204" pitchFamily="34" charset="-122"/>
-                <a:ea typeface="微软雅黑" panose="020B0503020204020204" pitchFamily="34" charset="-122"/>
-              </a:rPr>
-              <a:t>Name Service</a:t>
-            </a:r>
-            <a:r>
-              <a:rPr lang="zh-CN" altLang="en-US" sz="2400" b="1" dirty="0" smtClean="0">
-                <a:latin typeface="微软雅黑" panose="020B0503020204020204" pitchFamily="34" charset="-122"/>
-                <a:ea typeface="微软雅黑" panose="020B0503020204020204" pitchFamily="34" charset="-122"/>
-              </a:rPr>
-              <a:t>）</a:t>
-            </a:r>
-            <a:endParaRPr lang="en-US" altLang="zh-CN" sz="2400" b="1" dirty="0" smtClean="0">
+              <a:rPr lang="en-US" altLang="zh-CN" sz="2000" b="1" dirty="0" err="1">
+                <a:latin typeface="微软雅黑" panose="020B0503020204020204" pitchFamily="34" charset="-122"/>
+                <a:ea typeface="微软雅黑" panose="020B0503020204020204" pitchFamily="34" charset="-122"/>
+              </a:rPr>
+              <a:t>ZooKeeper</a:t>
+            </a:r>
+            <a:r>
+              <a:rPr lang="zh-CN" altLang="en-US" sz="2000" b="1" dirty="0">
+                <a:latin typeface="微软雅黑" panose="020B0503020204020204" pitchFamily="34" charset="-122"/>
+                <a:ea typeface="微软雅黑" panose="020B0503020204020204" pitchFamily="34" charset="-122"/>
+              </a:rPr>
+              <a:t>服务命令</a:t>
+            </a:r>
+            <a:r>
+              <a:rPr lang="en-US" altLang="zh-CN" sz="2000" b="1" dirty="0">
+                <a:latin typeface="微软雅黑" panose="020B0503020204020204" pitchFamily="34" charset="-122"/>
+                <a:ea typeface="微软雅黑" panose="020B0503020204020204" pitchFamily="34" charset="-122"/>
+              </a:rPr>
+              <a:t>:</a:t>
+            </a:r>
+          </a:p>
+          <a:p>
+            <a:r>
+              <a:rPr lang="zh-CN" altLang="en-US" sz="2000" dirty="0">
+                <a:latin typeface="微软雅黑" panose="020B0503020204020204" pitchFamily="34" charset="-122"/>
+                <a:ea typeface="微软雅黑" panose="020B0503020204020204" pitchFamily="34" charset="-122"/>
+              </a:rPr>
+              <a:t>     在准备好相应的配置之后，可以直接通过</a:t>
+            </a:r>
+            <a:r>
+              <a:rPr lang="en-US" altLang="zh-CN" sz="2000" dirty="0">
+                <a:latin typeface="微软雅黑" panose="020B0503020204020204" pitchFamily="34" charset="-122"/>
+                <a:ea typeface="微软雅黑" panose="020B0503020204020204" pitchFamily="34" charset="-122"/>
+              </a:rPr>
+              <a:t>zkServer.sh </a:t>
+            </a:r>
+            <a:r>
+              <a:rPr lang="zh-CN" altLang="en-US" sz="2000" dirty="0">
+                <a:latin typeface="微软雅黑" panose="020B0503020204020204" pitchFamily="34" charset="-122"/>
+                <a:ea typeface="微软雅黑" panose="020B0503020204020204" pitchFamily="34" charset="-122"/>
+              </a:rPr>
+              <a:t>这个脚本进行服务的相关</a:t>
+            </a:r>
+            <a:r>
+              <a:rPr lang="zh-CN" altLang="en-US" sz="2000" dirty="0" smtClean="0">
+                <a:latin typeface="微软雅黑" panose="020B0503020204020204" pitchFamily="34" charset="-122"/>
+                <a:ea typeface="微软雅黑" panose="020B0503020204020204" pitchFamily="34" charset="-122"/>
+              </a:rPr>
+              <a:t>操作</a:t>
+            </a:r>
+            <a:endParaRPr lang="en-US" altLang="zh-CN" sz="2000" dirty="0" smtClean="0">
               <a:latin typeface="微软雅黑" panose="020B0503020204020204" pitchFamily="34" charset="-122"/>
               <a:ea typeface="微软雅黑" panose="020B0503020204020204" pitchFamily="34" charset="-122"/>
             </a:endParaRPr>
           </a:p>
           <a:p>
-            <a:endParaRPr lang="en-US" altLang="zh-CN" sz="2400" b="1" dirty="0">
+            <a:endParaRPr lang="zh-CN" altLang="en-US" sz="2000" dirty="0">
               <a:latin typeface="微软雅黑" panose="020B0503020204020204" pitchFamily="34" charset="-122"/>
               <a:ea typeface="微软雅黑" panose="020B0503020204020204" pitchFamily="34" charset="-122"/>
             </a:endParaRPr>
           </a:p>
           <a:p>
-            <a:endParaRPr lang="zh-CN" altLang="en-US" sz="2400" b="1" dirty="0">
+            <a:r>
+              <a:rPr lang="en-US" altLang="zh-CN" sz="2000" dirty="0">
+                <a:latin typeface="微软雅黑" panose="020B0503020204020204" pitchFamily="34" charset="-122"/>
+                <a:ea typeface="微软雅黑" panose="020B0503020204020204" pitchFamily="34" charset="-122"/>
+              </a:rPr>
+              <a:t>1. </a:t>
+            </a:r>
+            <a:r>
+              <a:rPr lang="zh-CN" altLang="en-US" sz="2000" dirty="0">
+                <a:latin typeface="微软雅黑" panose="020B0503020204020204" pitchFamily="34" charset="-122"/>
+                <a:ea typeface="微软雅黑" panose="020B0503020204020204" pitchFamily="34" charset="-122"/>
+              </a:rPr>
+              <a:t>启动</a:t>
+            </a:r>
+            <a:r>
+              <a:rPr lang="en-US" altLang="zh-CN" sz="2000" dirty="0">
+                <a:latin typeface="微软雅黑" panose="020B0503020204020204" pitchFamily="34" charset="-122"/>
+                <a:ea typeface="微软雅黑" panose="020B0503020204020204" pitchFamily="34" charset="-122"/>
+              </a:rPr>
+              <a:t>ZK</a:t>
+            </a:r>
+            <a:r>
+              <a:rPr lang="zh-CN" altLang="en-US" sz="2000" dirty="0">
+                <a:latin typeface="微软雅黑" panose="020B0503020204020204" pitchFamily="34" charset="-122"/>
+                <a:ea typeface="微软雅黑" panose="020B0503020204020204" pitchFamily="34" charset="-122"/>
+              </a:rPr>
+              <a:t>服务</a:t>
+            </a:r>
+            <a:r>
+              <a:rPr lang="en-US" altLang="zh-CN" sz="2000" dirty="0">
+                <a:latin typeface="微软雅黑" panose="020B0503020204020204" pitchFamily="34" charset="-122"/>
+                <a:ea typeface="微软雅黑" panose="020B0503020204020204" pitchFamily="34" charset="-122"/>
+              </a:rPr>
+              <a:t>:       </a:t>
+            </a:r>
+            <a:r>
+              <a:rPr lang="en-US" altLang="zh-CN" sz="2000" dirty="0" err="1">
+                <a:latin typeface="微软雅黑" panose="020B0503020204020204" pitchFamily="34" charset="-122"/>
+                <a:ea typeface="微软雅黑" panose="020B0503020204020204" pitchFamily="34" charset="-122"/>
+              </a:rPr>
+              <a:t>sh</a:t>
+            </a:r>
+            <a:r>
+              <a:rPr lang="en-US" altLang="zh-CN" sz="2000" dirty="0">
+                <a:latin typeface="微软雅黑" panose="020B0503020204020204" pitchFamily="34" charset="-122"/>
+                <a:ea typeface="微软雅黑" panose="020B0503020204020204" pitchFamily="34" charset="-122"/>
+              </a:rPr>
+              <a:t> bin/zkServer.sh start</a:t>
+            </a:r>
+          </a:p>
+          <a:p>
+            <a:r>
+              <a:rPr lang="en-US" altLang="zh-CN" sz="2000" dirty="0">
+                <a:latin typeface="微软雅黑" panose="020B0503020204020204" pitchFamily="34" charset="-122"/>
+                <a:ea typeface="微软雅黑" panose="020B0503020204020204" pitchFamily="34" charset="-122"/>
+              </a:rPr>
+              <a:t>2. </a:t>
+            </a:r>
+            <a:r>
+              <a:rPr lang="zh-CN" altLang="en-US" sz="2000" dirty="0">
+                <a:latin typeface="微软雅黑" panose="020B0503020204020204" pitchFamily="34" charset="-122"/>
+                <a:ea typeface="微软雅黑" panose="020B0503020204020204" pitchFamily="34" charset="-122"/>
+              </a:rPr>
+              <a:t>查看</a:t>
+            </a:r>
+            <a:r>
+              <a:rPr lang="en-US" altLang="zh-CN" sz="2000" dirty="0">
+                <a:latin typeface="微软雅黑" panose="020B0503020204020204" pitchFamily="34" charset="-122"/>
+                <a:ea typeface="微软雅黑" panose="020B0503020204020204" pitchFamily="34" charset="-122"/>
+              </a:rPr>
+              <a:t>ZK</a:t>
+            </a:r>
+            <a:r>
+              <a:rPr lang="zh-CN" altLang="en-US" sz="2000" dirty="0">
+                <a:latin typeface="微软雅黑" panose="020B0503020204020204" pitchFamily="34" charset="-122"/>
+                <a:ea typeface="微软雅黑" panose="020B0503020204020204" pitchFamily="34" charset="-122"/>
+              </a:rPr>
+              <a:t>服务状态</a:t>
+            </a:r>
+            <a:r>
+              <a:rPr lang="en-US" altLang="zh-CN" sz="2000" dirty="0">
+                <a:latin typeface="微软雅黑" panose="020B0503020204020204" pitchFamily="34" charset="-122"/>
+                <a:ea typeface="微软雅黑" panose="020B0503020204020204" pitchFamily="34" charset="-122"/>
+              </a:rPr>
+              <a:t>: </a:t>
+            </a:r>
+            <a:r>
+              <a:rPr lang="en-US" altLang="zh-CN" sz="2000" dirty="0" err="1">
+                <a:latin typeface="微软雅黑" panose="020B0503020204020204" pitchFamily="34" charset="-122"/>
+                <a:ea typeface="微软雅黑" panose="020B0503020204020204" pitchFamily="34" charset="-122"/>
+              </a:rPr>
+              <a:t>sh</a:t>
+            </a:r>
+            <a:r>
+              <a:rPr lang="en-US" altLang="zh-CN" sz="2000" dirty="0">
+                <a:latin typeface="微软雅黑" panose="020B0503020204020204" pitchFamily="34" charset="-122"/>
+                <a:ea typeface="微软雅黑" panose="020B0503020204020204" pitchFamily="34" charset="-122"/>
+              </a:rPr>
+              <a:t> bin/zkServer.sh status</a:t>
+            </a:r>
+          </a:p>
+          <a:p>
+            <a:r>
+              <a:rPr lang="en-US" altLang="zh-CN" sz="2000" dirty="0">
+                <a:latin typeface="微软雅黑" panose="020B0503020204020204" pitchFamily="34" charset="-122"/>
+                <a:ea typeface="微软雅黑" panose="020B0503020204020204" pitchFamily="34" charset="-122"/>
+              </a:rPr>
+              <a:t>3. </a:t>
+            </a:r>
+            <a:r>
+              <a:rPr lang="zh-CN" altLang="en-US" sz="2000" dirty="0">
+                <a:latin typeface="微软雅黑" panose="020B0503020204020204" pitchFamily="34" charset="-122"/>
+                <a:ea typeface="微软雅黑" panose="020B0503020204020204" pitchFamily="34" charset="-122"/>
+              </a:rPr>
+              <a:t>停止</a:t>
+            </a:r>
+            <a:r>
+              <a:rPr lang="en-US" altLang="zh-CN" sz="2000" dirty="0">
+                <a:latin typeface="微软雅黑" panose="020B0503020204020204" pitchFamily="34" charset="-122"/>
+                <a:ea typeface="微软雅黑" panose="020B0503020204020204" pitchFamily="34" charset="-122"/>
+              </a:rPr>
+              <a:t>ZK</a:t>
+            </a:r>
+            <a:r>
+              <a:rPr lang="zh-CN" altLang="en-US" sz="2000" dirty="0">
+                <a:latin typeface="微软雅黑" panose="020B0503020204020204" pitchFamily="34" charset="-122"/>
+                <a:ea typeface="微软雅黑" panose="020B0503020204020204" pitchFamily="34" charset="-122"/>
+              </a:rPr>
+              <a:t>服务</a:t>
+            </a:r>
+            <a:r>
+              <a:rPr lang="en-US" altLang="zh-CN" sz="2000" dirty="0">
+                <a:latin typeface="微软雅黑" panose="020B0503020204020204" pitchFamily="34" charset="-122"/>
+                <a:ea typeface="微软雅黑" panose="020B0503020204020204" pitchFamily="34" charset="-122"/>
+              </a:rPr>
+              <a:t>:       </a:t>
+            </a:r>
+            <a:r>
+              <a:rPr lang="en-US" altLang="zh-CN" sz="2000" dirty="0" err="1">
+                <a:latin typeface="微软雅黑" panose="020B0503020204020204" pitchFamily="34" charset="-122"/>
+                <a:ea typeface="微软雅黑" panose="020B0503020204020204" pitchFamily="34" charset="-122"/>
+              </a:rPr>
+              <a:t>sh</a:t>
+            </a:r>
+            <a:r>
+              <a:rPr lang="en-US" altLang="zh-CN" sz="2000" dirty="0">
+                <a:latin typeface="微软雅黑" panose="020B0503020204020204" pitchFamily="34" charset="-122"/>
+                <a:ea typeface="微软雅黑" panose="020B0503020204020204" pitchFamily="34" charset="-122"/>
+              </a:rPr>
+              <a:t> bin/zkServer.sh stop</a:t>
+            </a:r>
+          </a:p>
+          <a:p>
+            <a:r>
+              <a:rPr lang="en-US" altLang="zh-CN" sz="2000" dirty="0">
+                <a:latin typeface="微软雅黑" panose="020B0503020204020204" pitchFamily="34" charset="-122"/>
+                <a:ea typeface="微软雅黑" panose="020B0503020204020204" pitchFamily="34" charset="-122"/>
+              </a:rPr>
+              <a:t>4. </a:t>
+            </a:r>
+            <a:r>
+              <a:rPr lang="zh-CN" altLang="en-US" sz="2000" dirty="0">
+                <a:latin typeface="微软雅黑" panose="020B0503020204020204" pitchFamily="34" charset="-122"/>
+                <a:ea typeface="微软雅黑" panose="020B0503020204020204" pitchFamily="34" charset="-122"/>
+              </a:rPr>
+              <a:t>重启</a:t>
+            </a:r>
+            <a:r>
+              <a:rPr lang="en-US" altLang="zh-CN" sz="2000" dirty="0">
+                <a:latin typeface="微软雅黑" panose="020B0503020204020204" pitchFamily="34" charset="-122"/>
+                <a:ea typeface="微软雅黑" panose="020B0503020204020204" pitchFamily="34" charset="-122"/>
+              </a:rPr>
+              <a:t>ZK</a:t>
+            </a:r>
+            <a:r>
+              <a:rPr lang="zh-CN" altLang="en-US" sz="2000" dirty="0">
+                <a:latin typeface="微软雅黑" panose="020B0503020204020204" pitchFamily="34" charset="-122"/>
+                <a:ea typeface="微软雅黑" panose="020B0503020204020204" pitchFamily="34" charset="-122"/>
+              </a:rPr>
+              <a:t>服务</a:t>
+            </a:r>
+            <a:r>
+              <a:rPr lang="en-US" altLang="zh-CN" sz="2000" dirty="0">
+                <a:latin typeface="微软雅黑" panose="020B0503020204020204" pitchFamily="34" charset="-122"/>
+                <a:ea typeface="微软雅黑" panose="020B0503020204020204" pitchFamily="34" charset="-122"/>
+              </a:rPr>
+              <a:t>:       </a:t>
+            </a:r>
+            <a:r>
+              <a:rPr lang="en-US" altLang="zh-CN" sz="2000" dirty="0" err="1">
+                <a:latin typeface="微软雅黑" panose="020B0503020204020204" pitchFamily="34" charset="-122"/>
+                <a:ea typeface="微软雅黑" panose="020B0503020204020204" pitchFamily="34" charset="-122"/>
+              </a:rPr>
+              <a:t>sh</a:t>
+            </a:r>
+            <a:r>
+              <a:rPr lang="en-US" altLang="zh-CN" sz="2000" dirty="0">
+                <a:latin typeface="微软雅黑" panose="020B0503020204020204" pitchFamily="34" charset="-122"/>
+                <a:ea typeface="微软雅黑" panose="020B0503020204020204" pitchFamily="34" charset="-122"/>
+              </a:rPr>
+              <a:t> bin/zkServer.sh restart</a:t>
+            </a:r>
+          </a:p>
+          <a:p>
+            <a:endParaRPr lang="zh-CN" altLang="en-US" sz="2000" dirty="0">
               <a:latin typeface="微软雅黑" panose="020B0503020204020204" pitchFamily="34" charset="-122"/>
               <a:ea typeface="微软雅黑" panose="020B0503020204020204" pitchFamily="34" charset="-122"/>
             </a:endParaRPr>
           </a:p>
-          <a:p>
-            <a:r>
-              <a:rPr lang="zh-CN" altLang="en-US" sz="2000" dirty="0">
-                <a:latin typeface="微软雅黑" panose="020B0503020204020204" pitchFamily="34" charset="-122"/>
-                <a:ea typeface="微软雅黑" panose="020B0503020204020204" pitchFamily="34" charset="-122"/>
-              </a:rPr>
-              <a:t>分布式应用中，通常需要有一套完整的命名规则，既能够产生唯一的名称又便于人识别和记住，通常情况下用树形的名称结构是一个理想的选择，树形 的名称结构是一个有层次的目录结构，既对人友好又不会重复。说到这里你可能想到了 </a:t>
-            </a:r>
-            <a:r>
-              <a:rPr lang="en-US" altLang="zh-CN" sz="2000" dirty="0">
-                <a:latin typeface="微软雅黑" panose="020B0503020204020204" pitchFamily="34" charset="-122"/>
-                <a:ea typeface="微软雅黑" panose="020B0503020204020204" pitchFamily="34" charset="-122"/>
-              </a:rPr>
-              <a:t>JNDI(Java Naming and Directory Interface</a:t>
-            </a:r>
-            <a:r>
-              <a:rPr lang="zh-CN" altLang="en-US" sz="2000" dirty="0">
-                <a:latin typeface="微软雅黑" panose="020B0503020204020204" pitchFamily="34" charset="-122"/>
-                <a:ea typeface="微软雅黑" panose="020B0503020204020204" pitchFamily="34" charset="-122"/>
-              </a:rPr>
-              <a:t>，</a:t>
-            </a:r>
-            <a:r>
-              <a:rPr lang="en-US" altLang="zh-CN" sz="2000" dirty="0">
-                <a:latin typeface="微软雅黑" panose="020B0503020204020204" pitchFamily="34" charset="-122"/>
-                <a:ea typeface="微软雅黑" panose="020B0503020204020204" pitchFamily="34" charset="-122"/>
-              </a:rPr>
-              <a:t>Java</a:t>
-            </a:r>
-            <a:r>
-              <a:rPr lang="zh-CN" altLang="en-US" sz="2000" dirty="0">
-                <a:latin typeface="微软雅黑" panose="020B0503020204020204" pitchFamily="34" charset="-122"/>
-                <a:ea typeface="微软雅黑" panose="020B0503020204020204" pitchFamily="34" charset="-122"/>
-              </a:rPr>
-              <a:t>命名和目录接口</a:t>
-            </a:r>
-            <a:r>
-              <a:rPr lang="en-US" altLang="zh-CN" sz="2000" dirty="0">
-                <a:latin typeface="微软雅黑" panose="020B0503020204020204" pitchFamily="34" charset="-122"/>
-                <a:ea typeface="微软雅黑" panose="020B0503020204020204" pitchFamily="34" charset="-122"/>
-              </a:rPr>
-              <a:t>,</a:t>
-            </a:r>
-            <a:r>
-              <a:rPr lang="zh-CN" altLang="en-US" sz="2000" dirty="0">
-                <a:latin typeface="微软雅黑" panose="020B0503020204020204" pitchFamily="34" charset="-122"/>
-                <a:ea typeface="微软雅黑" panose="020B0503020204020204" pitchFamily="34" charset="-122"/>
-              </a:rPr>
-              <a:t>是一组在</a:t>
-            </a:r>
-            <a:r>
-              <a:rPr lang="en-US" altLang="zh-CN" sz="2000" dirty="0">
-                <a:latin typeface="微软雅黑" panose="020B0503020204020204" pitchFamily="34" charset="-122"/>
-                <a:ea typeface="微软雅黑" panose="020B0503020204020204" pitchFamily="34" charset="-122"/>
-              </a:rPr>
-              <a:t>Java</a:t>
-            </a:r>
-            <a:r>
-              <a:rPr lang="zh-CN" altLang="en-US" sz="2000" dirty="0">
-                <a:latin typeface="微软雅黑" panose="020B0503020204020204" pitchFamily="34" charset="-122"/>
-                <a:ea typeface="微软雅黑" panose="020B0503020204020204" pitchFamily="34" charset="-122"/>
-              </a:rPr>
-              <a:t>应用中访问命名和目录服务的</a:t>
-            </a:r>
-            <a:r>
-              <a:rPr lang="en-US" altLang="zh-CN" sz="2000" dirty="0">
-                <a:latin typeface="微软雅黑" panose="020B0503020204020204" pitchFamily="34" charset="-122"/>
-                <a:ea typeface="微软雅黑" panose="020B0503020204020204" pitchFamily="34" charset="-122"/>
-              </a:rPr>
-              <a:t>API)</a:t>
-            </a:r>
-            <a:r>
-              <a:rPr lang="zh-CN" altLang="en-US" sz="2000" dirty="0">
-                <a:latin typeface="微软雅黑" panose="020B0503020204020204" pitchFamily="34" charset="-122"/>
-                <a:ea typeface="微软雅黑" panose="020B0503020204020204" pitchFamily="34" charset="-122"/>
-              </a:rPr>
-              <a:t>，没错 </a:t>
-            </a:r>
-            <a:r>
-              <a:rPr lang="en-US" altLang="zh-CN" sz="2000" dirty="0">
-                <a:latin typeface="微软雅黑" panose="020B0503020204020204" pitchFamily="34" charset="-122"/>
-                <a:ea typeface="微软雅黑" panose="020B0503020204020204" pitchFamily="34" charset="-122"/>
-              </a:rPr>
-              <a:t>Zookeeper </a:t>
-            </a:r>
-            <a:r>
-              <a:rPr lang="zh-CN" altLang="en-US" sz="2000" dirty="0">
-                <a:latin typeface="微软雅黑" panose="020B0503020204020204" pitchFamily="34" charset="-122"/>
-                <a:ea typeface="微软雅黑" panose="020B0503020204020204" pitchFamily="34" charset="-122"/>
-              </a:rPr>
-              <a:t>的 </a:t>
-            </a:r>
-            <a:r>
-              <a:rPr lang="en-US" altLang="zh-CN" sz="2000" dirty="0">
-                <a:latin typeface="微软雅黑" panose="020B0503020204020204" pitchFamily="34" charset="-122"/>
-                <a:ea typeface="微软雅黑" panose="020B0503020204020204" pitchFamily="34" charset="-122"/>
-              </a:rPr>
-              <a:t>Name Service </a:t>
-            </a:r>
-            <a:r>
-              <a:rPr lang="zh-CN" altLang="en-US" sz="2000" dirty="0">
-                <a:latin typeface="微软雅黑" panose="020B0503020204020204" pitchFamily="34" charset="-122"/>
-                <a:ea typeface="微软雅黑" panose="020B0503020204020204" pitchFamily="34" charset="-122"/>
-              </a:rPr>
-              <a:t>与 </a:t>
-            </a:r>
-            <a:r>
-              <a:rPr lang="en-US" altLang="zh-CN" sz="2000" dirty="0">
-                <a:latin typeface="微软雅黑" panose="020B0503020204020204" pitchFamily="34" charset="-122"/>
-                <a:ea typeface="微软雅黑" panose="020B0503020204020204" pitchFamily="34" charset="-122"/>
-              </a:rPr>
-              <a:t>JNDI </a:t>
-            </a:r>
-            <a:r>
-              <a:rPr lang="zh-CN" altLang="en-US" sz="2000" dirty="0">
-                <a:latin typeface="微软雅黑" panose="020B0503020204020204" pitchFamily="34" charset="-122"/>
-                <a:ea typeface="微软雅黑" panose="020B0503020204020204" pitchFamily="34" charset="-122"/>
-              </a:rPr>
-              <a:t>能够完成的功能是差不多的，它们都是将有层次的目录结构关联到一定资源上，但是 </a:t>
-            </a:r>
-            <a:r>
-              <a:rPr lang="en-US" altLang="zh-CN" sz="2000" dirty="0">
-                <a:latin typeface="微软雅黑" panose="020B0503020204020204" pitchFamily="34" charset="-122"/>
-                <a:ea typeface="微软雅黑" panose="020B0503020204020204" pitchFamily="34" charset="-122"/>
-              </a:rPr>
-              <a:t>Zookeeper </a:t>
-            </a:r>
-            <a:r>
-              <a:rPr lang="zh-CN" altLang="en-US" sz="2000" dirty="0">
-                <a:latin typeface="微软雅黑" panose="020B0503020204020204" pitchFamily="34" charset="-122"/>
-                <a:ea typeface="微软雅黑" panose="020B0503020204020204" pitchFamily="34" charset="-122"/>
-              </a:rPr>
-              <a:t>的 </a:t>
-            </a:r>
-            <a:r>
-              <a:rPr lang="en-US" altLang="zh-CN" sz="2000" dirty="0">
-                <a:latin typeface="微软雅黑" panose="020B0503020204020204" pitchFamily="34" charset="-122"/>
-                <a:ea typeface="微软雅黑" panose="020B0503020204020204" pitchFamily="34" charset="-122"/>
-              </a:rPr>
-              <a:t>Name Service </a:t>
-            </a:r>
-            <a:r>
-              <a:rPr lang="zh-CN" altLang="en-US" sz="2000" dirty="0">
-                <a:latin typeface="微软雅黑" panose="020B0503020204020204" pitchFamily="34" charset="-122"/>
-                <a:ea typeface="微软雅黑" panose="020B0503020204020204" pitchFamily="34" charset="-122"/>
-              </a:rPr>
-              <a:t>更加是广泛意义上的关联，也许你并不需要将名称关联到特定资源上，你可能只需要一个不会重复名称，就像数据库中产生一个唯一的数字主键一样。</a:t>
-            </a:r>
-          </a:p>
-          <a:p>
-            <a:r>
-              <a:rPr lang="en-US" altLang="zh-CN" sz="2000" dirty="0">
-                <a:latin typeface="微软雅黑" panose="020B0503020204020204" pitchFamily="34" charset="-122"/>
-                <a:ea typeface="微软雅黑" panose="020B0503020204020204" pitchFamily="34" charset="-122"/>
-              </a:rPr>
-              <a:t>Name Service </a:t>
-            </a:r>
-            <a:r>
-              <a:rPr lang="zh-CN" altLang="en-US" sz="2000" dirty="0">
-                <a:latin typeface="微软雅黑" panose="020B0503020204020204" pitchFamily="34" charset="-122"/>
-                <a:ea typeface="微软雅黑" panose="020B0503020204020204" pitchFamily="34" charset="-122"/>
-              </a:rPr>
-              <a:t>已经是 </a:t>
-            </a:r>
-            <a:r>
-              <a:rPr lang="en-US" altLang="zh-CN" sz="2000" dirty="0">
-                <a:latin typeface="微软雅黑" panose="020B0503020204020204" pitchFamily="34" charset="-122"/>
-                <a:ea typeface="微软雅黑" panose="020B0503020204020204" pitchFamily="34" charset="-122"/>
-              </a:rPr>
-              <a:t>Zookeeper </a:t>
-            </a:r>
-            <a:r>
-              <a:rPr lang="zh-CN" altLang="en-US" sz="2000" dirty="0">
-                <a:latin typeface="微软雅黑" panose="020B0503020204020204" pitchFamily="34" charset="-122"/>
-                <a:ea typeface="微软雅黑" panose="020B0503020204020204" pitchFamily="34" charset="-122"/>
-              </a:rPr>
-              <a:t>内置的功能，你只要调用 </a:t>
-            </a:r>
-            <a:r>
-              <a:rPr lang="en-US" altLang="zh-CN" sz="2000" dirty="0">
-                <a:latin typeface="微软雅黑" panose="020B0503020204020204" pitchFamily="34" charset="-122"/>
-                <a:ea typeface="微软雅黑" panose="020B0503020204020204" pitchFamily="34" charset="-122"/>
-              </a:rPr>
-              <a:t>Zookeeper </a:t>
-            </a:r>
-            <a:r>
-              <a:rPr lang="zh-CN" altLang="en-US" sz="2000" dirty="0">
-                <a:latin typeface="微软雅黑" panose="020B0503020204020204" pitchFamily="34" charset="-122"/>
-                <a:ea typeface="微软雅黑" panose="020B0503020204020204" pitchFamily="34" charset="-122"/>
-              </a:rPr>
-              <a:t>的 </a:t>
-            </a:r>
-            <a:r>
-              <a:rPr lang="en-US" altLang="zh-CN" sz="2000" dirty="0">
-                <a:latin typeface="微软雅黑" panose="020B0503020204020204" pitchFamily="34" charset="-122"/>
-                <a:ea typeface="微软雅黑" panose="020B0503020204020204" pitchFamily="34" charset="-122"/>
-              </a:rPr>
-              <a:t>API </a:t>
-            </a:r>
-            <a:r>
-              <a:rPr lang="zh-CN" altLang="en-US" sz="2000" dirty="0">
-                <a:latin typeface="微软雅黑" panose="020B0503020204020204" pitchFamily="34" charset="-122"/>
-                <a:ea typeface="微软雅黑" panose="020B0503020204020204" pitchFamily="34" charset="-122"/>
-              </a:rPr>
-              <a:t>就能实现。如调用 </a:t>
-            </a:r>
-            <a:r>
-              <a:rPr lang="en-US" altLang="zh-CN" sz="2000" dirty="0">
-                <a:latin typeface="微软雅黑" panose="020B0503020204020204" pitchFamily="34" charset="-122"/>
-                <a:ea typeface="微软雅黑" panose="020B0503020204020204" pitchFamily="34" charset="-122"/>
-              </a:rPr>
-              <a:t>create </a:t>
-            </a:r>
-            <a:r>
-              <a:rPr lang="zh-CN" altLang="en-US" sz="2000" dirty="0">
-                <a:latin typeface="微软雅黑" panose="020B0503020204020204" pitchFamily="34" charset="-122"/>
-                <a:ea typeface="微软雅黑" panose="020B0503020204020204" pitchFamily="34" charset="-122"/>
-              </a:rPr>
-              <a:t>接口就可以很容易创建一个目录节点。</a:t>
-            </a:r>
-          </a:p>
-          <a:p>
-            <a:endParaRPr lang="zh-CN" altLang="en-US" dirty="0">
-              <a:latin typeface="微软雅黑" panose="020B0503020204020204" pitchFamily="34" charset="-122"/>
-              <a:ea typeface="微软雅黑" panose="020B0503020204020204" pitchFamily="34" charset="-122"/>
-            </a:endParaRPr>
-          </a:p>
         </p:txBody>
       </p:sp>
     </p:spTree>
     <p:extLst>
       <p:ext uri="{BB962C8B-B14F-4D97-AF65-F5344CB8AC3E}">
-        <p14:creationId xmlns:p14="http://schemas.microsoft.com/office/powerpoint/2010/main" val="735751050"/>
+        <p14:creationId xmlns:p14="http://schemas.microsoft.com/office/powerpoint/2010/main" val="3120485377"/>
       </p:ext>
     </p:extLst>
   </p:cSld>
@@ -15067,8 +16029,8 @@
         </p:nvSpPr>
         <p:spPr>
           <a:xfrm>
-            <a:off x="983432" y="764704"/>
-            <a:ext cx="9649072" cy="4154984"/>
+            <a:off x="551384" y="548680"/>
+            <a:ext cx="11233248" cy="5324535"/>
           </a:xfrm>
           <a:prstGeom prst="rect">
             <a:avLst/>
@@ -15082,147 +16044,637 @@
           <a:lstStyle/>
           <a:p>
             <a:r>
-              <a:rPr lang="zh-CN" altLang="en-US" sz="2400" b="1" dirty="0">
-                <a:latin typeface="微软雅黑" panose="020B0503020204020204" pitchFamily="34" charset="-122"/>
-                <a:ea typeface="微软雅黑" panose="020B0503020204020204" pitchFamily="34" charset="-122"/>
-              </a:rPr>
-              <a:t>配置管理（</a:t>
-            </a:r>
-            <a:r>
-              <a:rPr lang="en-US" altLang="zh-CN" sz="2400" b="1" dirty="0">
-                <a:latin typeface="微软雅黑" panose="020B0503020204020204" pitchFamily="34" charset="-122"/>
-                <a:ea typeface="微软雅黑" panose="020B0503020204020204" pitchFamily="34" charset="-122"/>
-              </a:rPr>
-              <a:t>Configuration Management</a:t>
-            </a:r>
-            <a:r>
-              <a:rPr lang="zh-CN" altLang="en-US" sz="2400" b="1" dirty="0" smtClean="0">
-                <a:latin typeface="微软雅黑" panose="020B0503020204020204" pitchFamily="34" charset="-122"/>
-                <a:ea typeface="微软雅黑" panose="020B0503020204020204" pitchFamily="34" charset="-122"/>
-              </a:rPr>
-              <a:t>）</a:t>
-            </a:r>
-            <a:endParaRPr lang="en-US" altLang="zh-CN" sz="2400" b="1" dirty="0" smtClean="0">
+              <a:rPr lang="en-US" altLang="zh-CN" sz="2000" b="1" dirty="0" err="1">
+                <a:latin typeface="微软雅黑" panose="020B0503020204020204" pitchFamily="34" charset="-122"/>
+                <a:ea typeface="微软雅黑" panose="020B0503020204020204" pitchFamily="34" charset="-122"/>
+              </a:rPr>
+              <a:t>zk</a:t>
+            </a:r>
+            <a:r>
+              <a:rPr lang="zh-CN" altLang="en-US" sz="2000" b="1" dirty="0">
+                <a:latin typeface="微软雅黑" panose="020B0503020204020204" pitchFamily="34" charset="-122"/>
+                <a:ea typeface="微软雅黑" panose="020B0503020204020204" pitchFamily="34" charset="-122"/>
+              </a:rPr>
+              <a:t>客户端命令</a:t>
+            </a:r>
+          </a:p>
+          <a:p>
+            <a:r>
+              <a:rPr lang="en-US" altLang="zh-CN" sz="2000" dirty="0" err="1">
+                <a:latin typeface="微软雅黑" panose="020B0503020204020204" pitchFamily="34" charset="-122"/>
+                <a:ea typeface="微软雅黑" panose="020B0503020204020204" pitchFamily="34" charset="-122"/>
+              </a:rPr>
+              <a:t>ZooKeeper</a:t>
+            </a:r>
+            <a:r>
+              <a:rPr lang="zh-CN" altLang="en-US" sz="2000" dirty="0">
+                <a:latin typeface="微软雅黑" panose="020B0503020204020204" pitchFamily="34" charset="-122"/>
+                <a:ea typeface="微软雅黑" panose="020B0503020204020204" pitchFamily="34" charset="-122"/>
+              </a:rPr>
+              <a:t>命令行工具类似于</a:t>
+            </a:r>
+            <a:r>
+              <a:rPr lang="en-US" altLang="zh-CN" sz="2000" dirty="0">
+                <a:latin typeface="微软雅黑" panose="020B0503020204020204" pitchFamily="34" charset="-122"/>
+                <a:ea typeface="微软雅黑" panose="020B0503020204020204" pitchFamily="34" charset="-122"/>
+              </a:rPr>
+              <a:t>Linux</a:t>
+            </a:r>
+            <a:r>
+              <a:rPr lang="zh-CN" altLang="en-US" sz="2000" dirty="0">
+                <a:latin typeface="微软雅黑" panose="020B0503020204020204" pitchFamily="34" charset="-122"/>
+                <a:ea typeface="微软雅黑" panose="020B0503020204020204" pitchFamily="34" charset="-122"/>
+              </a:rPr>
+              <a:t>的</a:t>
+            </a:r>
+            <a:r>
+              <a:rPr lang="en-US" altLang="zh-CN" sz="2000" dirty="0">
+                <a:latin typeface="微软雅黑" panose="020B0503020204020204" pitchFamily="34" charset="-122"/>
+                <a:ea typeface="微软雅黑" panose="020B0503020204020204" pitchFamily="34" charset="-122"/>
+              </a:rPr>
+              <a:t>shell</a:t>
+            </a:r>
+            <a:r>
+              <a:rPr lang="zh-CN" altLang="en-US" sz="2000" dirty="0">
+                <a:latin typeface="微软雅黑" panose="020B0503020204020204" pitchFamily="34" charset="-122"/>
+                <a:ea typeface="微软雅黑" panose="020B0503020204020204" pitchFamily="34" charset="-122"/>
+              </a:rPr>
+              <a:t>环境，不过功能肯定不及</a:t>
+            </a:r>
+            <a:r>
+              <a:rPr lang="en-US" altLang="zh-CN" sz="2000" dirty="0">
+                <a:latin typeface="微软雅黑" panose="020B0503020204020204" pitchFamily="34" charset="-122"/>
+                <a:ea typeface="微软雅黑" panose="020B0503020204020204" pitchFamily="34" charset="-122"/>
+              </a:rPr>
+              <a:t>shell</a:t>
+            </a:r>
+            <a:r>
+              <a:rPr lang="zh-CN" altLang="en-US" sz="2000" dirty="0">
+                <a:latin typeface="微软雅黑" panose="020B0503020204020204" pitchFamily="34" charset="-122"/>
+                <a:ea typeface="微软雅黑" panose="020B0503020204020204" pitchFamily="34" charset="-122"/>
+              </a:rPr>
+              <a:t>啦，但是使用它我们可以简单的对</a:t>
+            </a:r>
+            <a:r>
+              <a:rPr lang="en-US" altLang="zh-CN" sz="2000" dirty="0" err="1">
+                <a:latin typeface="微软雅黑" panose="020B0503020204020204" pitchFamily="34" charset="-122"/>
+                <a:ea typeface="微软雅黑" panose="020B0503020204020204" pitchFamily="34" charset="-122"/>
+              </a:rPr>
+              <a:t>ZooKeeper</a:t>
+            </a:r>
+            <a:r>
+              <a:rPr lang="zh-CN" altLang="en-US" sz="2000" dirty="0">
+                <a:latin typeface="微软雅黑" panose="020B0503020204020204" pitchFamily="34" charset="-122"/>
+                <a:ea typeface="微软雅黑" panose="020B0503020204020204" pitchFamily="34" charset="-122"/>
+              </a:rPr>
+              <a:t>进行访问，数据创建，数据修改等操作</a:t>
+            </a:r>
+            <a:r>
+              <a:rPr lang="en-US" altLang="zh-CN" sz="2000" dirty="0">
+                <a:latin typeface="微软雅黑" panose="020B0503020204020204" pitchFamily="34" charset="-122"/>
+                <a:ea typeface="微软雅黑" panose="020B0503020204020204" pitchFamily="34" charset="-122"/>
+              </a:rPr>
+              <a:t>.  </a:t>
+            </a:r>
+            <a:r>
+              <a:rPr lang="zh-CN" altLang="en-US" sz="2000" dirty="0">
+                <a:latin typeface="微软雅黑" panose="020B0503020204020204" pitchFamily="34" charset="-122"/>
+                <a:ea typeface="微软雅黑" panose="020B0503020204020204" pitchFamily="34" charset="-122"/>
+              </a:rPr>
+              <a:t>使用 </a:t>
+            </a:r>
+            <a:r>
+              <a:rPr lang="en-US" altLang="zh-CN" sz="2000" dirty="0">
+                <a:latin typeface="微软雅黑" panose="020B0503020204020204" pitchFamily="34" charset="-122"/>
+                <a:ea typeface="微软雅黑" panose="020B0503020204020204" pitchFamily="34" charset="-122"/>
+              </a:rPr>
+              <a:t>zkCli.sh -server 127.0.0.1:2181 </a:t>
+            </a:r>
+            <a:r>
+              <a:rPr lang="zh-CN" altLang="en-US" sz="2000" dirty="0">
+                <a:latin typeface="微软雅黑" panose="020B0503020204020204" pitchFamily="34" charset="-122"/>
+                <a:ea typeface="微软雅黑" panose="020B0503020204020204" pitchFamily="34" charset="-122"/>
+              </a:rPr>
+              <a:t>连接到 </a:t>
+            </a:r>
+            <a:r>
+              <a:rPr lang="en-US" altLang="zh-CN" sz="2000" dirty="0" err="1">
+                <a:latin typeface="微软雅黑" panose="020B0503020204020204" pitchFamily="34" charset="-122"/>
+                <a:ea typeface="微软雅黑" panose="020B0503020204020204" pitchFamily="34" charset="-122"/>
+              </a:rPr>
+              <a:t>ZooKeeper</a:t>
+            </a:r>
+            <a:r>
+              <a:rPr lang="en-US" altLang="zh-CN" sz="2000" dirty="0">
+                <a:latin typeface="微软雅黑" panose="020B0503020204020204" pitchFamily="34" charset="-122"/>
+                <a:ea typeface="微软雅黑" panose="020B0503020204020204" pitchFamily="34" charset="-122"/>
+              </a:rPr>
+              <a:t> </a:t>
+            </a:r>
+            <a:r>
+              <a:rPr lang="zh-CN" altLang="en-US" sz="2000" dirty="0">
+                <a:latin typeface="微软雅黑" panose="020B0503020204020204" pitchFamily="34" charset="-122"/>
+                <a:ea typeface="微软雅黑" panose="020B0503020204020204" pitchFamily="34" charset="-122"/>
+              </a:rPr>
+              <a:t>服务，连接成功后，系统会输出 </a:t>
+            </a:r>
+            <a:r>
+              <a:rPr lang="en-US" altLang="zh-CN" sz="2000" dirty="0" err="1">
+                <a:latin typeface="微软雅黑" panose="020B0503020204020204" pitchFamily="34" charset="-122"/>
+                <a:ea typeface="微软雅黑" panose="020B0503020204020204" pitchFamily="34" charset="-122"/>
+              </a:rPr>
+              <a:t>ZooKeeper</a:t>
+            </a:r>
+            <a:r>
+              <a:rPr lang="en-US" altLang="zh-CN" sz="2000" dirty="0">
+                <a:latin typeface="微软雅黑" panose="020B0503020204020204" pitchFamily="34" charset="-122"/>
+                <a:ea typeface="微软雅黑" panose="020B0503020204020204" pitchFamily="34" charset="-122"/>
+              </a:rPr>
+              <a:t> </a:t>
+            </a:r>
+            <a:r>
+              <a:rPr lang="zh-CN" altLang="en-US" sz="2000" dirty="0">
+                <a:latin typeface="微软雅黑" panose="020B0503020204020204" pitchFamily="34" charset="-122"/>
+                <a:ea typeface="微软雅黑" panose="020B0503020204020204" pitchFamily="34" charset="-122"/>
+              </a:rPr>
+              <a:t>的相关环境以及配置信息</a:t>
+            </a:r>
+            <a:r>
+              <a:rPr lang="zh-CN" altLang="en-US" sz="2000" dirty="0" smtClean="0">
+                <a:latin typeface="微软雅黑" panose="020B0503020204020204" pitchFamily="34" charset="-122"/>
+                <a:ea typeface="微软雅黑" panose="020B0503020204020204" pitchFamily="34" charset="-122"/>
+              </a:rPr>
+              <a:t>。</a:t>
+            </a:r>
+            <a:endParaRPr lang="en-US" altLang="zh-CN" sz="2000" dirty="0" smtClean="0">
               <a:latin typeface="微软雅黑" panose="020B0503020204020204" pitchFamily="34" charset="-122"/>
               <a:ea typeface="微软雅黑" panose="020B0503020204020204" pitchFamily="34" charset="-122"/>
             </a:endParaRPr>
           </a:p>
           <a:p>
-            <a:endParaRPr lang="en-US" altLang="zh-CN" sz="2400" b="1" dirty="0">
+            <a:endParaRPr lang="zh-CN" altLang="en-US" sz="2000" dirty="0">
               <a:latin typeface="微软雅黑" panose="020B0503020204020204" pitchFamily="34" charset="-122"/>
               <a:ea typeface="微软雅黑" panose="020B0503020204020204" pitchFamily="34" charset="-122"/>
             </a:endParaRPr>
           </a:p>
           <a:p>
-            <a:endParaRPr lang="zh-CN" altLang="en-US" sz="3200" b="1" dirty="0">
+            <a:r>
+              <a:rPr lang="zh-CN" altLang="en-US" sz="2000" b="1" dirty="0">
+                <a:latin typeface="微软雅黑" panose="020B0503020204020204" pitchFamily="34" charset="-122"/>
+                <a:ea typeface="微软雅黑" panose="020B0503020204020204" pitchFamily="34" charset="-122"/>
+              </a:rPr>
+              <a:t>命令行工具的一些简单操作如下：</a:t>
+            </a:r>
+            <a:endParaRPr lang="zh-CN" altLang="en-US" sz="2000" dirty="0">
               <a:latin typeface="微软雅黑" panose="020B0503020204020204" pitchFamily="34" charset="-122"/>
               <a:ea typeface="微软雅黑" panose="020B0503020204020204" pitchFamily="34" charset="-122"/>
             </a:endParaRPr>
           </a:p>
           <a:p>
             <a:r>
+              <a:rPr lang="en-US" altLang="zh-CN" sz="2000" dirty="0">
+                <a:latin typeface="微软雅黑" panose="020B0503020204020204" pitchFamily="34" charset="-122"/>
+                <a:ea typeface="微软雅黑" panose="020B0503020204020204" pitchFamily="34" charset="-122"/>
+              </a:rPr>
+              <a:t>1. </a:t>
+            </a:r>
+            <a:r>
               <a:rPr lang="zh-CN" altLang="en-US" sz="2000" dirty="0">
                 <a:latin typeface="微软雅黑" panose="020B0503020204020204" pitchFamily="34" charset="-122"/>
                 <a:ea typeface="微软雅黑" panose="020B0503020204020204" pitchFamily="34" charset="-122"/>
               </a:rPr>
-              <a:t>配置的管理在分布式应用环境中很常见，例如同一个应用系统需要多台 </a:t>
+              <a:t>显示根目录下、文件： </a:t>
+            </a:r>
+            <a:r>
+              <a:rPr lang="en-US" altLang="zh-CN" sz="2000" dirty="0" err="1">
+                <a:latin typeface="微软雅黑" panose="020B0503020204020204" pitchFamily="34" charset="-122"/>
+                <a:ea typeface="微软雅黑" panose="020B0503020204020204" pitchFamily="34" charset="-122"/>
+              </a:rPr>
+              <a:t>ls</a:t>
             </a:r>
             <a:r>
               <a:rPr lang="en-US" altLang="zh-CN" sz="2000" dirty="0">
                 <a:latin typeface="微软雅黑" panose="020B0503020204020204" pitchFamily="34" charset="-122"/>
                 <a:ea typeface="微软雅黑" panose="020B0503020204020204" pitchFamily="34" charset="-122"/>
               </a:rPr>
-              <a:t>PC Server </a:t>
+              <a:t> / </a:t>
             </a:r>
             <a:r>
               <a:rPr lang="zh-CN" altLang="en-US" sz="2000" dirty="0">
                 <a:latin typeface="微软雅黑" panose="020B0503020204020204" pitchFamily="34" charset="-122"/>
                 <a:ea typeface="微软雅黑" panose="020B0503020204020204" pitchFamily="34" charset="-122"/>
               </a:rPr>
-              <a:t>运行，但是它们运行的应用系统的某些配置项是相同的，如果要修改这些相同的配置项，那么就必须同时修改每台运行这个应用系统的 </a:t>
+              <a:t>使用 </a:t>
+            </a:r>
+            <a:r>
+              <a:rPr lang="en-US" altLang="zh-CN" sz="2000" dirty="0" err="1">
+                <a:latin typeface="微软雅黑" panose="020B0503020204020204" pitchFamily="34" charset="-122"/>
+                <a:ea typeface="微软雅黑" panose="020B0503020204020204" pitchFamily="34" charset="-122"/>
+              </a:rPr>
+              <a:t>ls</a:t>
             </a:r>
             <a:r>
               <a:rPr lang="en-US" altLang="zh-CN" sz="2000" dirty="0">
                 <a:latin typeface="微软雅黑" panose="020B0503020204020204" pitchFamily="34" charset="-122"/>
                 <a:ea typeface="微软雅黑" panose="020B0503020204020204" pitchFamily="34" charset="-122"/>
               </a:rPr>
-              <a:t>PC Server</a:t>
+              <a:t> </a:t>
             </a:r>
             <a:r>
               <a:rPr lang="zh-CN" altLang="en-US" sz="2000" dirty="0">
                 <a:latin typeface="微软雅黑" panose="020B0503020204020204" pitchFamily="34" charset="-122"/>
                 <a:ea typeface="微软雅黑" panose="020B0503020204020204" pitchFamily="34" charset="-122"/>
               </a:rPr>
-              <a:t>，这样非常麻烦而且容易出错。</a:t>
-            </a:r>
-          </a:p>
-          <a:p>
+              <a:t>命令来查看当前 </a:t>
+            </a:r>
+            <a:r>
+              <a:rPr lang="en-US" altLang="zh-CN" sz="2000" dirty="0" err="1">
+                <a:latin typeface="微软雅黑" panose="020B0503020204020204" pitchFamily="34" charset="-122"/>
+                <a:ea typeface="微软雅黑" panose="020B0503020204020204" pitchFamily="34" charset="-122"/>
+              </a:rPr>
+              <a:t>ZooKeeper</a:t>
+            </a:r>
+            <a:r>
+              <a:rPr lang="en-US" altLang="zh-CN" sz="2000" dirty="0">
+                <a:latin typeface="微软雅黑" panose="020B0503020204020204" pitchFamily="34" charset="-122"/>
+                <a:ea typeface="微软雅黑" panose="020B0503020204020204" pitchFamily="34" charset="-122"/>
+              </a:rPr>
+              <a:t> </a:t>
+            </a:r>
             <a:r>
               <a:rPr lang="zh-CN" altLang="en-US" sz="2000" dirty="0">
                 <a:latin typeface="微软雅黑" panose="020B0503020204020204" pitchFamily="34" charset="-122"/>
                 <a:ea typeface="微软雅黑" panose="020B0503020204020204" pitchFamily="34" charset="-122"/>
               </a:rPr>
-              <a:t>像这样的配置信息完全可以交给 </a:t>
-            </a:r>
+              <a:t>中所包含的内容</a:t>
+            </a:r>
+          </a:p>
+          <a:p>
             <a:r>
               <a:rPr lang="en-US" altLang="zh-CN" sz="2000" dirty="0">
                 <a:latin typeface="微软雅黑" panose="020B0503020204020204" pitchFamily="34" charset="-122"/>
                 <a:ea typeface="微软雅黑" panose="020B0503020204020204" pitchFamily="34" charset="-122"/>
               </a:rPr>
-              <a:t>Zookeeper </a:t>
+              <a:t>2. </a:t>
             </a:r>
             <a:r>
               <a:rPr lang="zh-CN" altLang="en-US" sz="2000" dirty="0">
                 <a:latin typeface="微软雅黑" panose="020B0503020204020204" pitchFamily="34" charset="-122"/>
                 <a:ea typeface="微软雅黑" panose="020B0503020204020204" pitchFamily="34" charset="-122"/>
               </a:rPr>
-              <a:t>来管理，将配置信息保存在 </a:t>
+              <a:t>显示根目录下、文件： </a:t>
             </a:r>
             <a:r>
               <a:rPr lang="en-US" altLang="zh-CN" sz="2000" dirty="0">
                 <a:latin typeface="微软雅黑" panose="020B0503020204020204" pitchFamily="34" charset="-122"/>
                 <a:ea typeface="微软雅黑" panose="020B0503020204020204" pitchFamily="34" charset="-122"/>
               </a:rPr>
-              <a:t>Zookeeper </a:t>
+              <a:t>ls2 / </a:t>
             </a:r>
             <a:r>
               <a:rPr lang="zh-CN" altLang="en-US" sz="2000" dirty="0">
                 <a:latin typeface="微软雅黑" panose="020B0503020204020204" pitchFamily="34" charset="-122"/>
                 <a:ea typeface="微软雅黑" panose="020B0503020204020204" pitchFamily="34" charset="-122"/>
               </a:rPr>
-              <a:t>的某个目录节点中，然后将所有需要修改的应用机器监控配置信息的状态，一旦配置信息发生变化，每台应用机器就会收到 </a:t>
-            </a:r>
+              <a:t>查看当前节点数据并能看到更新次数等数据</a:t>
+            </a:r>
+          </a:p>
+          <a:p>
             <a:r>
               <a:rPr lang="en-US" altLang="zh-CN" sz="2000" dirty="0">
                 <a:latin typeface="微软雅黑" panose="020B0503020204020204" pitchFamily="34" charset="-122"/>
                 <a:ea typeface="微软雅黑" panose="020B0503020204020204" pitchFamily="34" charset="-122"/>
               </a:rPr>
-              <a:t>Zookeeper </a:t>
+              <a:t>3. </a:t>
             </a:r>
             <a:r>
               <a:rPr lang="zh-CN" altLang="en-US" sz="2000" dirty="0">
                 <a:latin typeface="微软雅黑" panose="020B0503020204020204" pitchFamily="34" charset="-122"/>
                 <a:ea typeface="微软雅黑" panose="020B0503020204020204" pitchFamily="34" charset="-122"/>
               </a:rPr>
-              <a:t>的通知，然后从 </a:t>
+              <a:t>创建文件，并设置初始内容： </a:t>
             </a:r>
             <a:r>
               <a:rPr lang="en-US" altLang="zh-CN" sz="2000" dirty="0">
                 <a:latin typeface="微软雅黑" panose="020B0503020204020204" pitchFamily="34" charset="-122"/>
                 <a:ea typeface="微软雅黑" panose="020B0503020204020204" pitchFamily="34" charset="-122"/>
               </a:rPr>
-              <a:t>Zookeeper </a:t>
+              <a:t>create /</a:t>
+            </a:r>
+            <a:r>
+              <a:rPr lang="en-US" altLang="zh-CN" sz="2000" dirty="0" err="1">
+                <a:latin typeface="微软雅黑" panose="020B0503020204020204" pitchFamily="34" charset="-122"/>
+                <a:ea typeface="微软雅黑" panose="020B0503020204020204" pitchFamily="34" charset="-122"/>
+              </a:rPr>
+              <a:t>zk</a:t>
+            </a:r>
+            <a:r>
+              <a:rPr lang="en-US" altLang="zh-CN" sz="2000" dirty="0">
+                <a:latin typeface="微软雅黑" panose="020B0503020204020204" pitchFamily="34" charset="-122"/>
+                <a:ea typeface="微软雅黑" panose="020B0503020204020204" pitchFamily="34" charset="-122"/>
+              </a:rPr>
+              <a:t> "test" </a:t>
             </a:r>
             <a:r>
               <a:rPr lang="zh-CN" altLang="en-US" sz="2000" dirty="0">
                 <a:latin typeface="微软雅黑" panose="020B0503020204020204" pitchFamily="34" charset="-122"/>
                 <a:ea typeface="微软雅黑" panose="020B0503020204020204" pitchFamily="34" charset="-122"/>
               </a:rPr>
-              <a:t>获取新的配置信息应用到系统中。</a:t>
-            </a:r>
-          </a:p>
-          <a:p>
-            <a:endParaRPr lang="zh-CN" altLang="en-US" sz="2400" dirty="0">
+              <a:t>创建一个新的 </a:t>
+            </a:r>
+            <a:r>
+              <a:rPr lang="en-US" altLang="zh-CN" sz="2000" dirty="0" err="1">
+                <a:latin typeface="微软雅黑" panose="020B0503020204020204" pitchFamily="34" charset="-122"/>
+                <a:ea typeface="微软雅黑" panose="020B0503020204020204" pitchFamily="34" charset="-122"/>
+              </a:rPr>
+              <a:t>znode</a:t>
+            </a:r>
+            <a:r>
+              <a:rPr lang="zh-CN" altLang="en-US" sz="2000" dirty="0">
+                <a:latin typeface="微软雅黑" panose="020B0503020204020204" pitchFamily="34" charset="-122"/>
+                <a:ea typeface="微软雅黑" panose="020B0503020204020204" pitchFamily="34" charset="-122"/>
+              </a:rPr>
+              <a:t>节点“ </a:t>
+            </a:r>
+            <a:r>
+              <a:rPr lang="en-US" altLang="zh-CN" sz="2000" dirty="0" err="1">
+                <a:latin typeface="微软雅黑" panose="020B0503020204020204" pitchFamily="34" charset="-122"/>
+                <a:ea typeface="微软雅黑" panose="020B0503020204020204" pitchFamily="34" charset="-122"/>
+              </a:rPr>
+              <a:t>zk</a:t>
+            </a:r>
+            <a:r>
+              <a:rPr lang="en-US" altLang="zh-CN" sz="2000" dirty="0">
+                <a:latin typeface="微软雅黑" panose="020B0503020204020204" pitchFamily="34" charset="-122"/>
+                <a:ea typeface="微软雅黑" panose="020B0503020204020204" pitchFamily="34" charset="-122"/>
+              </a:rPr>
+              <a:t> ”</a:t>
+            </a:r>
+            <a:r>
+              <a:rPr lang="zh-CN" altLang="en-US" sz="2000" dirty="0">
+                <a:latin typeface="微软雅黑" panose="020B0503020204020204" pitchFamily="34" charset="-122"/>
+                <a:ea typeface="微软雅黑" panose="020B0503020204020204" pitchFamily="34" charset="-122"/>
+              </a:rPr>
+              <a:t>以及与它关联的字符串</a:t>
+            </a:r>
+          </a:p>
+          <a:p>
+            <a:r>
+              <a:rPr lang="en-US" altLang="zh-CN" sz="2000" dirty="0">
+                <a:latin typeface="微软雅黑" panose="020B0503020204020204" pitchFamily="34" charset="-122"/>
+                <a:ea typeface="微软雅黑" panose="020B0503020204020204" pitchFamily="34" charset="-122"/>
+              </a:rPr>
+              <a:t>4. </a:t>
+            </a:r>
+            <a:r>
+              <a:rPr lang="zh-CN" altLang="en-US" sz="2000" dirty="0">
+                <a:latin typeface="微软雅黑" panose="020B0503020204020204" pitchFamily="34" charset="-122"/>
+                <a:ea typeface="微软雅黑" panose="020B0503020204020204" pitchFamily="34" charset="-122"/>
+              </a:rPr>
+              <a:t>获取文件内容： </a:t>
+            </a:r>
+            <a:r>
+              <a:rPr lang="en-US" altLang="zh-CN" sz="2000" dirty="0">
+                <a:latin typeface="微软雅黑" panose="020B0503020204020204" pitchFamily="34" charset="-122"/>
+                <a:ea typeface="微软雅黑" panose="020B0503020204020204" pitchFamily="34" charset="-122"/>
+              </a:rPr>
+              <a:t>get /</a:t>
+            </a:r>
+            <a:r>
+              <a:rPr lang="en-US" altLang="zh-CN" sz="2000" dirty="0" err="1">
+                <a:latin typeface="微软雅黑" panose="020B0503020204020204" pitchFamily="34" charset="-122"/>
+                <a:ea typeface="微软雅黑" panose="020B0503020204020204" pitchFamily="34" charset="-122"/>
+              </a:rPr>
+              <a:t>zk</a:t>
+            </a:r>
+            <a:r>
+              <a:rPr lang="en-US" altLang="zh-CN" sz="2000" dirty="0">
+                <a:latin typeface="微软雅黑" panose="020B0503020204020204" pitchFamily="34" charset="-122"/>
+                <a:ea typeface="微软雅黑" panose="020B0503020204020204" pitchFamily="34" charset="-122"/>
+              </a:rPr>
+              <a:t> </a:t>
+            </a:r>
+            <a:r>
+              <a:rPr lang="zh-CN" altLang="en-US" sz="2000" dirty="0">
+                <a:latin typeface="微软雅黑" panose="020B0503020204020204" pitchFamily="34" charset="-122"/>
+                <a:ea typeface="微软雅黑" panose="020B0503020204020204" pitchFamily="34" charset="-122"/>
+              </a:rPr>
+              <a:t>确认 </a:t>
+            </a:r>
+            <a:r>
+              <a:rPr lang="en-US" altLang="zh-CN" sz="2000" dirty="0" err="1">
+                <a:latin typeface="微软雅黑" panose="020B0503020204020204" pitchFamily="34" charset="-122"/>
+                <a:ea typeface="微软雅黑" panose="020B0503020204020204" pitchFamily="34" charset="-122"/>
+              </a:rPr>
+              <a:t>znode</a:t>
+            </a:r>
+            <a:r>
+              <a:rPr lang="en-US" altLang="zh-CN" sz="2000" dirty="0">
+                <a:latin typeface="微软雅黑" panose="020B0503020204020204" pitchFamily="34" charset="-122"/>
+                <a:ea typeface="微软雅黑" panose="020B0503020204020204" pitchFamily="34" charset="-122"/>
+              </a:rPr>
+              <a:t> </a:t>
+            </a:r>
+            <a:r>
+              <a:rPr lang="zh-CN" altLang="en-US" sz="2000" dirty="0">
+                <a:latin typeface="微软雅黑" panose="020B0503020204020204" pitchFamily="34" charset="-122"/>
+                <a:ea typeface="微软雅黑" panose="020B0503020204020204" pitchFamily="34" charset="-122"/>
+              </a:rPr>
+              <a:t>是否包含我们所创建的字符串</a:t>
+            </a:r>
+          </a:p>
+          <a:p>
+            <a:r>
+              <a:rPr lang="en-US" altLang="zh-CN" sz="2000" dirty="0">
+                <a:latin typeface="微软雅黑" panose="020B0503020204020204" pitchFamily="34" charset="-122"/>
+                <a:ea typeface="微软雅黑" panose="020B0503020204020204" pitchFamily="34" charset="-122"/>
+              </a:rPr>
+              <a:t>5. </a:t>
+            </a:r>
+            <a:r>
+              <a:rPr lang="zh-CN" altLang="en-US" sz="2000" dirty="0">
+                <a:latin typeface="微软雅黑" panose="020B0503020204020204" pitchFamily="34" charset="-122"/>
+                <a:ea typeface="微软雅黑" panose="020B0503020204020204" pitchFamily="34" charset="-122"/>
+              </a:rPr>
+              <a:t>修改文件内容： </a:t>
+            </a:r>
+            <a:r>
+              <a:rPr lang="en-US" altLang="zh-CN" sz="2000" dirty="0">
+                <a:latin typeface="微软雅黑" panose="020B0503020204020204" pitchFamily="34" charset="-122"/>
+                <a:ea typeface="微软雅黑" panose="020B0503020204020204" pitchFamily="34" charset="-122"/>
+              </a:rPr>
+              <a:t>set /</a:t>
+            </a:r>
+            <a:r>
+              <a:rPr lang="en-US" altLang="zh-CN" sz="2000" dirty="0" err="1">
+                <a:latin typeface="微软雅黑" panose="020B0503020204020204" pitchFamily="34" charset="-122"/>
+                <a:ea typeface="微软雅黑" panose="020B0503020204020204" pitchFamily="34" charset="-122"/>
+              </a:rPr>
+              <a:t>zk</a:t>
+            </a:r>
+            <a:r>
+              <a:rPr lang="en-US" altLang="zh-CN" sz="2000" dirty="0">
+                <a:latin typeface="微软雅黑" panose="020B0503020204020204" pitchFamily="34" charset="-122"/>
+                <a:ea typeface="微软雅黑" panose="020B0503020204020204" pitchFamily="34" charset="-122"/>
+              </a:rPr>
+              <a:t> "</a:t>
+            </a:r>
+            <a:r>
+              <a:rPr lang="en-US" altLang="zh-CN" sz="2000" dirty="0" err="1">
+                <a:latin typeface="微软雅黑" panose="020B0503020204020204" pitchFamily="34" charset="-122"/>
+                <a:ea typeface="微软雅黑" panose="020B0503020204020204" pitchFamily="34" charset="-122"/>
+              </a:rPr>
+              <a:t>zkbak</a:t>
+            </a:r>
+            <a:r>
+              <a:rPr lang="en-US" altLang="zh-CN" sz="2000" dirty="0">
+                <a:latin typeface="微软雅黑" panose="020B0503020204020204" pitchFamily="34" charset="-122"/>
+                <a:ea typeface="微软雅黑" panose="020B0503020204020204" pitchFamily="34" charset="-122"/>
+              </a:rPr>
+              <a:t>" </a:t>
+            </a:r>
+            <a:r>
+              <a:rPr lang="zh-CN" altLang="en-US" sz="2000" dirty="0">
+                <a:latin typeface="微软雅黑" panose="020B0503020204020204" pitchFamily="34" charset="-122"/>
+                <a:ea typeface="微软雅黑" panose="020B0503020204020204" pitchFamily="34" charset="-122"/>
+              </a:rPr>
+              <a:t>对 </a:t>
+            </a:r>
+            <a:r>
+              <a:rPr lang="en-US" altLang="zh-CN" sz="2000" dirty="0" err="1">
+                <a:latin typeface="微软雅黑" panose="020B0503020204020204" pitchFamily="34" charset="-122"/>
+                <a:ea typeface="微软雅黑" panose="020B0503020204020204" pitchFamily="34" charset="-122"/>
+              </a:rPr>
+              <a:t>zk</a:t>
+            </a:r>
+            <a:r>
+              <a:rPr lang="en-US" altLang="zh-CN" sz="2000" dirty="0">
+                <a:latin typeface="微软雅黑" panose="020B0503020204020204" pitchFamily="34" charset="-122"/>
+                <a:ea typeface="微软雅黑" panose="020B0503020204020204" pitchFamily="34" charset="-122"/>
+              </a:rPr>
+              <a:t> </a:t>
+            </a:r>
+            <a:r>
+              <a:rPr lang="zh-CN" altLang="en-US" sz="2000" dirty="0">
+                <a:latin typeface="微软雅黑" panose="020B0503020204020204" pitchFamily="34" charset="-122"/>
+                <a:ea typeface="微软雅黑" panose="020B0503020204020204" pitchFamily="34" charset="-122"/>
+              </a:rPr>
+              <a:t>所关联的字符串进行设置</a:t>
+            </a:r>
+          </a:p>
+          <a:p>
+            <a:r>
+              <a:rPr lang="en-US" altLang="zh-CN" sz="2000" dirty="0">
+                <a:latin typeface="微软雅黑" panose="020B0503020204020204" pitchFamily="34" charset="-122"/>
+                <a:ea typeface="微软雅黑" panose="020B0503020204020204" pitchFamily="34" charset="-122"/>
+              </a:rPr>
+              <a:t>6. </a:t>
+            </a:r>
+            <a:r>
+              <a:rPr lang="zh-CN" altLang="en-US" sz="2000" dirty="0">
+                <a:latin typeface="微软雅黑" panose="020B0503020204020204" pitchFamily="34" charset="-122"/>
+                <a:ea typeface="微软雅黑" panose="020B0503020204020204" pitchFamily="34" charset="-122"/>
+              </a:rPr>
+              <a:t>删除文件： </a:t>
+            </a:r>
+            <a:r>
+              <a:rPr lang="en-US" altLang="zh-CN" sz="2000" dirty="0">
+                <a:latin typeface="微软雅黑" panose="020B0503020204020204" pitchFamily="34" charset="-122"/>
+                <a:ea typeface="微软雅黑" panose="020B0503020204020204" pitchFamily="34" charset="-122"/>
+              </a:rPr>
+              <a:t>delete /</a:t>
+            </a:r>
+            <a:r>
+              <a:rPr lang="en-US" altLang="zh-CN" sz="2000" dirty="0" err="1">
+                <a:latin typeface="微软雅黑" panose="020B0503020204020204" pitchFamily="34" charset="-122"/>
+                <a:ea typeface="微软雅黑" panose="020B0503020204020204" pitchFamily="34" charset="-122"/>
+              </a:rPr>
+              <a:t>zk</a:t>
+            </a:r>
+            <a:r>
+              <a:rPr lang="en-US" altLang="zh-CN" sz="2000" dirty="0">
+                <a:latin typeface="微软雅黑" panose="020B0503020204020204" pitchFamily="34" charset="-122"/>
+                <a:ea typeface="微软雅黑" panose="020B0503020204020204" pitchFamily="34" charset="-122"/>
+              </a:rPr>
+              <a:t> </a:t>
+            </a:r>
+            <a:r>
+              <a:rPr lang="zh-CN" altLang="en-US" sz="2000" dirty="0">
+                <a:latin typeface="微软雅黑" panose="020B0503020204020204" pitchFamily="34" charset="-122"/>
+                <a:ea typeface="微软雅黑" panose="020B0503020204020204" pitchFamily="34" charset="-122"/>
+              </a:rPr>
+              <a:t>将刚才创建的 </a:t>
+            </a:r>
+            <a:r>
+              <a:rPr lang="en-US" altLang="zh-CN" sz="2000" dirty="0" err="1">
+                <a:latin typeface="微软雅黑" panose="020B0503020204020204" pitchFamily="34" charset="-122"/>
+                <a:ea typeface="微软雅黑" panose="020B0503020204020204" pitchFamily="34" charset="-122"/>
+              </a:rPr>
+              <a:t>znode</a:t>
+            </a:r>
+            <a:r>
+              <a:rPr lang="en-US" altLang="zh-CN" sz="2000" dirty="0">
+                <a:latin typeface="微软雅黑" panose="020B0503020204020204" pitchFamily="34" charset="-122"/>
+                <a:ea typeface="微软雅黑" panose="020B0503020204020204" pitchFamily="34" charset="-122"/>
+              </a:rPr>
+              <a:t> </a:t>
+            </a:r>
+            <a:r>
+              <a:rPr lang="zh-CN" altLang="en-US" sz="2000" dirty="0">
+                <a:latin typeface="微软雅黑" panose="020B0503020204020204" pitchFamily="34" charset="-122"/>
+                <a:ea typeface="微软雅黑" panose="020B0503020204020204" pitchFamily="34" charset="-122"/>
+              </a:rPr>
+              <a:t>删除</a:t>
+            </a:r>
+          </a:p>
+          <a:p>
+            <a:r>
+              <a:rPr lang="en-US" altLang="zh-CN" sz="2000" dirty="0">
+                <a:latin typeface="微软雅黑" panose="020B0503020204020204" pitchFamily="34" charset="-122"/>
+                <a:ea typeface="微软雅黑" panose="020B0503020204020204" pitchFamily="34" charset="-122"/>
+              </a:rPr>
+              <a:t>7. </a:t>
+            </a:r>
+            <a:r>
+              <a:rPr lang="zh-CN" altLang="en-US" sz="2000" dirty="0">
+                <a:latin typeface="微软雅黑" panose="020B0503020204020204" pitchFamily="34" charset="-122"/>
+                <a:ea typeface="微软雅黑" panose="020B0503020204020204" pitchFamily="34" charset="-122"/>
+              </a:rPr>
+              <a:t>退出客户端： </a:t>
+            </a:r>
+            <a:r>
+              <a:rPr lang="en-US" altLang="zh-CN" sz="2000" dirty="0">
+                <a:latin typeface="微软雅黑" panose="020B0503020204020204" pitchFamily="34" charset="-122"/>
+                <a:ea typeface="微软雅黑" panose="020B0503020204020204" pitchFamily="34" charset="-122"/>
+              </a:rPr>
+              <a:t>quit</a:t>
+            </a:r>
+          </a:p>
+          <a:p>
+            <a:r>
+              <a:rPr lang="en-US" altLang="zh-CN" sz="2000" dirty="0">
+                <a:latin typeface="微软雅黑" panose="020B0503020204020204" pitchFamily="34" charset="-122"/>
+                <a:ea typeface="微软雅黑" panose="020B0503020204020204" pitchFamily="34" charset="-122"/>
+              </a:rPr>
+              <a:t>8. </a:t>
+            </a:r>
+            <a:r>
+              <a:rPr lang="zh-CN" altLang="en-US" sz="2000" dirty="0">
+                <a:latin typeface="微软雅黑" panose="020B0503020204020204" pitchFamily="34" charset="-122"/>
+                <a:ea typeface="微软雅黑" panose="020B0503020204020204" pitchFamily="34" charset="-122"/>
+              </a:rPr>
+              <a:t>帮助命令： </a:t>
+            </a:r>
+            <a:r>
+              <a:rPr lang="en-US" altLang="zh-CN" sz="2000" dirty="0">
+                <a:latin typeface="微软雅黑" panose="020B0503020204020204" pitchFamily="34" charset="-122"/>
+                <a:ea typeface="微软雅黑" panose="020B0503020204020204" pitchFamily="34" charset="-122"/>
+              </a:rPr>
+              <a:t>help</a:t>
+            </a:r>
+          </a:p>
+          <a:p>
+            <a:endParaRPr lang="zh-CN" altLang="en-US" sz="2000" dirty="0">
               <a:latin typeface="微软雅黑" panose="020B0503020204020204" pitchFamily="34" charset="-122"/>
               <a:ea typeface="微软雅黑" panose="020B0503020204020204" pitchFamily="34" charset="-122"/>
             </a:endParaRPr>
@@ -15232,7 +16684,7 @@
     </p:spTree>
     <p:extLst>
       <p:ext uri="{BB962C8B-B14F-4D97-AF65-F5344CB8AC3E}">
-        <p14:creationId xmlns:p14="http://schemas.microsoft.com/office/powerpoint/2010/main" val="567466972"/>
+        <p14:creationId xmlns:p14="http://schemas.microsoft.com/office/powerpoint/2010/main" val="1848877961"/>
       </p:ext>
     </p:extLst>
   </p:cSld>
@@ -15274,8 +16726,8 @@
         </p:nvSpPr>
         <p:spPr>
           <a:xfrm>
-            <a:off x="839416" y="908720"/>
-            <a:ext cx="9937104" cy="3600986"/>
+            <a:off x="623392" y="188640"/>
+            <a:ext cx="10801200" cy="6247864"/>
           </a:xfrm>
           <a:prstGeom prst="rect">
             <a:avLst/>
@@ -15289,147 +16741,763 @@
           <a:lstStyle/>
           <a:p>
             <a:r>
-              <a:rPr lang="zh-CN" altLang="en-US" sz="2400" b="1" dirty="0">
-                <a:latin typeface="微软雅黑" panose="020B0503020204020204" pitchFamily="34" charset="-122"/>
-                <a:ea typeface="微软雅黑" panose="020B0503020204020204" pitchFamily="34" charset="-122"/>
-              </a:rPr>
-              <a:t>集群管理（</a:t>
-            </a:r>
-            <a:r>
-              <a:rPr lang="en-US" altLang="zh-CN" sz="2400" b="1" dirty="0">
-                <a:latin typeface="微软雅黑" panose="020B0503020204020204" pitchFamily="34" charset="-122"/>
-                <a:ea typeface="微软雅黑" panose="020B0503020204020204" pitchFamily="34" charset="-122"/>
-              </a:rPr>
-              <a:t>Group Membership</a:t>
-            </a:r>
-            <a:r>
-              <a:rPr lang="zh-CN" altLang="en-US" sz="2400" b="1" dirty="0" smtClean="0">
-                <a:latin typeface="微软雅黑" panose="020B0503020204020204" pitchFamily="34" charset="-122"/>
-                <a:ea typeface="微软雅黑" panose="020B0503020204020204" pitchFamily="34" charset="-122"/>
-              </a:rPr>
-              <a:t>）</a:t>
-            </a:r>
-            <a:endParaRPr lang="en-US" altLang="zh-CN" sz="2400" b="1" dirty="0" smtClean="0">
+              <a:rPr lang="en-US" altLang="zh-CN" sz="2000" b="1" dirty="0" err="1">
+                <a:latin typeface="微软雅黑" panose="020B0503020204020204" pitchFamily="34" charset="-122"/>
+                <a:ea typeface="微软雅黑" panose="020B0503020204020204" pitchFamily="34" charset="-122"/>
+              </a:rPr>
+              <a:t>ZooKeeper</a:t>
+            </a:r>
+            <a:r>
+              <a:rPr lang="en-US" altLang="zh-CN" sz="2000" b="1" dirty="0">
+                <a:latin typeface="微软雅黑" panose="020B0503020204020204" pitchFamily="34" charset="-122"/>
+                <a:ea typeface="微软雅黑" panose="020B0503020204020204" pitchFamily="34" charset="-122"/>
+              </a:rPr>
+              <a:t> </a:t>
+            </a:r>
+            <a:r>
+              <a:rPr lang="zh-CN" altLang="en-US" sz="2000" b="1" dirty="0">
+                <a:latin typeface="微软雅黑" panose="020B0503020204020204" pitchFamily="34" charset="-122"/>
+                <a:ea typeface="微软雅黑" panose="020B0503020204020204" pitchFamily="34" charset="-122"/>
+              </a:rPr>
+              <a:t>常用四字命令：</a:t>
+            </a:r>
+          </a:p>
+          <a:p>
+            <a:r>
+              <a:rPr lang="zh-CN" altLang="en-US" sz="2000" dirty="0">
+                <a:latin typeface="微软雅黑" panose="020B0503020204020204" pitchFamily="34" charset="-122"/>
+                <a:ea typeface="微软雅黑" panose="020B0503020204020204" pitchFamily="34" charset="-122"/>
+              </a:rPr>
+              <a:t>      </a:t>
+            </a:r>
+            <a:r>
+              <a:rPr lang="en-US" altLang="zh-CN" sz="2000" dirty="0" err="1">
+                <a:latin typeface="微软雅黑" panose="020B0503020204020204" pitchFamily="34" charset="-122"/>
+                <a:ea typeface="微软雅黑" panose="020B0503020204020204" pitchFamily="34" charset="-122"/>
+              </a:rPr>
+              <a:t>ZooKeeper</a:t>
+            </a:r>
+            <a:r>
+              <a:rPr lang="en-US" altLang="zh-CN" sz="2000" dirty="0">
+                <a:latin typeface="微软雅黑" panose="020B0503020204020204" pitchFamily="34" charset="-122"/>
+                <a:ea typeface="微软雅黑" panose="020B0503020204020204" pitchFamily="34" charset="-122"/>
+              </a:rPr>
+              <a:t> </a:t>
+            </a:r>
+            <a:r>
+              <a:rPr lang="zh-CN" altLang="en-US" sz="2000" dirty="0">
+                <a:latin typeface="微软雅黑" panose="020B0503020204020204" pitchFamily="34" charset="-122"/>
+                <a:ea typeface="微软雅黑" panose="020B0503020204020204" pitchFamily="34" charset="-122"/>
+              </a:rPr>
+              <a:t>支持某些特定的四字命令字母与其的交互。它们大多是查询命令，用来获取 </a:t>
+            </a:r>
+            <a:r>
+              <a:rPr lang="en-US" altLang="zh-CN" sz="2000" dirty="0" err="1">
+                <a:latin typeface="微软雅黑" panose="020B0503020204020204" pitchFamily="34" charset="-122"/>
+                <a:ea typeface="微软雅黑" panose="020B0503020204020204" pitchFamily="34" charset="-122"/>
+              </a:rPr>
+              <a:t>ZooKeeper</a:t>
+            </a:r>
+            <a:r>
+              <a:rPr lang="en-US" altLang="zh-CN" sz="2000" dirty="0">
+                <a:latin typeface="微软雅黑" panose="020B0503020204020204" pitchFamily="34" charset="-122"/>
+                <a:ea typeface="微软雅黑" panose="020B0503020204020204" pitchFamily="34" charset="-122"/>
+              </a:rPr>
+              <a:t> </a:t>
+            </a:r>
+            <a:r>
+              <a:rPr lang="zh-CN" altLang="en-US" sz="2000" dirty="0">
+                <a:latin typeface="微软雅黑" panose="020B0503020204020204" pitchFamily="34" charset="-122"/>
+                <a:ea typeface="微软雅黑" panose="020B0503020204020204" pitchFamily="34" charset="-122"/>
+              </a:rPr>
+              <a:t>服务的当前状态及相关信息。用户在客户端可以通过 </a:t>
+            </a:r>
+            <a:r>
+              <a:rPr lang="en-US" altLang="zh-CN" sz="2000" dirty="0">
+                <a:latin typeface="微软雅黑" panose="020B0503020204020204" pitchFamily="34" charset="-122"/>
+                <a:ea typeface="微软雅黑" panose="020B0503020204020204" pitchFamily="34" charset="-122"/>
+              </a:rPr>
+              <a:t>telnet </a:t>
+            </a:r>
+            <a:r>
+              <a:rPr lang="zh-CN" altLang="en-US" sz="2000" dirty="0">
+                <a:latin typeface="微软雅黑" panose="020B0503020204020204" pitchFamily="34" charset="-122"/>
+                <a:ea typeface="微软雅黑" panose="020B0503020204020204" pitchFamily="34" charset="-122"/>
+              </a:rPr>
+              <a:t>或 </a:t>
+            </a:r>
+            <a:r>
+              <a:rPr lang="en-US" altLang="zh-CN" sz="2000" dirty="0" err="1">
+                <a:latin typeface="微软雅黑" panose="020B0503020204020204" pitchFamily="34" charset="-122"/>
+                <a:ea typeface="微软雅黑" panose="020B0503020204020204" pitchFamily="34" charset="-122"/>
+              </a:rPr>
+              <a:t>nc</a:t>
+            </a:r>
+            <a:r>
+              <a:rPr lang="en-US" altLang="zh-CN" sz="2000" dirty="0">
+                <a:latin typeface="微软雅黑" panose="020B0503020204020204" pitchFamily="34" charset="-122"/>
+                <a:ea typeface="微软雅黑" panose="020B0503020204020204" pitchFamily="34" charset="-122"/>
+              </a:rPr>
+              <a:t> </a:t>
+            </a:r>
+            <a:r>
+              <a:rPr lang="zh-CN" altLang="en-US" sz="2000" dirty="0">
+                <a:latin typeface="微软雅黑" panose="020B0503020204020204" pitchFamily="34" charset="-122"/>
+                <a:ea typeface="微软雅黑" panose="020B0503020204020204" pitchFamily="34" charset="-122"/>
+              </a:rPr>
+              <a:t>向 </a:t>
+            </a:r>
+            <a:r>
+              <a:rPr lang="en-US" altLang="zh-CN" sz="2000" dirty="0" err="1">
+                <a:latin typeface="微软雅黑" panose="020B0503020204020204" pitchFamily="34" charset="-122"/>
+                <a:ea typeface="微软雅黑" panose="020B0503020204020204" pitchFamily="34" charset="-122"/>
+              </a:rPr>
+              <a:t>ZooKeeper</a:t>
+            </a:r>
+            <a:r>
+              <a:rPr lang="en-US" altLang="zh-CN" sz="2000" dirty="0">
+                <a:latin typeface="微软雅黑" panose="020B0503020204020204" pitchFamily="34" charset="-122"/>
+                <a:ea typeface="微软雅黑" panose="020B0503020204020204" pitchFamily="34" charset="-122"/>
+              </a:rPr>
+              <a:t> </a:t>
+            </a:r>
+            <a:r>
+              <a:rPr lang="zh-CN" altLang="en-US" sz="2000" dirty="0">
+                <a:latin typeface="微软雅黑" panose="020B0503020204020204" pitchFamily="34" charset="-122"/>
+                <a:ea typeface="微软雅黑" panose="020B0503020204020204" pitchFamily="34" charset="-122"/>
+              </a:rPr>
+              <a:t>提交相应的命令</a:t>
+            </a:r>
+          </a:p>
+          <a:p>
+            <a:r>
+              <a:rPr lang="en-US" altLang="zh-CN" sz="2000" dirty="0">
+                <a:latin typeface="微软雅黑" panose="020B0503020204020204" pitchFamily="34" charset="-122"/>
+                <a:ea typeface="微软雅黑" panose="020B0503020204020204" pitchFamily="34" charset="-122"/>
+              </a:rPr>
+              <a:t>1. </a:t>
+            </a:r>
+            <a:r>
+              <a:rPr lang="zh-CN" altLang="en-US" sz="2000" dirty="0">
+                <a:latin typeface="微软雅黑" panose="020B0503020204020204" pitchFamily="34" charset="-122"/>
+                <a:ea typeface="微软雅黑" panose="020B0503020204020204" pitchFamily="34" charset="-122"/>
+              </a:rPr>
+              <a:t>可以通过命令：</a:t>
+            </a:r>
+            <a:r>
+              <a:rPr lang="en-US" altLang="zh-CN" sz="2000" dirty="0">
+                <a:latin typeface="微软雅黑" panose="020B0503020204020204" pitchFamily="34" charset="-122"/>
+                <a:ea typeface="微软雅黑" panose="020B0503020204020204" pitchFamily="34" charset="-122"/>
+              </a:rPr>
+              <a:t>echo </a:t>
+            </a:r>
+            <a:r>
+              <a:rPr lang="en-US" altLang="zh-CN" sz="2000" dirty="0" err="1">
+                <a:latin typeface="微软雅黑" panose="020B0503020204020204" pitchFamily="34" charset="-122"/>
+                <a:ea typeface="微软雅黑" panose="020B0503020204020204" pitchFamily="34" charset="-122"/>
+              </a:rPr>
+              <a:t>stat|nc</a:t>
+            </a:r>
+            <a:r>
+              <a:rPr lang="en-US" altLang="zh-CN" sz="2000" dirty="0">
+                <a:latin typeface="微软雅黑" panose="020B0503020204020204" pitchFamily="34" charset="-122"/>
+                <a:ea typeface="微软雅黑" panose="020B0503020204020204" pitchFamily="34" charset="-122"/>
+              </a:rPr>
+              <a:t> 127.0.0.1 2181 </a:t>
+            </a:r>
+            <a:r>
+              <a:rPr lang="zh-CN" altLang="en-US" sz="2000" dirty="0">
+                <a:latin typeface="微软雅黑" panose="020B0503020204020204" pitchFamily="34" charset="-122"/>
+                <a:ea typeface="微软雅黑" panose="020B0503020204020204" pitchFamily="34" charset="-122"/>
+              </a:rPr>
+              <a:t>来查看哪个节点被选择作为</a:t>
+            </a:r>
+            <a:r>
+              <a:rPr lang="en-US" altLang="zh-CN" sz="2000" dirty="0">
+                <a:latin typeface="微软雅黑" panose="020B0503020204020204" pitchFamily="34" charset="-122"/>
+                <a:ea typeface="微软雅黑" panose="020B0503020204020204" pitchFamily="34" charset="-122"/>
+              </a:rPr>
+              <a:t>follower</a:t>
+            </a:r>
+            <a:r>
+              <a:rPr lang="zh-CN" altLang="en-US" sz="2000" dirty="0">
+                <a:latin typeface="微软雅黑" panose="020B0503020204020204" pitchFamily="34" charset="-122"/>
+                <a:ea typeface="微软雅黑" panose="020B0503020204020204" pitchFamily="34" charset="-122"/>
+              </a:rPr>
+              <a:t>或者</a:t>
+            </a:r>
+            <a:r>
+              <a:rPr lang="en-US" altLang="zh-CN" sz="2000" dirty="0">
+                <a:latin typeface="微软雅黑" panose="020B0503020204020204" pitchFamily="34" charset="-122"/>
+                <a:ea typeface="微软雅黑" panose="020B0503020204020204" pitchFamily="34" charset="-122"/>
+              </a:rPr>
+              <a:t>leader</a:t>
+            </a:r>
+          </a:p>
+          <a:p>
+            <a:r>
+              <a:rPr lang="en-US" altLang="zh-CN" sz="2000" dirty="0">
+                <a:latin typeface="微软雅黑" panose="020B0503020204020204" pitchFamily="34" charset="-122"/>
+                <a:ea typeface="微软雅黑" panose="020B0503020204020204" pitchFamily="34" charset="-122"/>
+              </a:rPr>
+              <a:t>2. </a:t>
+            </a:r>
+            <a:r>
+              <a:rPr lang="zh-CN" altLang="en-US" sz="2000" dirty="0">
+                <a:latin typeface="微软雅黑" panose="020B0503020204020204" pitchFamily="34" charset="-122"/>
+                <a:ea typeface="微软雅黑" panose="020B0503020204020204" pitchFamily="34" charset="-122"/>
+              </a:rPr>
+              <a:t>使用</a:t>
+            </a:r>
+            <a:r>
+              <a:rPr lang="en-US" altLang="zh-CN" sz="2000" dirty="0">
+                <a:latin typeface="微软雅黑" panose="020B0503020204020204" pitchFamily="34" charset="-122"/>
+                <a:ea typeface="微软雅黑" panose="020B0503020204020204" pitchFamily="34" charset="-122"/>
+              </a:rPr>
+              <a:t>echo </a:t>
+            </a:r>
+            <a:r>
+              <a:rPr lang="en-US" altLang="zh-CN" sz="2000" dirty="0" err="1">
+                <a:latin typeface="微软雅黑" panose="020B0503020204020204" pitchFamily="34" charset="-122"/>
+                <a:ea typeface="微软雅黑" panose="020B0503020204020204" pitchFamily="34" charset="-122"/>
+              </a:rPr>
+              <a:t>ruok|nc</a:t>
+            </a:r>
+            <a:r>
+              <a:rPr lang="en-US" altLang="zh-CN" sz="2000" dirty="0">
+                <a:latin typeface="微软雅黑" panose="020B0503020204020204" pitchFamily="34" charset="-122"/>
+                <a:ea typeface="微软雅黑" panose="020B0503020204020204" pitchFamily="34" charset="-122"/>
+              </a:rPr>
+              <a:t> 127.0.0.1 2181 </a:t>
+            </a:r>
+            <a:r>
+              <a:rPr lang="zh-CN" altLang="en-US" sz="2000" dirty="0">
+                <a:latin typeface="微软雅黑" panose="020B0503020204020204" pitchFamily="34" charset="-122"/>
+                <a:ea typeface="微软雅黑" panose="020B0503020204020204" pitchFamily="34" charset="-122"/>
+              </a:rPr>
+              <a:t>测试是否启动了该</a:t>
+            </a:r>
+            <a:r>
+              <a:rPr lang="en-US" altLang="zh-CN" sz="2000" dirty="0">
+                <a:latin typeface="微软雅黑" panose="020B0503020204020204" pitchFamily="34" charset="-122"/>
+                <a:ea typeface="微软雅黑" panose="020B0503020204020204" pitchFamily="34" charset="-122"/>
+              </a:rPr>
+              <a:t>Server</a:t>
+            </a:r>
+            <a:r>
+              <a:rPr lang="zh-CN" altLang="en-US" sz="2000" dirty="0">
+                <a:latin typeface="微软雅黑" panose="020B0503020204020204" pitchFamily="34" charset="-122"/>
+                <a:ea typeface="微软雅黑" panose="020B0503020204020204" pitchFamily="34" charset="-122"/>
+              </a:rPr>
+              <a:t>，若回复</a:t>
+            </a:r>
+            <a:r>
+              <a:rPr lang="en-US" altLang="zh-CN" sz="2000" dirty="0" err="1">
+                <a:latin typeface="微软雅黑" panose="020B0503020204020204" pitchFamily="34" charset="-122"/>
+                <a:ea typeface="微软雅黑" panose="020B0503020204020204" pitchFamily="34" charset="-122"/>
+              </a:rPr>
+              <a:t>imok</a:t>
+            </a:r>
+            <a:r>
+              <a:rPr lang="zh-CN" altLang="en-US" sz="2000" dirty="0">
+                <a:latin typeface="微软雅黑" panose="020B0503020204020204" pitchFamily="34" charset="-122"/>
+                <a:ea typeface="微软雅黑" panose="020B0503020204020204" pitchFamily="34" charset="-122"/>
+              </a:rPr>
+              <a:t>表示已经启动。</a:t>
+            </a:r>
+          </a:p>
+          <a:p>
+            <a:r>
+              <a:rPr lang="en-US" altLang="zh-CN" sz="2000" dirty="0">
+                <a:latin typeface="微软雅黑" panose="020B0503020204020204" pitchFamily="34" charset="-122"/>
+                <a:ea typeface="微软雅黑" panose="020B0503020204020204" pitchFamily="34" charset="-122"/>
+              </a:rPr>
+              <a:t>3. echo dump| </a:t>
+            </a:r>
+            <a:r>
+              <a:rPr lang="en-US" altLang="zh-CN" sz="2000" dirty="0" err="1">
+                <a:latin typeface="微软雅黑" panose="020B0503020204020204" pitchFamily="34" charset="-122"/>
+                <a:ea typeface="微软雅黑" panose="020B0503020204020204" pitchFamily="34" charset="-122"/>
+              </a:rPr>
+              <a:t>nc</a:t>
+            </a:r>
+            <a:r>
+              <a:rPr lang="en-US" altLang="zh-CN" sz="2000" dirty="0">
+                <a:latin typeface="微软雅黑" panose="020B0503020204020204" pitchFamily="34" charset="-122"/>
+                <a:ea typeface="微软雅黑" panose="020B0503020204020204" pitchFamily="34" charset="-122"/>
+              </a:rPr>
+              <a:t> 127.0.0.1 2181 ,</a:t>
+            </a:r>
+            <a:r>
+              <a:rPr lang="zh-CN" altLang="en-US" sz="2000" dirty="0">
+                <a:latin typeface="微软雅黑" panose="020B0503020204020204" pitchFamily="34" charset="-122"/>
+                <a:ea typeface="微软雅黑" panose="020B0503020204020204" pitchFamily="34" charset="-122"/>
+              </a:rPr>
+              <a:t>列出未经处理的会话和临时节点。</a:t>
+            </a:r>
+          </a:p>
+          <a:p>
+            <a:r>
+              <a:rPr lang="en-US" altLang="zh-CN" sz="2000" dirty="0">
+                <a:latin typeface="微软雅黑" panose="020B0503020204020204" pitchFamily="34" charset="-122"/>
+                <a:ea typeface="微软雅黑" panose="020B0503020204020204" pitchFamily="34" charset="-122"/>
+              </a:rPr>
+              <a:t>4. echo kill | </a:t>
+            </a:r>
+            <a:r>
+              <a:rPr lang="en-US" altLang="zh-CN" sz="2000" dirty="0" err="1">
+                <a:latin typeface="微软雅黑" panose="020B0503020204020204" pitchFamily="34" charset="-122"/>
+                <a:ea typeface="微软雅黑" panose="020B0503020204020204" pitchFamily="34" charset="-122"/>
+              </a:rPr>
+              <a:t>nc</a:t>
+            </a:r>
+            <a:r>
+              <a:rPr lang="en-US" altLang="zh-CN" sz="2000" dirty="0">
+                <a:latin typeface="微软雅黑" panose="020B0503020204020204" pitchFamily="34" charset="-122"/>
+                <a:ea typeface="微软雅黑" panose="020B0503020204020204" pitchFamily="34" charset="-122"/>
+              </a:rPr>
+              <a:t> 127.0.0.1 2181 ,</a:t>
+            </a:r>
+            <a:r>
+              <a:rPr lang="zh-CN" altLang="en-US" sz="2000" dirty="0">
+                <a:latin typeface="微软雅黑" panose="020B0503020204020204" pitchFamily="34" charset="-122"/>
+                <a:ea typeface="微软雅黑" panose="020B0503020204020204" pitchFamily="34" charset="-122"/>
+              </a:rPr>
+              <a:t>关掉</a:t>
+            </a:r>
+            <a:r>
+              <a:rPr lang="en-US" altLang="zh-CN" sz="2000" dirty="0">
+                <a:latin typeface="微软雅黑" panose="020B0503020204020204" pitchFamily="34" charset="-122"/>
+                <a:ea typeface="微软雅黑" panose="020B0503020204020204" pitchFamily="34" charset="-122"/>
+              </a:rPr>
+              <a:t>server</a:t>
+            </a:r>
+          </a:p>
+          <a:p>
+            <a:r>
+              <a:rPr lang="en-US" altLang="zh-CN" sz="2000" dirty="0">
+                <a:latin typeface="微软雅黑" panose="020B0503020204020204" pitchFamily="34" charset="-122"/>
+                <a:ea typeface="微软雅黑" panose="020B0503020204020204" pitchFamily="34" charset="-122"/>
+              </a:rPr>
+              <a:t>5. echo </a:t>
+            </a:r>
+            <a:r>
+              <a:rPr lang="en-US" altLang="zh-CN" sz="2000" dirty="0" err="1">
+                <a:latin typeface="微软雅黑" panose="020B0503020204020204" pitchFamily="34" charset="-122"/>
+                <a:ea typeface="微软雅黑" panose="020B0503020204020204" pitchFamily="34" charset="-122"/>
+              </a:rPr>
+              <a:t>conf</a:t>
+            </a:r>
+            <a:r>
+              <a:rPr lang="en-US" altLang="zh-CN" sz="2000" dirty="0">
+                <a:latin typeface="微软雅黑" panose="020B0503020204020204" pitchFamily="34" charset="-122"/>
+                <a:ea typeface="微软雅黑" panose="020B0503020204020204" pitchFamily="34" charset="-122"/>
+              </a:rPr>
+              <a:t> | </a:t>
+            </a:r>
+            <a:r>
+              <a:rPr lang="en-US" altLang="zh-CN" sz="2000" dirty="0" err="1">
+                <a:latin typeface="微软雅黑" panose="020B0503020204020204" pitchFamily="34" charset="-122"/>
+                <a:ea typeface="微软雅黑" panose="020B0503020204020204" pitchFamily="34" charset="-122"/>
+              </a:rPr>
+              <a:t>nc</a:t>
+            </a:r>
+            <a:r>
+              <a:rPr lang="en-US" altLang="zh-CN" sz="2000" dirty="0">
+                <a:latin typeface="微软雅黑" panose="020B0503020204020204" pitchFamily="34" charset="-122"/>
+                <a:ea typeface="微软雅黑" panose="020B0503020204020204" pitchFamily="34" charset="-122"/>
+              </a:rPr>
+              <a:t> 127.0.0.1 2181 ,</a:t>
+            </a:r>
+            <a:r>
+              <a:rPr lang="zh-CN" altLang="en-US" sz="2000" dirty="0">
+                <a:latin typeface="微软雅黑" panose="020B0503020204020204" pitchFamily="34" charset="-122"/>
+                <a:ea typeface="微软雅黑" panose="020B0503020204020204" pitchFamily="34" charset="-122"/>
+              </a:rPr>
+              <a:t>输出相关服务配置的详细信息。</a:t>
+            </a:r>
+          </a:p>
+          <a:p>
+            <a:r>
+              <a:rPr lang="en-US" altLang="zh-CN" sz="2000" dirty="0">
+                <a:latin typeface="微软雅黑" panose="020B0503020204020204" pitchFamily="34" charset="-122"/>
+                <a:ea typeface="微软雅黑" panose="020B0503020204020204" pitchFamily="34" charset="-122"/>
+              </a:rPr>
+              <a:t>6. echo cons | </a:t>
+            </a:r>
+            <a:r>
+              <a:rPr lang="en-US" altLang="zh-CN" sz="2000" dirty="0" err="1">
+                <a:latin typeface="微软雅黑" panose="020B0503020204020204" pitchFamily="34" charset="-122"/>
+                <a:ea typeface="微软雅黑" panose="020B0503020204020204" pitchFamily="34" charset="-122"/>
+              </a:rPr>
+              <a:t>nc</a:t>
+            </a:r>
+            <a:r>
+              <a:rPr lang="en-US" altLang="zh-CN" sz="2000" dirty="0">
+                <a:latin typeface="微软雅黑" panose="020B0503020204020204" pitchFamily="34" charset="-122"/>
+                <a:ea typeface="微软雅黑" panose="020B0503020204020204" pitchFamily="34" charset="-122"/>
+              </a:rPr>
+              <a:t> 127.0.0.1 2181 ,</a:t>
+            </a:r>
+            <a:r>
+              <a:rPr lang="zh-CN" altLang="en-US" sz="2000" dirty="0">
+                <a:latin typeface="微软雅黑" panose="020B0503020204020204" pitchFamily="34" charset="-122"/>
+                <a:ea typeface="微软雅黑" panose="020B0503020204020204" pitchFamily="34" charset="-122"/>
+              </a:rPr>
+              <a:t>列出所有连接到服务器的客户端的完全的连接 </a:t>
+            </a:r>
+            <a:r>
+              <a:rPr lang="en-US" altLang="zh-CN" sz="2000" dirty="0">
+                <a:latin typeface="微软雅黑" panose="020B0503020204020204" pitchFamily="34" charset="-122"/>
+                <a:ea typeface="微软雅黑" panose="020B0503020204020204" pitchFamily="34" charset="-122"/>
+              </a:rPr>
+              <a:t>/ </a:t>
+            </a:r>
+            <a:r>
+              <a:rPr lang="zh-CN" altLang="en-US" sz="2000" dirty="0">
+                <a:latin typeface="微软雅黑" panose="020B0503020204020204" pitchFamily="34" charset="-122"/>
+                <a:ea typeface="微软雅黑" panose="020B0503020204020204" pitchFamily="34" charset="-122"/>
+              </a:rPr>
+              <a:t>会话的详细信息。</a:t>
+            </a:r>
+          </a:p>
+          <a:p>
+            <a:r>
+              <a:rPr lang="en-US" altLang="zh-CN" sz="2000" dirty="0">
+                <a:latin typeface="微软雅黑" panose="020B0503020204020204" pitchFamily="34" charset="-122"/>
+                <a:ea typeface="微软雅黑" panose="020B0503020204020204" pitchFamily="34" charset="-122"/>
+              </a:rPr>
+              <a:t>7. echo </a:t>
+            </a:r>
+            <a:r>
+              <a:rPr lang="en-US" altLang="zh-CN" sz="2000" dirty="0" err="1">
+                <a:latin typeface="微软雅黑" panose="020B0503020204020204" pitchFamily="34" charset="-122"/>
+                <a:ea typeface="微软雅黑" panose="020B0503020204020204" pitchFamily="34" charset="-122"/>
+              </a:rPr>
+              <a:t>envi</a:t>
+            </a:r>
+            <a:r>
+              <a:rPr lang="en-US" altLang="zh-CN" sz="2000" dirty="0">
+                <a:latin typeface="微软雅黑" panose="020B0503020204020204" pitchFamily="34" charset="-122"/>
+                <a:ea typeface="微软雅黑" panose="020B0503020204020204" pitchFamily="34" charset="-122"/>
+              </a:rPr>
+              <a:t> |</a:t>
+            </a:r>
+            <a:r>
+              <a:rPr lang="en-US" altLang="zh-CN" sz="2000" dirty="0" err="1">
+                <a:latin typeface="微软雅黑" panose="020B0503020204020204" pitchFamily="34" charset="-122"/>
+                <a:ea typeface="微软雅黑" panose="020B0503020204020204" pitchFamily="34" charset="-122"/>
+              </a:rPr>
+              <a:t>nc</a:t>
+            </a:r>
+            <a:r>
+              <a:rPr lang="en-US" altLang="zh-CN" sz="2000" dirty="0">
+                <a:latin typeface="微软雅黑" panose="020B0503020204020204" pitchFamily="34" charset="-122"/>
+                <a:ea typeface="微软雅黑" panose="020B0503020204020204" pitchFamily="34" charset="-122"/>
+              </a:rPr>
+              <a:t> 127.0.0.1 2181 ,</a:t>
+            </a:r>
+            <a:r>
+              <a:rPr lang="zh-CN" altLang="en-US" sz="2000" dirty="0">
+                <a:latin typeface="微软雅黑" panose="020B0503020204020204" pitchFamily="34" charset="-122"/>
+                <a:ea typeface="微软雅黑" panose="020B0503020204020204" pitchFamily="34" charset="-122"/>
+              </a:rPr>
+              <a:t>输出关于服务环境的详细信息（区别于 </a:t>
+            </a:r>
+            <a:r>
+              <a:rPr lang="en-US" altLang="zh-CN" sz="2000" dirty="0" err="1">
+                <a:latin typeface="微软雅黑" panose="020B0503020204020204" pitchFamily="34" charset="-122"/>
+                <a:ea typeface="微软雅黑" panose="020B0503020204020204" pitchFamily="34" charset="-122"/>
+              </a:rPr>
+              <a:t>conf</a:t>
+            </a:r>
+            <a:r>
+              <a:rPr lang="en-US" altLang="zh-CN" sz="2000" dirty="0">
+                <a:latin typeface="微软雅黑" panose="020B0503020204020204" pitchFamily="34" charset="-122"/>
+                <a:ea typeface="微软雅黑" panose="020B0503020204020204" pitchFamily="34" charset="-122"/>
+              </a:rPr>
+              <a:t> </a:t>
+            </a:r>
+            <a:r>
+              <a:rPr lang="zh-CN" altLang="en-US" sz="2000" dirty="0">
+                <a:latin typeface="微软雅黑" panose="020B0503020204020204" pitchFamily="34" charset="-122"/>
+                <a:ea typeface="微软雅黑" panose="020B0503020204020204" pitchFamily="34" charset="-122"/>
+              </a:rPr>
+              <a:t>命令）。</a:t>
+            </a:r>
+          </a:p>
+          <a:p>
+            <a:r>
+              <a:rPr lang="en-US" altLang="zh-CN" sz="2000" dirty="0">
+                <a:latin typeface="微软雅黑" panose="020B0503020204020204" pitchFamily="34" charset="-122"/>
+                <a:ea typeface="微软雅黑" panose="020B0503020204020204" pitchFamily="34" charset="-122"/>
+              </a:rPr>
+              <a:t>8. echo </a:t>
+            </a:r>
+            <a:r>
+              <a:rPr lang="en-US" altLang="zh-CN" sz="2000" dirty="0" err="1">
+                <a:latin typeface="微软雅黑" panose="020B0503020204020204" pitchFamily="34" charset="-122"/>
+                <a:ea typeface="微软雅黑" panose="020B0503020204020204" pitchFamily="34" charset="-122"/>
+              </a:rPr>
+              <a:t>reqs</a:t>
+            </a:r>
+            <a:r>
+              <a:rPr lang="en-US" altLang="zh-CN" sz="2000" dirty="0">
+                <a:latin typeface="微软雅黑" panose="020B0503020204020204" pitchFamily="34" charset="-122"/>
+                <a:ea typeface="微软雅黑" panose="020B0503020204020204" pitchFamily="34" charset="-122"/>
+              </a:rPr>
+              <a:t> | </a:t>
+            </a:r>
+            <a:r>
+              <a:rPr lang="en-US" altLang="zh-CN" sz="2000" dirty="0" err="1">
+                <a:latin typeface="微软雅黑" panose="020B0503020204020204" pitchFamily="34" charset="-122"/>
+                <a:ea typeface="微软雅黑" panose="020B0503020204020204" pitchFamily="34" charset="-122"/>
+              </a:rPr>
+              <a:t>nc</a:t>
+            </a:r>
+            <a:r>
+              <a:rPr lang="en-US" altLang="zh-CN" sz="2000" dirty="0">
+                <a:latin typeface="微软雅黑" panose="020B0503020204020204" pitchFamily="34" charset="-122"/>
+                <a:ea typeface="微软雅黑" panose="020B0503020204020204" pitchFamily="34" charset="-122"/>
+              </a:rPr>
+              <a:t> 127.0.0.1 2181 ,</a:t>
+            </a:r>
+            <a:r>
+              <a:rPr lang="zh-CN" altLang="en-US" sz="2000" dirty="0">
+                <a:latin typeface="微软雅黑" panose="020B0503020204020204" pitchFamily="34" charset="-122"/>
+                <a:ea typeface="微软雅黑" panose="020B0503020204020204" pitchFamily="34" charset="-122"/>
+              </a:rPr>
+              <a:t>列出未经处理的请求。</a:t>
+            </a:r>
+          </a:p>
+          <a:p>
+            <a:r>
+              <a:rPr lang="en-US" altLang="zh-CN" sz="2000" dirty="0">
+                <a:latin typeface="微软雅黑" panose="020B0503020204020204" pitchFamily="34" charset="-122"/>
+                <a:ea typeface="微软雅黑" panose="020B0503020204020204" pitchFamily="34" charset="-122"/>
+              </a:rPr>
+              <a:t>9. echo </a:t>
+            </a:r>
+            <a:r>
+              <a:rPr lang="en-US" altLang="zh-CN" sz="2000" dirty="0" err="1">
+                <a:latin typeface="微软雅黑" panose="020B0503020204020204" pitchFamily="34" charset="-122"/>
+                <a:ea typeface="微软雅黑" panose="020B0503020204020204" pitchFamily="34" charset="-122"/>
+              </a:rPr>
+              <a:t>wchs</a:t>
+            </a:r>
+            <a:r>
+              <a:rPr lang="en-US" altLang="zh-CN" sz="2000" dirty="0">
+                <a:latin typeface="微软雅黑" panose="020B0503020204020204" pitchFamily="34" charset="-122"/>
+                <a:ea typeface="微软雅黑" panose="020B0503020204020204" pitchFamily="34" charset="-122"/>
+              </a:rPr>
+              <a:t> | </a:t>
+            </a:r>
+            <a:r>
+              <a:rPr lang="en-US" altLang="zh-CN" sz="2000" dirty="0" err="1">
+                <a:latin typeface="微软雅黑" panose="020B0503020204020204" pitchFamily="34" charset="-122"/>
+                <a:ea typeface="微软雅黑" panose="020B0503020204020204" pitchFamily="34" charset="-122"/>
+              </a:rPr>
+              <a:t>nc</a:t>
+            </a:r>
+            <a:r>
+              <a:rPr lang="en-US" altLang="zh-CN" sz="2000" dirty="0">
+                <a:latin typeface="微软雅黑" panose="020B0503020204020204" pitchFamily="34" charset="-122"/>
+                <a:ea typeface="微软雅黑" panose="020B0503020204020204" pitchFamily="34" charset="-122"/>
+              </a:rPr>
+              <a:t> 127.0.0.1 2181 ,</a:t>
+            </a:r>
+            <a:r>
+              <a:rPr lang="zh-CN" altLang="en-US" sz="2000" dirty="0">
+                <a:latin typeface="微软雅黑" panose="020B0503020204020204" pitchFamily="34" charset="-122"/>
+                <a:ea typeface="微软雅黑" panose="020B0503020204020204" pitchFamily="34" charset="-122"/>
+              </a:rPr>
+              <a:t>列出服务器 </a:t>
+            </a:r>
+            <a:r>
+              <a:rPr lang="en-US" altLang="zh-CN" sz="2000" dirty="0">
+                <a:latin typeface="微软雅黑" panose="020B0503020204020204" pitchFamily="34" charset="-122"/>
+                <a:ea typeface="微软雅黑" panose="020B0503020204020204" pitchFamily="34" charset="-122"/>
+              </a:rPr>
+              <a:t>watch </a:t>
+            </a:r>
+            <a:r>
+              <a:rPr lang="zh-CN" altLang="en-US" sz="2000" dirty="0">
+                <a:latin typeface="微软雅黑" panose="020B0503020204020204" pitchFamily="34" charset="-122"/>
+                <a:ea typeface="微软雅黑" panose="020B0503020204020204" pitchFamily="34" charset="-122"/>
+              </a:rPr>
+              <a:t>的详细信息。</a:t>
+            </a:r>
+          </a:p>
+          <a:p>
+            <a:r>
+              <a:rPr lang="en-US" altLang="zh-CN" sz="2000" dirty="0">
+                <a:latin typeface="微软雅黑" panose="020B0503020204020204" pitchFamily="34" charset="-122"/>
+                <a:ea typeface="微软雅黑" panose="020B0503020204020204" pitchFamily="34" charset="-122"/>
+              </a:rPr>
+              <a:t>10. echo </a:t>
+            </a:r>
+            <a:r>
+              <a:rPr lang="en-US" altLang="zh-CN" sz="2000" dirty="0" err="1">
+                <a:latin typeface="微软雅黑" panose="020B0503020204020204" pitchFamily="34" charset="-122"/>
+                <a:ea typeface="微软雅黑" panose="020B0503020204020204" pitchFamily="34" charset="-122"/>
+              </a:rPr>
+              <a:t>wchc</a:t>
+            </a:r>
+            <a:r>
+              <a:rPr lang="en-US" altLang="zh-CN" sz="2000" dirty="0">
+                <a:latin typeface="微软雅黑" panose="020B0503020204020204" pitchFamily="34" charset="-122"/>
+                <a:ea typeface="微软雅黑" panose="020B0503020204020204" pitchFamily="34" charset="-122"/>
+              </a:rPr>
+              <a:t> | </a:t>
+            </a:r>
+            <a:r>
+              <a:rPr lang="en-US" altLang="zh-CN" sz="2000" dirty="0" err="1">
+                <a:latin typeface="微软雅黑" panose="020B0503020204020204" pitchFamily="34" charset="-122"/>
+                <a:ea typeface="微软雅黑" panose="020B0503020204020204" pitchFamily="34" charset="-122"/>
+              </a:rPr>
+              <a:t>nc</a:t>
+            </a:r>
+            <a:r>
+              <a:rPr lang="en-US" altLang="zh-CN" sz="2000" dirty="0">
+                <a:latin typeface="微软雅黑" panose="020B0503020204020204" pitchFamily="34" charset="-122"/>
+                <a:ea typeface="微软雅黑" panose="020B0503020204020204" pitchFamily="34" charset="-122"/>
+              </a:rPr>
+              <a:t> 127.0.0.1 2181 ,</a:t>
+            </a:r>
+            <a:r>
+              <a:rPr lang="zh-CN" altLang="en-US" sz="2000" dirty="0">
+                <a:latin typeface="微软雅黑" panose="020B0503020204020204" pitchFamily="34" charset="-122"/>
+                <a:ea typeface="微软雅黑" panose="020B0503020204020204" pitchFamily="34" charset="-122"/>
+              </a:rPr>
+              <a:t>通过 </a:t>
+            </a:r>
+            <a:r>
+              <a:rPr lang="en-US" altLang="zh-CN" sz="2000" dirty="0">
+                <a:latin typeface="微软雅黑" panose="020B0503020204020204" pitchFamily="34" charset="-122"/>
+                <a:ea typeface="微软雅黑" panose="020B0503020204020204" pitchFamily="34" charset="-122"/>
+              </a:rPr>
+              <a:t>session </a:t>
+            </a:r>
+            <a:r>
+              <a:rPr lang="zh-CN" altLang="en-US" sz="2000" dirty="0">
+                <a:latin typeface="微软雅黑" panose="020B0503020204020204" pitchFamily="34" charset="-122"/>
+                <a:ea typeface="微软雅黑" panose="020B0503020204020204" pitchFamily="34" charset="-122"/>
+              </a:rPr>
+              <a:t>列出服务器 </a:t>
+            </a:r>
+            <a:r>
+              <a:rPr lang="en-US" altLang="zh-CN" sz="2000" dirty="0">
+                <a:latin typeface="微软雅黑" panose="020B0503020204020204" pitchFamily="34" charset="-122"/>
+                <a:ea typeface="微软雅黑" panose="020B0503020204020204" pitchFamily="34" charset="-122"/>
+              </a:rPr>
+              <a:t>watch </a:t>
+            </a:r>
+            <a:r>
+              <a:rPr lang="zh-CN" altLang="en-US" sz="2000" dirty="0">
+                <a:latin typeface="微软雅黑" panose="020B0503020204020204" pitchFamily="34" charset="-122"/>
+                <a:ea typeface="微软雅黑" panose="020B0503020204020204" pitchFamily="34" charset="-122"/>
+              </a:rPr>
+              <a:t>的详细信息，它的输出是一个与 </a:t>
+            </a:r>
+            <a:r>
+              <a:rPr lang="en-US" altLang="zh-CN" sz="2000" dirty="0">
+                <a:latin typeface="微软雅黑" panose="020B0503020204020204" pitchFamily="34" charset="-122"/>
+                <a:ea typeface="微软雅黑" panose="020B0503020204020204" pitchFamily="34" charset="-122"/>
+              </a:rPr>
+              <a:t>watch </a:t>
+            </a:r>
+            <a:r>
+              <a:rPr lang="zh-CN" altLang="en-US" sz="2000" dirty="0">
+                <a:latin typeface="微软雅黑" panose="020B0503020204020204" pitchFamily="34" charset="-122"/>
+                <a:ea typeface="微软雅黑" panose="020B0503020204020204" pitchFamily="34" charset="-122"/>
+              </a:rPr>
+              <a:t>相关的会话的列表。</a:t>
+            </a:r>
+          </a:p>
+          <a:p>
+            <a:r>
+              <a:rPr lang="en-US" altLang="zh-CN" sz="2000" dirty="0">
+                <a:latin typeface="微软雅黑" panose="020B0503020204020204" pitchFamily="34" charset="-122"/>
+                <a:ea typeface="微软雅黑" panose="020B0503020204020204" pitchFamily="34" charset="-122"/>
+              </a:rPr>
+              <a:t>11. echo </a:t>
+            </a:r>
+            <a:r>
+              <a:rPr lang="en-US" altLang="zh-CN" sz="2000" dirty="0" err="1">
+                <a:latin typeface="微软雅黑" panose="020B0503020204020204" pitchFamily="34" charset="-122"/>
+                <a:ea typeface="微软雅黑" panose="020B0503020204020204" pitchFamily="34" charset="-122"/>
+              </a:rPr>
+              <a:t>wchp</a:t>
+            </a:r>
+            <a:r>
+              <a:rPr lang="en-US" altLang="zh-CN" sz="2000" dirty="0">
+                <a:latin typeface="微软雅黑" panose="020B0503020204020204" pitchFamily="34" charset="-122"/>
+                <a:ea typeface="微软雅黑" panose="020B0503020204020204" pitchFamily="34" charset="-122"/>
+              </a:rPr>
+              <a:t> | </a:t>
+            </a:r>
+            <a:r>
+              <a:rPr lang="en-US" altLang="zh-CN" sz="2000" dirty="0" err="1">
+                <a:latin typeface="微软雅黑" panose="020B0503020204020204" pitchFamily="34" charset="-122"/>
+                <a:ea typeface="微软雅黑" panose="020B0503020204020204" pitchFamily="34" charset="-122"/>
+              </a:rPr>
+              <a:t>nc</a:t>
+            </a:r>
+            <a:r>
+              <a:rPr lang="en-US" altLang="zh-CN" sz="2000" dirty="0">
+                <a:latin typeface="微软雅黑" panose="020B0503020204020204" pitchFamily="34" charset="-122"/>
+                <a:ea typeface="微软雅黑" panose="020B0503020204020204" pitchFamily="34" charset="-122"/>
+              </a:rPr>
+              <a:t> 127.0.0.1 2181 ,</a:t>
+            </a:r>
+            <a:r>
+              <a:rPr lang="zh-CN" altLang="en-US" sz="2000" dirty="0">
+                <a:latin typeface="微软雅黑" panose="020B0503020204020204" pitchFamily="34" charset="-122"/>
+                <a:ea typeface="微软雅黑" panose="020B0503020204020204" pitchFamily="34" charset="-122"/>
+              </a:rPr>
+              <a:t>通过路径列出服务器 </a:t>
+            </a:r>
+            <a:r>
+              <a:rPr lang="en-US" altLang="zh-CN" sz="2000" dirty="0">
+                <a:latin typeface="微软雅黑" panose="020B0503020204020204" pitchFamily="34" charset="-122"/>
+                <a:ea typeface="微软雅黑" panose="020B0503020204020204" pitchFamily="34" charset="-122"/>
+              </a:rPr>
+              <a:t>watch </a:t>
+            </a:r>
+            <a:r>
+              <a:rPr lang="zh-CN" altLang="en-US" sz="2000" dirty="0">
+                <a:latin typeface="微软雅黑" panose="020B0503020204020204" pitchFamily="34" charset="-122"/>
+                <a:ea typeface="微软雅黑" panose="020B0503020204020204" pitchFamily="34" charset="-122"/>
+              </a:rPr>
+              <a:t>的详细信息。它输出一个与 </a:t>
+            </a:r>
+            <a:r>
+              <a:rPr lang="en-US" altLang="zh-CN" sz="2000" dirty="0">
+                <a:latin typeface="微软雅黑" panose="020B0503020204020204" pitchFamily="34" charset="-122"/>
+                <a:ea typeface="微软雅黑" panose="020B0503020204020204" pitchFamily="34" charset="-122"/>
+              </a:rPr>
+              <a:t>session </a:t>
+            </a:r>
+            <a:r>
+              <a:rPr lang="zh-CN" altLang="en-US" sz="2000" dirty="0">
+                <a:latin typeface="微软雅黑" panose="020B0503020204020204" pitchFamily="34" charset="-122"/>
+                <a:ea typeface="微软雅黑" panose="020B0503020204020204" pitchFamily="34" charset="-122"/>
+              </a:rPr>
+              <a:t>相关的路径。</a:t>
+            </a:r>
+          </a:p>
+          <a:p>
+            <a:endParaRPr lang="zh-CN" altLang="en-US" sz="2000" dirty="0">
               <a:latin typeface="微软雅黑" panose="020B0503020204020204" pitchFamily="34" charset="-122"/>
               <a:ea typeface="微软雅黑" panose="020B0503020204020204" pitchFamily="34" charset="-122"/>
             </a:endParaRPr>
           </a:p>
-          <a:p>
-            <a:endParaRPr lang="en-US" altLang="zh-CN" sz="2400" b="1" dirty="0" smtClean="0">
-              <a:latin typeface="微软雅黑" panose="020B0503020204020204" pitchFamily="34" charset="-122"/>
-              <a:ea typeface="微软雅黑" panose="020B0503020204020204" pitchFamily="34" charset="-122"/>
-            </a:endParaRPr>
-          </a:p>
-          <a:p>
-            <a:endParaRPr lang="en-US" altLang="zh-CN" sz="2400" b="1" dirty="0">
-              <a:latin typeface="微软雅黑" panose="020B0503020204020204" pitchFamily="34" charset="-122"/>
-              <a:ea typeface="微软雅黑" panose="020B0503020204020204" pitchFamily="34" charset="-122"/>
-            </a:endParaRPr>
-          </a:p>
-          <a:p>
-            <a:r>
-              <a:rPr lang="en-US" altLang="zh-CN" sz="2000" dirty="0">
-                <a:latin typeface="微软雅黑" panose="020B0503020204020204" pitchFamily="34" charset="-122"/>
-                <a:ea typeface="微软雅黑" panose="020B0503020204020204" pitchFamily="34" charset="-122"/>
-              </a:rPr>
-              <a:t>Zookeeper </a:t>
-            </a:r>
-            <a:r>
-              <a:rPr lang="zh-CN" altLang="en-US" sz="2000" dirty="0">
-                <a:latin typeface="微软雅黑" panose="020B0503020204020204" pitchFamily="34" charset="-122"/>
-                <a:ea typeface="微软雅黑" panose="020B0503020204020204" pitchFamily="34" charset="-122"/>
-              </a:rPr>
-              <a:t>能够很容易的实现集群管理的功能，如有多台 </a:t>
-            </a:r>
-            <a:r>
-              <a:rPr lang="en-US" altLang="zh-CN" sz="2000" dirty="0">
-                <a:latin typeface="微软雅黑" panose="020B0503020204020204" pitchFamily="34" charset="-122"/>
-                <a:ea typeface="微软雅黑" panose="020B0503020204020204" pitchFamily="34" charset="-122"/>
-              </a:rPr>
-              <a:t>Server </a:t>
-            </a:r>
-            <a:r>
-              <a:rPr lang="zh-CN" altLang="en-US" sz="2000" dirty="0">
-                <a:latin typeface="微软雅黑" panose="020B0503020204020204" pitchFamily="34" charset="-122"/>
-                <a:ea typeface="微软雅黑" panose="020B0503020204020204" pitchFamily="34" charset="-122"/>
-              </a:rPr>
-              <a:t>组成一个服务集群，那么必须要一个“总管”知道当前集群中每台机器的服务状态，一旦有机器不能提供服务，集群中其它集群必须知道，从而做出调整重新分配服 务策略。同样当增加集群的服务能力时，就会增加一台或多台 </a:t>
-            </a:r>
-            <a:r>
-              <a:rPr lang="en-US" altLang="zh-CN" sz="2000" dirty="0">
-                <a:latin typeface="微软雅黑" panose="020B0503020204020204" pitchFamily="34" charset="-122"/>
-                <a:ea typeface="微软雅黑" panose="020B0503020204020204" pitchFamily="34" charset="-122"/>
-              </a:rPr>
-              <a:t>Server</a:t>
-            </a:r>
-            <a:r>
-              <a:rPr lang="zh-CN" altLang="en-US" sz="2000" dirty="0">
-                <a:latin typeface="微软雅黑" panose="020B0503020204020204" pitchFamily="34" charset="-122"/>
-                <a:ea typeface="微软雅黑" panose="020B0503020204020204" pitchFamily="34" charset="-122"/>
-              </a:rPr>
-              <a:t>，同样也必须让“总管”知道。</a:t>
-            </a:r>
-          </a:p>
-          <a:p>
-            <a:r>
-              <a:rPr lang="en-US" altLang="zh-CN" sz="2000" dirty="0">
-                <a:latin typeface="微软雅黑" panose="020B0503020204020204" pitchFamily="34" charset="-122"/>
-                <a:ea typeface="微软雅黑" panose="020B0503020204020204" pitchFamily="34" charset="-122"/>
-              </a:rPr>
-              <a:t>Zookeeper </a:t>
-            </a:r>
-            <a:r>
-              <a:rPr lang="zh-CN" altLang="en-US" sz="2000" dirty="0">
-                <a:latin typeface="微软雅黑" panose="020B0503020204020204" pitchFamily="34" charset="-122"/>
-                <a:ea typeface="微软雅黑" panose="020B0503020204020204" pitchFamily="34" charset="-122"/>
-              </a:rPr>
-              <a:t>不仅能够帮你维护当前的集群中机器的服务状态，而且能够帮你选出一个“总管”，让这个总管来管理集群，这就是 </a:t>
-            </a:r>
-            <a:r>
-              <a:rPr lang="en-US" altLang="zh-CN" sz="2000" dirty="0">
-                <a:latin typeface="微软雅黑" panose="020B0503020204020204" pitchFamily="34" charset="-122"/>
-                <a:ea typeface="微软雅黑" panose="020B0503020204020204" pitchFamily="34" charset="-122"/>
-              </a:rPr>
-              <a:t>Zookeeper </a:t>
-            </a:r>
-            <a:r>
-              <a:rPr lang="zh-CN" altLang="en-US" sz="2000" dirty="0">
-                <a:latin typeface="微软雅黑" panose="020B0503020204020204" pitchFamily="34" charset="-122"/>
-                <a:ea typeface="微软雅黑" panose="020B0503020204020204" pitchFamily="34" charset="-122"/>
-              </a:rPr>
-              <a:t>的另一个功能 </a:t>
-            </a:r>
-            <a:r>
-              <a:rPr lang="en-US" altLang="zh-CN" sz="2000" dirty="0">
-                <a:latin typeface="微软雅黑" panose="020B0503020204020204" pitchFamily="34" charset="-122"/>
-                <a:ea typeface="微软雅黑" panose="020B0503020204020204" pitchFamily="34" charset="-122"/>
-              </a:rPr>
-              <a:t>Leader Election</a:t>
-            </a:r>
-            <a:r>
-              <a:rPr lang="zh-CN" altLang="en-US" sz="2000" dirty="0">
-                <a:latin typeface="微软雅黑" panose="020B0503020204020204" pitchFamily="34" charset="-122"/>
-                <a:ea typeface="微软雅黑" panose="020B0503020204020204" pitchFamily="34" charset="-122"/>
-              </a:rPr>
-              <a:t>。</a:t>
-            </a:r>
-          </a:p>
-          <a:p>
-            <a:r>
-              <a:rPr lang="zh-CN" altLang="en-US" dirty="0"/>
-              <a:t/>
-            </a:r>
-            <a:br>
-              <a:rPr lang="zh-CN" altLang="en-US" dirty="0"/>
-            </a:br>
-            <a:endParaRPr lang="zh-CN" altLang="en-US" dirty="0"/>
-          </a:p>
         </p:txBody>
       </p:sp>
     </p:spTree>
     <p:extLst>
       <p:ext uri="{BB962C8B-B14F-4D97-AF65-F5344CB8AC3E}">
-        <p14:creationId xmlns:p14="http://schemas.microsoft.com/office/powerpoint/2010/main" val="863245033"/>
+        <p14:creationId xmlns:p14="http://schemas.microsoft.com/office/powerpoint/2010/main" val="471128781"/>
       </p:ext>
     </p:extLst>
   </p:cSld>
@@ -15471,8 +17539,8 @@
         </p:nvSpPr>
         <p:spPr>
           <a:xfrm>
-            <a:off x="911424" y="764704"/>
-            <a:ext cx="9865096" cy="2092881"/>
+            <a:off x="839416" y="692696"/>
+            <a:ext cx="10801200" cy="4555093"/>
           </a:xfrm>
           <a:prstGeom prst="rect">
             <a:avLst/>
@@ -15490,14 +17558,14 @@
                 <a:latin typeface="微软雅黑" panose="020B0503020204020204" pitchFamily="34" charset="-122"/>
                 <a:ea typeface="微软雅黑" panose="020B0503020204020204" pitchFamily="34" charset="-122"/>
               </a:rPr>
-              <a:t>共享锁（</a:t>
+              <a:t>统一命名服务（</a:t>
             </a:r>
             <a:r>
               <a:rPr lang="en-US" altLang="zh-CN" sz="2400" b="1" dirty="0">
                 <a:latin typeface="微软雅黑" panose="020B0503020204020204" pitchFamily="34" charset="-122"/>
                 <a:ea typeface="微软雅黑" panose="020B0503020204020204" pitchFamily="34" charset="-122"/>
               </a:rPr>
-              <a:t>Locks</a:t>
+              <a:t>Name Service</a:t>
             </a:r>
             <a:r>
               <a:rPr lang="zh-CN" altLang="en-US" sz="2400" b="1" dirty="0" smtClean="0">
@@ -15529,27 +17597,83 @@
                 <a:latin typeface="微软雅黑" panose="020B0503020204020204" pitchFamily="34" charset="-122"/>
                 <a:ea typeface="微软雅黑" panose="020B0503020204020204" pitchFamily="34" charset="-122"/>
               </a:rPr>
-              <a:t>共享锁在同一个进程中很容易实现，但是在跨进程或者在不同 </a:t>
+              <a:t>分布式应用中，通常需要有一套完整的命名规则，既能够产生唯一的名称又便于人识别和记住，通常情况下用树形的名称结构是一个理想的选择，树形 的名称结构是一个有层次的目录结构，既对人友好又不会重复。说到这里你可能想到了 </a:t>
             </a:r>
             <a:r>
               <a:rPr lang="en-US" altLang="zh-CN" sz="2000" dirty="0">
                 <a:latin typeface="微软雅黑" panose="020B0503020204020204" pitchFamily="34" charset="-122"/>
                 <a:ea typeface="微软雅黑" panose="020B0503020204020204" pitchFamily="34" charset="-122"/>
               </a:rPr>
-              <a:t>Server </a:t>
+              <a:t>JNDI(Java Naming and Directory Interface</a:t>
             </a:r>
             <a:r>
               <a:rPr lang="zh-CN" altLang="en-US" sz="2000" dirty="0">
                 <a:latin typeface="微软雅黑" panose="020B0503020204020204" pitchFamily="34" charset="-122"/>
                 <a:ea typeface="微软雅黑" panose="020B0503020204020204" pitchFamily="34" charset="-122"/>
               </a:rPr>
-              <a:t>之间就不好实现了。</a:t>
+              <a:t>，</a:t>
             </a:r>
             <a:r>
               <a:rPr lang="en-US" altLang="zh-CN" sz="2000" dirty="0">
                 <a:latin typeface="微软雅黑" panose="020B0503020204020204" pitchFamily="34" charset="-122"/>
                 <a:ea typeface="微软雅黑" panose="020B0503020204020204" pitchFamily="34" charset="-122"/>
               </a:rPr>
+              <a:t>Java</a:t>
+            </a:r>
+            <a:r>
+              <a:rPr lang="zh-CN" altLang="en-US" sz="2000" dirty="0">
+                <a:latin typeface="微软雅黑" panose="020B0503020204020204" pitchFamily="34" charset="-122"/>
+                <a:ea typeface="微软雅黑" panose="020B0503020204020204" pitchFamily="34" charset="-122"/>
+              </a:rPr>
+              <a:t>命名和目录接口</a:t>
+            </a:r>
+            <a:r>
+              <a:rPr lang="en-US" altLang="zh-CN" sz="2000" dirty="0">
+                <a:latin typeface="微软雅黑" panose="020B0503020204020204" pitchFamily="34" charset="-122"/>
+                <a:ea typeface="微软雅黑" panose="020B0503020204020204" pitchFamily="34" charset="-122"/>
+              </a:rPr>
+              <a:t>,</a:t>
+            </a:r>
+            <a:r>
+              <a:rPr lang="zh-CN" altLang="en-US" sz="2000" dirty="0">
+                <a:latin typeface="微软雅黑" panose="020B0503020204020204" pitchFamily="34" charset="-122"/>
+                <a:ea typeface="微软雅黑" panose="020B0503020204020204" pitchFamily="34" charset="-122"/>
+              </a:rPr>
+              <a:t>是一组在</a:t>
+            </a:r>
+            <a:r>
+              <a:rPr lang="en-US" altLang="zh-CN" sz="2000" dirty="0">
+                <a:latin typeface="微软雅黑" panose="020B0503020204020204" pitchFamily="34" charset="-122"/>
+                <a:ea typeface="微软雅黑" panose="020B0503020204020204" pitchFamily="34" charset="-122"/>
+              </a:rPr>
+              <a:t>Java</a:t>
+            </a:r>
+            <a:r>
+              <a:rPr lang="zh-CN" altLang="en-US" sz="2000" dirty="0">
+                <a:latin typeface="微软雅黑" panose="020B0503020204020204" pitchFamily="34" charset="-122"/>
+                <a:ea typeface="微软雅黑" panose="020B0503020204020204" pitchFamily="34" charset="-122"/>
+              </a:rPr>
+              <a:t>应用中访问命名和目录服务的</a:t>
+            </a:r>
+            <a:r>
+              <a:rPr lang="en-US" altLang="zh-CN" sz="2000" dirty="0">
+                <a:latin typeface="微软雅黑" panose="020B0503020204020204" pitchFamily="34" charset="-122"/>
+                <a:ea typeface="微软雅黑" panose="020B0503020204020204" pitchFamily="34" charset="-122"/>
+              </a:rPr>
+              <a:t>API)</a:t>
+            </a:r>
+            <a:r>
+              <a:rPr lang="zh-CN" altLang="en-US" sz="2000" dirty="0">
+                <a:latin typeface="微软雅黑" panose="020B0503020204020204" pitchFamily="34" charset="-122"/>
+                <a:ea typeface="微软雅黑" panose="020B0503020204020204" pitchFamily="34" charset="-122"/>
+              </a:rPr>
+              <a:t>，没错 </a:t>
+            </a:r>
+            <a:r>
+              <a:rPr lang="en-US" altLang="zh-CN" sz="2000" dirty="0">
+                <a:latin typeface="微软雅黑" panose="020B0503020204020204" pitchFamily="34" charset="-122"/>
+                <a:ea typeface="微软雅黑" panose="020B0503020204020204" pitchFamily="34" charset="-122"/>
+              </a:rPr>
               <a:t>Zookeeper </a:t>
             </a:r>
             <a:r>
@@ -15557,29 +17681,149 @@
                 <a:latin typeface="微软雅黑" panose="020B0503020204020204" pitchFamily="34" charset="-122"/>
                 <a:ea typeface="微软雅黑" panose="020B0503020204020204" pitchFamily="34" charset="-122"/>
               </a:rPr>
-              <a:t>却很容易实现这个</a:t>
-            </a:r>
-            <a:r>
-              <a:rPr lang="zh-CN" altLang="en-US" sz="2000" dirty="0" smtClean="0">
-                <a:latin typeface="微软雅黑" panose="020B0503020204020204" pitchFamily="34" charset="-122"/>
-                <a:ea typeface="微软雅黑" panose="020B0503020204020204" pitchFamily="34" charset="-122"/>
-              </a:rPr>
-              <a:t>功能。</a:t>
-            </a:r>
-            <a:endParaRPr lang="en-US" altLang="zh-CN" sz="2000" dirty="0" smtClean="0">
+              <a:t>的 </a:t>
+            </a:r>
+            <a:r>
+              <a:rPr lang="en-US" altLang="zh-CN" sz="2000" dirty="0">
+                <a:latin typeface="微软雅黑" panose="020B0503020204020204" pitchFamily="34" charset="-122"/>
+                <a:ea typeface="微软雅黑" panose="020B0503020204020204" pitchFamily="34" charset="-122"/>
+              </a:rPr>
+              <a:t>Name Service </a:t>
+            </a:r>
+            <a:r>
+              <a:rPr lang="zh-CN" altLang="en-US" sz="2000" dirty="0">
+                <a:latin typeface="微软雅黑" panose="020B0503020204020204" pitchFamily="34" charset="-122"/>
+                <a:ea typeface="微软雅黑" panose="020B0503020204020204" pitchFamily="34" charset="-122"/>
+              </a:rPr>
+              <a:t>与 </a:t>
+            </a:r>
+            <a:r>
+              <a:rPr lang="en-US" altLang="zh-CN" sz="2000" dirty="0">
+                <a:latin typeface="微软雅黑" panose="020B0503020204020204" pitchFamily="34" charset="-122"/>
+                <a:ea typeface="微软雅黑" panose="020B0503020204020204" pitchFamily="34" charset="-122"/>
+              </a:rPr>
+              <a:t>JNDI </a:t>
+            </a:r>
+            <a:r>
+              <a:rPr lang="zh-CN" altLang="en-US" sz="2000" dirty="0">
+                <a:latin typeface="微软雅黑" panose="020B0503020204020204" pitchFamily="34" charset="-122"/>
+                <a:ea typeface="微软雅黑" panose="020B0503020204020204" pitchFamily="34" charset="-122"/>
+              </a:rPr>
+              <a:t>能够完成的功能是差不多的，它们都是将有层次的目录结构关联到一定资源上，但是 </a:t>
+            </a:r>
+            <a:r>
+              <a:rPr lang="en-US" altLang="zh-CN" sz="2000" dirty="0">
+                <a:latin typeface="微软雅黑" panose="020B0503020204020204" pitchFamily="34" charset="-122"/>
+                <a:ea typeface="微软雅黑" panose="020B0503020204020204" pitchFamily="34" charset="-122"/>
+              </a:rPr>
+              <a:t>Zookeeper </a:t>
+            </a:r>
+            <a:r>
+              <a:rPr lang="zh-CN" altLang="en-US" sz="2000" dirty="0">
+                <a:latin typeface="微软雅黑" panose="020B0503020204020204" pitchFamily="34" charset="-122"/>
+                <a:ea typeface="微软雅黑" panose="020B0503020204020204" pitchFamily="34" charset="-122"/>
+              </a:rPr>
+              <a:t>的 </a:t>
+            </a:r>
+            <a:r>
+              <a:rPr lang="en-US" altLang="zh-CN" sz="2000" dirty="0">
+                <a:latin typeface="微软雅黑" panose="020B0503020204020204" pitchFamily="34" charset="-122"/>
+                <a:ea typeface="微软雅黑" panose="020B0503020204020204" pitchFamily="34" charset="-122"/>
+              </a:rPr>
+              <a:t>Name Service </a:t>
+            </a:r>
+            <a:r>
+              <a:rPr lang="zh-CN" altLang="en-US" sz="2000" dirty="0">
+                <a:latin typeface="微软雅黑" panose="020B0503020204020204" pitchFamily="34" charset="-122"/>
+                <a:ea typeface="微软雅黑" panose="020B0503020204020204" pitchFamily="34" charset="-122"/>
+              </a:rPr>
+              <a:t>更加是广泛意义上的关联，也许你并不需要将名称关联到特定资源上，你可能只需要一个不会重复名称，就像数据库中产生一个唯一的数字主键一样。</a:t>
+            </a:r>
+          </a:p>
+          <a:p>
+            <a:r>
+              <a:rPr lang="en-US" altLang="zh-CN" sz="2000" dirty="0">
+                <a:latin typeface="微软雅黑" panose="020B0503020204020204" pitchFamily="34" charset="-122"/>
+                <a:ea typeface="微软雅黑" panose="020B0503020204020204" pitchFamily="34" charset="-122"/>
+              </a:rPr>
+              <a:t>Name Service </a:t>
+            </a:r>
+            <a:r>
+              <a:rPr lang="zh-CN" altLang="en-US" sz="2000" dirty="0">
+                <a:latin typeface="微软雅黑" panose="020B0503020204020204" pitchFamily="34" charset="-122"/>
+                <a:ea typeface="微软雅黑" panose="020B0503020204020204" pitchFamily="34" charset="-122"/>
+              </a:rPr>
+              <a:t>已经是 </a:t>
+            </a:r>
+            <a:r>
+              <a:rPr lang="en-US" altLang="zh-CN" sz="2000" dirty="0">
+                <a:latin typeface="微软雅黑" panose="020B0503020204020204" pitchFamily="34" charset="-122"/>
+                <a:ea typeface="微软雅黑" panose="020B0503020204020204" pitchFamily="34" charset="-122"/>
+              </a:rPr>
+              <a:t>Zookeeper </a:t>
+            </a:r>
+            <a:r>
+              <a:rPr lang="zh-CN" altLang="en-US" sz="2000" dirty="0">
+                <a:latin typeface="微软雅黑" panose="020B0503020204020204" pitchFamily="34" charset="-122"/>
+                <a:ea typeface="微软雅黑" panose="020B0503020204020204" pitchFamily="34" charset="-122"/>
+              </a:rPr>
+              <a:t>内置的功能，你只要调用 </a:t>
+            </a:r>
+            <a:r>
+              <a:rPr lang="en-US" altLang="zh-CN" sz="2000" dirty="0">
+                <a:latin typeface="微软雅黑" panose="020B0503020204020204" pitchFamily="34" charset="-122"/>
+                <a:ea typeface="微软雅黑" panose="020B0503020204020204" pitchFamily="34" charset="-122"/>
+              </a:rPr>
+              <a:t>Zookeeper </a:t>
+            </a:r>
+            <a:r>
+              <a:rPr lang="zh-CN" altLang="en-US" sz="2000" dirty="0">
+                <a:latin typeface="微软雅黑" panose="020B0503020204020204" pitchFamily="34" charset="-122"/>
+                <a:ea typeface="微软雅黑" panose="020B0503020204020204" pitchFamily="34" charset="-122"/>
+              </a:rPr>
+              <a:t>的 </a:t>
+            </a:r>
+            <a:r>
+              <a:rPr lang="en-US" altLang="zh-CN" sz="2000" dirty="0">
+                <a:latin typeface="微软雅黑" panose="020B0503020204020204" pitchFamily="34" charset="-122"/>
+                <a:ea typeface="微软雅黑" panose="020B0503020204020204" pitchFamily="34" charset="-122"/>
+              </a:rPr>
+              <a:t>API </a:t>
+            </a:r>
+            <a:r>
+              <a:rPr lang="zh-CN" altLang="en-US" sz="2000" dirty="0">
+                <a:latin typeface="微软雅黑" panose="020B0503020204020204" pitchFamily="34" charset="-122"/>
+                <a:ea typeface="微软雅黑" panose="020B0503020204020204" pitchFamily="34" charset="-122"/>
+              </a:rPr>
+              <a:t>就能实现。如调用 </a:t>
+            </a:r>
+            <a:r>
+              <a:rPr lang="en-US" altLang="zh-CN" sz="2000" dirty="0">
+                <a:latin typeface="微软雅黑" panose="020B0503020204020204" pitchFamily="34" charset="-122"/>
+                <a:ea typeface="微软雅黑" panose="020B0503020204020204" pitchFamily="34" charset="-122"/>
+              </a:rPr>
+              <a:t>create </a:t>
+            </a:r>
+            <a:r>
+              <a:rPr lang="zh-CN" altLang="en-US" sz="2000" dirty="0">
+                <a:latin typeface="微软雅黑" panose="020B0503020204020204" pitchFamily="34" charset="-122"/>
+                <a:ea typeface="微软雅黑" panose="020B0503020204020204" pitchFamily="34" charset="-122"/>
+              </a:rPr>
+              <a:t>接口就可以很容易创建一个目录节点。</a:t>
+            </a:r>
+          </a:p>
+          <a:p>
+            <a:endParaRPr lang="zh-CN" altLang="en-US" dirty="0">
               <a:latin typeface="微软雅黑" panose="020B0503020204020204" pitchFamily="34" charset="-122"/>
               <a:ea typeface="微软雅黑" panose="020B0503020204020204" pitchFamily="34" charset="-122"/>
             </a:endParaRPr>
           </a:p>
-          <a:p>
-            <a:endParaRPr lang="zh-CN" altLang="en-US" dirty="0"/>
-          </a:p>
         </p:txBody>
       </p:sp>
     </p:spTree>
     <p:extLst>
       <p:ext uri="{BB962C8B-B14F-4D97-AF65-F5344CB8AC3E}">
-        <p14:creationId xmlns:p14="http://schemas.microsoft.com/office/powerpoint/2010/main" val="3535279588"/>
+        <p14:creationId xmlns:p14="http://schemas.microsoft.com/office/powerpoint/2010/main" val="735751050"/>
       </p:ext>
     </p:extLst>
   </p:cSld>
@@ -15621,8 +17865,8 @@
         </p:nvSpPr>
         <p:spPr>
           <a:xfrm>
-            <a:off x="911424" y="764704"/>
-            <a:ext cx="9865096" cy="2339102"/>
+            <a:off x="983432" y="764704"/>
+            <a:ext cx="9649072" cy="4154984"/>
           </a:xfrm>
           <a:prstGeom prst="rect">
             <a:avLst/>
@@ -15636,29 +17880,93 @@
           <a:lstStyle/>
           <a:p>
             <a:r>
+              <a:rPr lang="zh-CN" altLang="en-US" sz="2400" b="1" dirty="0">
+                <a:latin typeface="微软雅黑" panose="020B0503020204020204" pitchFamily="34" charset="-122"/>
+                <a:ea typeface="微软雅黑" panose="020B0503020204020204" pitchFamily="34" charset="-122"/>
+              </a:rPr>
+              <a:t>配置管理（</a:t>
+            </a:r>
+            <a:r>
+              <a:rPr lang="en-US" altLang="zh-CN" sz="2400" b="1" dirty="0">
+                <a:latin typeface="微软雅黑" panose="020B0503020204020204" pitchFamily="34" charset="-122"/>
+                <a:ea typeface="微软雅黑" panose="020B0503020204020204" pitchFamily="34" charset="-122"/>
+              </a:rPr>
+              <a:t>Configuration Management</a:t>
+            </a:r>
+            <a:r>
               <a:rPr lang="zh-CN" altLang="en-US" sz="2400" b="1" dirty="0" smtClean="0">
                 <a:latin typeface="微软雅黑" panose="020B0503020204020204" pitchFamily="34" charset="-122"/>
                 <a:ea typeface="微软雅黑" panose="020B0503020204020204" pitchFamily="34" charset="-122"/>
               </a:rPr>
-              <a:t>队列管理</a:t>
-            </a:r>
+              <a:t>）</a:t>
+            </a:r>
+            <a:endParaRPr lang="en-US" altLang="zh-CN" sz="2400" b="1" dirty="0" smtClean="0">
+              <a:latin typeface="微软雅黑" panose="020B0503020204020204" pitchFamily="34" charset="-122"/>
+              <a:ea typeface="微软雅黑" panose="020B0503020204020204" pitchFamily="34" charset="-122"/>
+            </a:endParaRPr>
+          </a:p>
+          <a:p>
             <a:endParaRPr lang="en-US" altLang="zh-CN" sz="2400" b="1" dirty="0">
               <a:latin typeface="微软雅黑" panose="020B0503020204020204" pitchFamily="34" charset="-122"/>
               <a:ea typeface="微软雅黑" panose="020B0503020204020204" pitchFamily="34" charset="-122"/>
             </a:endParaRPr>
           </a:p>
           <a:p>
-            <a:endParaRPr lang="zh-CN" altLang="en-US" sz="2400" b="1" dirty="0">
+            <a:endParaRPr lang="zh-CN" altLang="en-US" sz="3200" b="1" dirty="0">
               <a:latin typeface="微软雅黑" panose="020B0503020204020204" pitchFamily="34" charset="-122"/>
               <a:ea typeface="微软雅黑" panose="020B0503020204020204" pitchFamily="34" charset="-122"/>
             </a:endParaRPr>
           </a:p>
           <a:p>
             <a:r>
+              <a:rPr lang="zh-CN" altLang="en-US" sz="2000" dirty="0">
+                <a:latin typeface="微软雅黑" panose="020B0503020204020204" pitchFamily="34" charset="-122"/>
+                <a:ea typeface="微软雅黑" panose="020B0503020204020204" pitchFamily="34" charset="-122"/>
+              </a:rPr>
+              <a:t>配置的管理在分布式应用环境中很常见，例如同一个应用系统需要多台 </a:t>
+            </a:r>
+            <a:r>
               <a:rPr lang="en-US" altLang="zh-CN" sz="2000" dirty="0">
                 <a:latin typeface="微软雅黑" panose="020B0503020204020204" pitchFamily="34" charset="-122"/>
                 <a:ea typeface="微软雅黑" panose="020B0503020204020204" pitchFamily="34" charset="-122"/>
               </a:rPr>
+              <a:t>PC Server </a:t>
+            </a:r>
+            <a:r>
+              <a:rPr lang="zh-CN" altLang="en-US" sz="2000" dirty="0">
+                <a:latin typeface="微软雅黑" panose="020B0503020204020204" pitchFamily="34" charset="-122"/>
+                <a:ea typeface="微软雅黑" panose="020B0503020204020204" pitchFamily="34" charset="-122"/>
+              </a:rPr>
+              <a:t>运行，但是它们运行的应用系统的某些配置项是相同的，如果要修改这些相同的配置项，那么就必须同时修改每台运行这个应用系统的 </a:t>
+            </a:r>
+            <a:r>
+              <a:rPr lang="en-US" altLang="zh-CN" sz="2000" dirty="0">
+                <a:latin typeface="微软雅黑" panose="020B0503020204020204" pitchFamily="34" charset="-122"/>
+                <a:ea typeface="微软雅黑" panose="020B0503020204020204" pitchFamily="34" charset="-122"/>
+              </a:rPr>
+              <a:t>PC Server</a:t>
+            </a:r>
+            <a:r>
+              <a:rPr lang="zh-CN" altLang="en-US" sz="2000" dirty="0">
+                <a:latin typeface="微软雅黑" panose="020B0503020204020204" pitchFamily="34" charset="-122"/>
+                <a:ea typeface="微软雅黑" panose="020B0503020204020204" pitchFamily="34" charset="-122"/>
+              </a:rPr>
+              <a:t>，这样非常麻烦而且容易出错。</a:t>
+            </a:r>
+          </a:p>
+          <a:p>
+            <a:r>
+              <a:rPr lang="zh-CN" altLang="en-US" sz="2000" dirty="0">
+                <a:latin typeface="微软雅黑" panose="020B0503020204020204" pitchFamily="34" charset="-122"/>
+                <a:ea typeface="微软雅黑" panose="020B0503020204020204" pitchFamily="34" charset="-122"/>
+              </a:rPr>
+              <a:t>像这样的配置信息完全可以交给 </a:t>
+            </a:r>
+            <a:r>
+              <a:rPr lang="en-US" altLang="zh-CN" sz="2000" dirty="0">
+                <a:latin typeface="微软雅黑" panose="020B0503020204020204" pitchFamily="34" charset="-122"/>
+                <a:ea typeface="微软雅黑" panose="020B0503020204020204" pitchFamily="34" charset="-122"/>
+              </a:rPr>
               <a:t>Zookeeper </a:t>
             </a:r>
             <a:r>
@@ -15666,58 +17974,63 @@
                 <a:latin typeface="微软雅黑" panose="020B0503020204020204" pitchFamily="34" charset="-122"/>
                 <a:ea typeface="微软雅黑" panose="020B0503020204020204" pitchFamily="34" charset="-122"/>
               </a:rPr>
-              <a:t>可以处理两种类型的队列：</a:t>
-            </a:r>
-          </a:p>
-          <a:p>
-            <a:pPr marL="457200" indent="-457200">
-              <a:buFont typeface="+mj-lt"/>
-              <a:buAutoNum type="arabicPeriod"/>
-            </a:pPr>
+              <a:t>来管理，将配置信息保存在 </a:t>
+            </a:r>
+            <a:r>
+              <a:rPr lang="en-US" altLang="zh-CN" sz="2000" dirty="0">
+                <a:latin typeface="微软雅黑" panose="020B0503020204020204" pitchFamily="34" charset="-122"/>
+                <a:ea typeface="微软雅黑" panose="020B0503020204020204" pitchFamily="34" charset="-122"/>
+              </a:rPr>
+              <a:t>Zookeeper </a:t>
+            </a:r>
             <a:r>
               <a:rPr lang="zh-CN" altLang="en-US" sz="2000" dirty="0">
                 <a:latin typeface="微软雅黑" panose="020B0503020204020204" pitchFamily="34" charset="-122"/>
                 <a:ea typeface="微软雅黑" panose="020B0503020204020204" pitchFamily="34" charset="-122"/>
               </a:rPr>
-              <a:t>当一个队列的成员都聚齐时，这个队列才可用，否则一直等待所有成员到达，这种是同步队列。</a:t>
-            </a:r>
-          </a:p>
-          <a:p>
-            <a:pPr marL="457200" indent="-457200">
-              <a:buFont typeface="+mj-lt"/>
-              <a:buAutoNum type="arabicPeriod"/>
-            </a:pPr>
+              <a:t>的某个目录节点中，然后将所有需要修改的应用机器监控配置信息的状态，一旦配置信息发生变化，每台应用机器就会收到 </a:t>
+            </a:r>
+            <a:r>
+              <a:rPr lang="en-US" altLang="zh-CN" sz="2000" dirty="0">
+                <a:latin typeface="微软雅黑" panose="020B0503020204020204" pitchFamily="34" charset="-122"/>
+                <a:ea typeface="微软雅黑" panose="020B0503020204020204" pitchFamily="34" charset="-122"/>
+              </a:rPr>
+              <a:t>Zookeeper </a:t>
+            </a:r>
             <a:r>
               <a:rPr lang="zh-CN" altLang="en-US" sz="2000" dirty="0">
                 <a:latin typeface="微软雅黑" panose="020B0503020204020204" pitchFamily="34" charset="-122"/>
                 <a:ea typeface="微软雅黑" panose="020B0503020204020204" pitchFamily="34" charset="-122"/>
               </a:rPr>
-              <a:t>队列按照 </a:t>
+              <a:t>的通知，然后从 </a:t>
             </a:r>
             <a:r>
               <a:rPr lang="en-US" altLang="zh-CN" sz="2000" dirty="0">
                 <a:latin typeface="微软雅黑" panose="020B0503020204020204" pitchFamily="34" charset="-122"/>
                 <a:ea typeface="微软雅黑" panose="020B0503020204020204" pitchFamily="34" charset="-122"/>
               </a:rPr>
-              <a:t>FIFO </a:t>
+              <a:t>Zookeeper </a:t>
             </a:r>
             <a:r>
               <a:rPr lang="zh-CN" altLang="en-US" sz="2000" dirty="0">
                 <a:latin typeface="微软雅黑" panose="020B0503020204020204" pitchFamily="34" charset="-122"/>
                 <a:ea typeface="微软雅黑" panose="020B0503020204020204" pitchFamily="34" charset="-122"/>
               </a:rPr>
-              <a:t>方式进行入队和出队操作，例如实现生产者和消费者模型。</a:t>
-            </a:r>
-          </a:p>
-          <a:p>
-            <a:endParaRPr lang="zh-CN" altLang="en-US" dirty="0"/>
+              <a:t>获取新的配置信息应用到系统中。</a:t>
+            </a:r>
+          </a:p>
+          <a:p>
+            <a:endParaRPr lang="zh-CN" altLang="en-US" sz="2400" dirty="0">
+              <a:latin typeface="微软雅黑" panose="020B0503020204020204" pitchFamily="34" charset="-122"/>
+              <a:ea typeface="微软雅黑" panose="020B0503020204020204" pitchFamily="34" charset="-122"/>
+            </a:endParaRPr>
           </a:p>
         </p:txBody>
       </p:sp>
     </p:spTree>
     <p:extLst>
       <p:ext uri="{BB962C8B-B14F-4D97-AF65-F5344CB8AC3E}">
-        <p14:creationId xmlns:p14="http://schemas.microsoft.com/office/powerpoint/2010/main" val="3177383479"/>
+        <p14:creationId xmlns:p14="http://schemas.microsoft.com/office/powerpoint/2010/main" val="567466972"/>
       </p:ext>
     </p:extLst>
   </p:cSld>
@@ -15751,597 +18064,16 @@
           <a:chExt cx="0" cy="0"/>
         </a:xfrm>
       </p:grpSpPr>
-      <p:graphicFrame>
-        <p:nvGraphicFramePr>
-          <p:cNvPr id="4" name="表格 3"/>
-          <p:cNvGraphicFramePr>
-            <a:graphicFrameLocks noGrp="1"/>
-          </p:cNvGraphicFramePr>
-          <p:nvPr>
-            <p:extLst>
-              <p:ext uri="{D42A27DB-BD31-4B8C-83A1-F6EECF244321}">
-                <p14:modId xmlns:p14="http://schemas.microsoft.com/office/powerpoint/2010/main" val="3871599898"/>
-              </p:ext>
-            </p:extLst>
-          </p:nvPr>
-        </p:nvGraphicFramePr>
-        <p:xfrm>
-          <a:off x="1559496" y="1124744"/>
-          <a:ext cx="9649072" cy="4479642"/>
-        </p:xfrm>
-        <a:graphic>
-          <a:graphicData uri="http://schemas.openxmlformats.org/drawingml/2006/table">
-            <a:tbl>
-              <a:tblPr>
-                <a:tableStyleId>{8799B23B-EC83-4686-B30A-512413B5E67A}</a:tableStyleId>
-              </a:tblPr>
-              <a:tblGrid>
-                <a:gridCol w="2592148"/>
-                <a:gridCol w="3600540"/>
-                <a:gridCol w="3456384"/>
-              </a:tblGrid>
-              <a:tr h="649760">
-                <a:tc>
-                  <a:txBody>
-                    <a:bodyPr/>
-                    <a:lstStyle/>
-                    <a:p>
-                      <a:pPr algn="l"/>
-                      <a:r>
-                        <a:rPr lang="en-US" sz="1600" dirty="0">
-                          <a:effectLst/>
-                          <a:latin typeface="Arial Unicode MS" panose="020B0604020202020204" pitchFamily="34" charset="-122"/>
-                          <a:ea typeface="Arial Unicode MS" panose="020B0604020202020204" pitchFamily="34" charset="-122"/>
-                          <a:cs typeface="Arial Unicode MS" panose="020B0604020202020204" pitchFamily="34" charset="-122"/>
-                        </a:rPr>
-                        <a:t/>
-                      </a:r>
-                      <a:br>
-                        <a:rPr lang="en-US" sz="1600" dirty="0">
-                          <a:effectLst/>
-                          <a:latin typeface="Arial Unicode MS" panose="020B0604020202020204" pitchFamily="34" charset="-122"/>
-                          <a:ea typeface="Arial Unicode MS" panose="020B0604020202020204" pitchFamily="34" charset="-122"/>
-                          <a:cs typeface="Arial Unicode MS" panose="020B0604020202020204" pitchFamily="34" charset="-122"/>
-                        </a:rPr>
-                      </a:br>
-                      <a:endParaRPr lang="en-US" sz="1600" dirty="0">
-                        <a:effectLst/>
-                        <a:latin typeface="Arial Unicode MS" panose="020B0604020202020204" pitchFamily="34" charset="-122"/>
-                        <a:ea typeface="Arial Unicode MS" panose="020B0604020202020204" pitchFamily="34" charset="-122"/>
-                        <a:cs typeface="Arial Unicode MS" panose="020B0604020202020204" pitchFamily="34" charset="-122"/>
-                      </a:endParaRPr>
-                    </a:p>
-                  </a:txBody>
-                  <a:tcPr marL="16918" marR="16918" marT="16918" marB="16918" anchor="b"/>
-                </a:tc>
-                <a:tc>
-                  <a:txBody>
-                    <a:bodyPr/>
-                    <a:lstStyle/>
-                    <a:p>
-                      <a:pPr algn="l"/>
-                      <a:r>
-                        <a:rPr lang="en-US" altLang="zh-CN" sz="1600" dirty="0" smtClean="0">
-                          <a:solidFill>
-                            <a:srgbClr val="FF0000"/>
-                          </a:solidFill>
-                          <a:effectLst/>
-                          <a:latin typeface="Arial Unicode MS" panose="020B0604020202020204" pitchFamily="34" charset="-122"/>
-                          <a:ea typeface="Arial Unicode MS" panose="020B0604020202020204" pitchFamily="34" charset="-122"/>
-                          <a:cs typeface="Arial Unicode MS" panose="020B0604020202020204" pitchFamily="34" charset="-122"/>
-                        </a:rPr>
-                        <a:t>event For “/path”</a:t>
-                      </a:r>
-                      <a:endParaRPr lang="en-US" sz="1600" dirty="0">
-                        <a:solidFill>
-                          <a:srgbClr val="FF0000"/>
-                        </a:solidFill>
-                        <a:effectLst/>
-                        <a:latin typeface="Arial Unicode MS" panose="020B0604020202020204" pitchFamily="34" charset="-122"/>
-                        <a:ea typeface="Arial Unicode MS" panose="020B0604020202020204" pitchFamily="34" charset="-122"/>
-                        <a:cs typeface="Arial Unicode MS" panose="020B0604020202020204" pitchFamily="34" charset="-122"/>
-                      </a:endParaRPr>
-                    </a:p>
-                  </a:txBody>
-                  <a:tcPr marL="16918" marR="16918" marT="16918" marB="16918" anchor="b"/>
-                </a:tc>
-                <a:tc>
-                  <a:txBody>
-                    <a:bodyPr/>
-                    <a:lstStyle/>
-                    <a:p>
-                      <a:pPr marL="0" marR="0" indent="0" algn="l" defTabSz="1219170" rtl="0" eaLnBrk="1" fontAlgn="auto" latinLnBrk="0" hangingPunct="1">
-                        <a:lnSpc>
-                          <a:spcPct val="100000"/>
-                        </a:lnSpc>
-                        <a:spcBef>
-                          <a:spcPts val="0"/>
-                        </a:spcBef>
-                        <a:spcAft>
-                          <a:spcPts val="0"/>
-                        </a:spcAft>
-                        <a:buClrTx/>
-                        <a:buSzTx/>
-                        <a:buFontTx/>
-                        <a:buNone/>
-                        <a:tabLst/>
-                        <a:defRPr/>
-                      </a:pPr>
-                      <a:r>
-                        <a:rPr lang="en-US" altLang="zh-CN" sz="1600" dirty="0" smtClean="0">
-                          <a:solidFill>
-                            <a:srgbClr val="FF0000"/>
-                          </a:solidFill>
-                          <a:effectLst/>
-                          <a:latin typeface="Arial Unicode MS" panose="020B0604020202020204" pitchFamily="34" charset="-122"/>
-                          <a:ea typeface="Arial Unicode MS" panose="020B0604020202020204" pitchFamily="34" charset="-122"/>
-                          <a:cs typeface="Arial Unicode MS" panose="020B0604020202020204" pitchFamily="34" charset="-122"/>
-                        </a:rPr>
-                        <a:t>event For “/path/child”</a:t>
-                      </a:r>
-                    </a:p>
-                  </a:txBody>
-                  <a:tcPr marL="54138" marR="54138" marT="27069" marB="27069" anchor="b"/>
-                </a:tc>
-              </a:tr>
-              <a:tr h="574376">
-                <a:tc>
-                  <a:txBody>
-                    <a:bodyPr/>
-                    <a:lstStyle/>
-                    <a:p>
-                      <a:pPr algn="l"/>
-                      <a:r>
-                        <a:rPr lang="en-US" sz="1600" dirty="0">
-                          <a:solidFill>
-                            <a:srgbClr val="00B050"/>
-                          </a:solidFill>
-                          <a:effectLst/>
-                          <a:latin typeface="Arial Unicode MS" panose="020B0604020202020204" pitchFamily="34" charset="-122"/>
-                          <a:ea typeface="Arial Unicode MS" panose="020B0604020202020204" pitchFamily="34" charset="-122"/>
-                          <a:cs typeface="Arial Unicode MS" panose="020B0604020202020204" pitchFamily="34" charset="-122"/>
-                        </a:rPr>
-                        <a:t>create(“/path”)</a:t>
-                      </a:r>
-                    </a:p>
-                  </a:txBody>
-                  <a:tcPr marL="16918" marR="16918" marT="16918" marB="16918" anchor="b"/>
-                </a:tc>
-                <a:tc>
-                  <a:txBody>
-                    <a:bodyPr/>
-                    <a:lstStyle/>
-                    <a:p>
-                      <a:pPr algn="l"/>
-                      <a:r>
-                        <a:rPr lang="en-US" sz="1600" dirty="0" err="1">
-                          <a:effectLst/>
-                          <a:latin typeface="Arial Unicode MS" panose="020B0604020202020204" pitchFamily="34" charset="-122"/>
-                          <a:ea typeface="Arial Unicode MS" panose="020B0604020202020204" pitchFamily="34" charset="-122"/>
-                          <a:cs typeface="Arial Unicode MS" panose="020B0604020202020204" pitchFamily="34" charset="-122"/>
-                        </a:rPr>
-                        <a:t>EventType.NodeCreated</a:t>
-                      </a:r>
-                      <a:endParaRPr lang="en-US" sz="1600" dirty="0">
-                        <a:effectLst/>
-                        <a:latin typeface="Arial Unicode MS" panose="020B0604020202020204" pitchFamily="34" charset="-122"/>
-                        <a:ea typeface="Arial Unicode MS" panose="020B0604020202020204" pitchFamily="34" charset="-122"/>
-                        <a:cs typeface="Arial Unicode MS" panose="020B0604020202020204" pitchFamily="34" charset="-122"/>
-                      </a:endParaRPr>
-                    </a:p>
-                  </a:txBody>
-                  <a:tcPr marL="16918" marR="16918" marT="16918" marB="16918" anchor="b"/>
-                </a:tc>
-                <a:tc>
-                  <a:txBody>
-                    <a:bodyPr/>
-                    <a:lstStyle/>
-                    <a:p>
-                      <a:pPr algn="l"/>
-                      <a:r>
-                        <a:rPr lang="en-US" sz="1600" dirty="0">
-                          <a:effectLst/>
-                          <a:latin typeface="Arial Unicode MS" panose="020B0604020202020204" pitchFamily="34" charset="-122"/>
-                          <a:ea typeface="Arial Unicode MS" panose="020B0604020202020204" pitchFamily="34" charset="-122"/>
-                          <a:cs typeface="Arial Unicode MS" panose="020B0604020202020204" pitchFamily="34" charset="-122"/>
-                        </a:rPr>
-                        <a:t>NA</a:t>
-                      </a:r>
-                    </a:p>
-                  </a:txBody>
-                  <a:tcPr marL="16918" marR="16918" marT="16918" marB="16918" anchor="b"/>
-                </a:tc>
-              </a:tr>
-              <a:tr h="634537">
-                <a:tc>
-                  <a:txBody>
-                    <a:bodyPr/>
-                    <a:lstStyle/>
-                    <a:p>
-                      <a:pPr algn="l"/>
-                      <a:r>
-                        <a:rPr lang="en-US" sz="1600" dirty="0">
-                          <a:solidFill>
-                            <a:srgbClr val="00B050"/>
-                          </a:solidFill>
-                          <a:effectLst/>
-                          <a:latin typeface="Arial Unicode MS" panose="020B0604020202020204" pitchFamily="34" charset="-122"/>
-                          <a:ea typeface="Arial Unicode MS" panose="020B0604020202020204" pitchFamily="34" charset="-122"/>
-                          <a:cs typeface="Arial Unicode MS" panose="020B0604020202020204" pitchFamily="34" charset="-122"/>
-                        </a:rPr>
-                        <a:t>delete(“/path”)</a:t>
-                      </a:r>
-                    </a:p>
-                  </a:txBody>
-                  <a:tcPr marL="16918" marR="16918" marT="16918" marB="16918" anchor="b"/>
-                </a:tc>
-                <a:tc>
-                  <a:txBody>
-                    <a:bodyPr/>
-                    <a:lstStyle/>
-                    <a:p>
-                      <a:pPr algn="l"/>
-                      <a:r>
-                        <a:rPr lang="en-US" sz="1600" dirty="0" err="1">
-                          <a:effectLst/>
-                          <a:latin typeface="Arial Unicode MS" panose="020B0604020202020204" pitchFamily="34" charset="-122"/>
-                          <a:ea typeface="Arial Unicode MS" panose="020B0604020202020204" pitchFamily="34" charset="-122"/>
-                          <a:cs typeface="Arial Unicode MS" panose="020B0604020202020204" pitchFamily="34" charset="-122"/>
-                        </a:rPr>
-                        <a:t>EventType.NodeDeleted</a:t>
-                      </a:r>
-                      <a:endParaRPr lang="en-US" sz="1600" dirty="0">
-                        <a:effectLst/>
-                        <a:latin typeface="Arial Unicode MS" panose="020B0604020202020204" pitchFamily="34" charset="-122"/>
-                        <a:ea typeface="Arial Unicode MS" panose="020B0604020202020204" pitchFamily="34" charset="-122"/>
-                        <a:cs typeface="Arial Unicode MS" panose="020B0604020202020204" pitchFamily="34" charset="-122"/>
-                      </a:endParaRPr>
-                    </a:p>
-                  </a:txBody>
-                  <a:tcPr marL="16918" marR="16918" marT="16918" marB="16918" anchor="b"/>
-                </a:tc>
-                <a:tc>
-                  <a:txBody>
-                    <a:bodyPr/>
-                    <a:lstStyle/>
-                    <a:p>
-                      <a:pPr algn="l"/>
-                      <a:r>
-                        <a:rPr lang="en-US" sz="1600" dirty="0">
-                          <a:effectLst/>
-                          <a:latin typeface="Arial Unicode MS" panose="020B0604020202020204" pitchFamily="34" charset="-122"/>
-                          <a:ea typeface="Arial Unicode MS" panose="020B0604020202020204" pitchFamily="34" charset="-122"/>
-                          <a:cs typeface="Arial Unicode MS" panose="020B0604020202020204" pitchFamily="34" charset="-122"/>
-                        </a:rPr>
-                        <a:t>NA</a:t>
-                      </a:r>
-                    </a:p>
-                  </a:txBody>
-                  <a:tcPr marL="16918" marR="16918" marT="16918" marB="16918" anchor="b"/>
-                </a:tc>
-              </a:tr>
-              <a:tr h="694698">
-                <a:tc>
-                  <a:txBody>
-                    <a:bodyPr/>
-                    <a:lstStyle/>
-                    <a:p>
-                      <a:pPr algn="l"/>
-                      <a:r>
-                        <a:rPr lang="en-US" sz="1600" dirty="0" err="1">
-                          <a:solidFill>
-                            <a:srgbClr val="00B050"/>
-                          </a:solidFill>
-                          <a:effectLst/>
-                          <a:latin typeface="Arial Unicode MS" panose="020B0604020202020204" pitchFamily="34" charset="-122"/>
-                          <a:ea typeface="Arial Unicode MS" panose="020B0604020202020204" pitchFamily="34" charset="-122"/>
-                          <a:cs typeface="Arial Unicode MS" panose="020B0604020202020204" pitchFamily="34" charset="-122"/>
-                        </a:rPr>
-                        <a:t>setData</a:t>
-                      </a:r>
-                      <a:r>
-                        <a:rPr lang="en-US" sz="1600" dirty="0">
-                          <a:solidFill>
-                            <a:srgbClr val="00B050"/>
-                          </a:solidFill>
-                          <a:effectLst/>
-                          <a:latin typeface="Arial Unicode MS" panose="020B0604020202020204" pitchFamily="34" charset="-122"/>
-                          <a:ea typeface="Arial Unicode MS" panose="020B0604020202020204" pitchFamily="34" charset="-122"/>
-                          <a:cs typeface="Arial Unicode MS" panose="020B0604020202020204" pitchFamily="34" charset="-122"/>
-                        </a:rPr>
-                        <a:t>(“/path”)</a:t>
-                      </a:r>
-                    </a:p>
-                  </a:txBody>
-                  <a:tcPr marL="16918" marR="16918" marT="16918" marB="16918" anchor="b"/>
-                </a:tc>
-                <a:tc>
-                  <a:txBody>
-                    <a:bodyPr/>
-                    <a:lstStyle/>
-                    <a:p>
-                      <a:pPr algn="l"/>
-                      <a:r>
-                        <a:rPr lang="en-US" sz="1600" dirty="0" err="1">
-                          <a:effectLst/>
-                          <a:latin typeface="Arial Unicode MS" panose="020B0604020202020204" pitchFamily="34" charset="-122"/>
-                          <a:ea typeface="Arial Unicode MS" panose="020B0604020202020204" pitchFamily="34" charset="-122"/>
-                          <a:cs typeface="Arial Unicode MS" panose="020B0604020202020204" pitchFamily="34" charset="-122"/>
-                        </a:rPr>
-                        <a:t>EventType.NodeDataChanged</a:t>
-                      </a:r>
-                      <a:endParaRPr lang="en-US" sz="1600" dirty="0">
-                        <a:effectLst/>
-                        <a:latin typeface="Arial Unicode MS" panose="020B0604020202020204" pitchFamily="34" charset="-122"/>
-                        <a:ea typeface="Arial Unicode MS" panose="020B0604020202020204" pitchFamily="34" charset="-122"/>
-                        <a:cs typeface="Arial Unicode MS" panose="020B0604020202020204" pitchFamily="34" charset="-122"/>
-                      </a:endParaRPr>
-                    </a:p>
-                  </a:txBody>
-                  <a:tcPr marL="16918" marR="16918" marT="16918" marB="16918" anchor="b"/>
-                </a:tc>
-                <a:tc>
-                  <a:txBody>
-                    <a:bodyPr/>
-                    <a:lstStyle/>
-                    <a:p>
-                      <a:pPr algn="l"/>
-                      <a:r>
-                        <a:rPr lang="en-US" sz="1600" dirty="0">
-                          <a:effectLst/>
-                          <a:latin typeface="Arial Unicode MS" panose="020B0604020202020204" pitchFamily="34" charset="-122"/>
-                          <a:ea typeface="Arial Unicode MS" panose="020B0604020202020204" pitchFamily="34" charset="-122"/>
-                          <a:cs typeface="Arial Unicode MS" panose="020B0604020202020204" pitchFamily="34" charset="-122"/>
-                        </a:rPr>
-                        <a:t>NA</a:t>
-                      </a:r>
-                    </a:p>
-                  </a:txBody>
-                  <a:tcPr marL="16918" marR="16918" marT="16918" marB="16918" anchor="b"/>
-                </a:tc>
-              </a:tr>
-              <a:tr h="648072">
-                <a:tc>
-                  <a:txBody>
-                    <a:bodyPr/>
-                    <a:lstStyle/>
-                    <a:p>
-                      <a:pPr algn="l"/>
-                      <a:r>
-                        <a:rPr lang="en-US" sz="1600" dirty="0">
-                          <a:solidFill>
-                            <a:srgbClr val="00B050"/>
-                          </a:solidFill>
-                          <a:effectLst/>
-                          <a:latin typeface="Arial Unicode MS" panose="020B0604020202020204" pitchFamily="34" charset="-122"/>
-                          <a:ea typeface="Arial Unicode MS" panose="020B0604020202020204" pitchFamily="34" charset="-122"/>
-                          <a:cs typeface="Arial Unicode MS" panose="020B0604020202020204" pitchFamily="34" charset="-122"/>
-                        </a:rPr>
-                        <a:t>create(“/path/child”)</a:t>
-                      </a:r>
-                    </a:p>
-                  </a:txBody>
-                  <a:tcPr marL="16918" marR="16918" marT="16918" marB="16918" anchor="b"/>
-                </a:tc>
-                <a:tc>
-                  <a:txBody>
-                    <a:bodyPr/>
-                    <a:lstStyle/>
-                    <a:p>
-                      <a:pPr algn="l"/>
-                      <a:r>
-                        <a:rPr lang="en-US" sz="1600" dirty="0" err="1">
-                          <a:effectLst/>
-                          <a:latin typeface="Arial Unicode MS" panose="020B0604020202020204" pitchFamily="34" charset="-122"/>
-                          <a:ea typeface="Arial Unicode MS" panose="020B0604020202020204" pitchFamily="34" charset="-122"/>
-                          <a:cs typeface="Arial Unicode MS" panose="020B0604020202020204" pitchFamily="34" charset="-122"/>
-                        </a:rPr>
-                        <a:t>EventType.NodeChildrenChanged</a:t>
-                      </a:r>
-                      <a:endParaRPr lang="en-US" sz="1600" dirty="0">
-                        <a:effectLst/>
-                        <a:latin typeface="Arial Unicode MS" panose="020B0604020202020204" pitchFamily="34" charset="-122"/>
-                        <a:ea typeface="Arial Unicode MS" panose="020B0604020202020204" pitchFamily="34" charset="-122"/>
-                        <a:cs typeface="Arial Unicode MS" panose="020B0604020202020204" pitchFamily="34" charset="-122"/>
-                      </a:endParaRPr>
-                    </a:p>
-                  </a:txBody>
-                  <a:tcPr marL="16918" marR="16918" marT="16918" marB="16918" anchor="b"/>
-                </a:tc>
-                <a:tc>
-                  <a:txBody>
-                    <a:bodyPr/>
-                    <a:lstStyle/>
-                    <a:p>
-                      <a:pPr algn="l"/>
-                      <a:r>
-                        <a:rPr lang="en-US" sz="1600" dirty="0" err="1">
-                          <a:effectLst/>
-                          <a:latin typeface="Arial Unicode MS" panose="020B0604020202020204" pitchFamily="34" charset="-122"/>
-                          <a:ea typeface="Arial Unicode MS" panose="020B0604020202020204" pitchFamily="34" charset="-122"/>
-                          <a:cs typeface="Arial Unicode MS" panose="020B0604020202020204" pitchFamily="34" charset="-122"/>
-                        </a:rPr>
-                        <a:t>EventType.NodeCreated</a:t>
-                      </a:r>
-                      <a:endParaRPr lang="en-US" sz="1600" dirty="0">
-                        <a:effectLst/>
-                        <a:latin typeface="Arial Unicode MS" panose="020B0604020202020204" pitchFamily="34" charset="-122"/>
-                        <a:ea typeface="Arial Unicode MS" panose="020B0604020202020204" pitchFamily="34" charset="-122"/>
-                        <a:cs typeface="Arial Unicode MS" panose="020B0604020202020204" pitchFamily="34" charset="-122"/>
-                      </a:endParaRPr>
-                    </a:p>
-                  </a:txBody>
-                  <a:tcPr marL="16918" marR="16918" marT="16918" marB="16918" anchor="b"/>
-                </a:tc>
-              </a:tr>
-              <a:tr h="628439">
-                <a:tc>
-                  <a:txBody>
-                    <a:bodyPr/>
-                    <a:lstStyle/>
-                    <a:p>
-                      <a:pPr algn="l"/>
-                      <a:r>
-                        <a:rPr lang="en-US" sz="1600" dirty="0">
-                          <a:solidFill>
-                            <a:srgbClr val="00B050"/>
-                          </a:solidFill>
-                          <a:effectLst/>
-                          <a:latin typeface="Arial Unicode MS" panose="020B0604020202020204" pitchFamily="34" charset="-122"/>
-                          <a:ea typeface="Arial Unicode MS" panose="020B0604020202020204" pitchFamily="34" charset="-122"/>
-                          <a:cs typeface="Arial Unicode MS" panose="020B0604020202020204" pitchFamily="34" charset="-122"/>
-                        </a:rPr>
-                        <a:t>delete(“/path/child”)</a:t>
-                      </a:r>
-                    </a:p>
-                  </a:txBody>
-                  <a:tcPr marL="16918" marR="16918" marT="16918" marB="16918" anchor="b"/>
-                </a:tc>
-                <a:tc>
-                  <a:txBody>
-                    <a:bodyPr/>
-                    <a:lstStyle/>
-                    <a:p>
-                      <a:pPr algn="l"/>
-                      <a:r>
-                        <a:rPr lang="en-US" sz="1600" dirty="0" err="1">
-                          <a:effectLst/>
-                          <a:latin typeface="Arial Unicode MS" panose="020B0604020202020204" pitchFamily="34" charset="-122"/>
-                          <a:ea typeface="Arial Unicode MS" panose="020B0604020202020204" pitchFamily="34" charset="-122"/>
-                          <a:cs typeface="Arial Unicode MS" panose="020B0604020202020204" pitchFamily="34" charset="-122"/>
-                        </a:rPr>
-                        <a:t>EventType.NodeChildrenChanged</a:t>
-                      </a:r>
-                      <a:endParaRPr lang="en-US" sz="1600" dirty="0">
-                        <a:effectLst/>
-                        <a:latin typeface="Arial Unicode MS" panose="020B0604020202020204" pitchFamily="34" charset="-122"/>
-                        <a:ea typeface="Arial Unicode MS" panose="020B0604020202020204" pitchFamily="34" charset="-122"/>
-                        <a:cs typeface="Arial Unicode MS" panose="020B0604020202020204" pitchFamily="34" charset="-122"/>
-                      </a:endParaRPr>
-                    </a:p>
-                  </a:txBody>
-                  <a:tcPr marL="16918" marR="16918" marT="16918" marB="16918" anchor="b"/>
-                </a:tc>
-                <a:tc>
-                  <a:txBody>
-                    <a:bodyPr/>
-                    <a:lstStyle/>
-                    <a:p>
-                      <a:pPr algn="l"/>
-                      <a:r>
-                        <a:rPr lang="en-US" sz="1600" dirty="0" err="1">
-                          <a:effectLst/>
-                          <a:latin typeface="Arial Unicode MS" panose="020B0604020202020204" pitchFamily="34" charset="-122"/>
-                          <a:ea typeface="Arial Unicode MS" panose="020B0604020202020204" pitchFamily="34" charset="-122"/>
-                          <a:cs typeface="Arial Unicode MS" panose="020B0604020202020204" pitchFamily="34" charset="-122"/>
-                        </a:rPr>
-                        <a:t>EventType.NodeDeleted</a:t>
-                      </a:r>
-                      <a:endParaRPr lang="en-US" sz="1600" dirty="0">
-                        <a:effectLst/>
-                        <a:latin typeface="Arial Unicode MS" panose="020B0604020202020204" pitchFamily="34" charset="-122"/>
-                        <a:ea typeface="Arial Unicode MS" panose="020B0604020202020204" pitchFamily="34" charset="-122"/>
-                        <a:cs typeface="Arial Unicode MS" panose="020B0604020202020204" pitchFamily="34" charset="-122"/>
-                      </a:endParaRPr>
-                    </a:p>
-                  </a:txBody>
-                  <a:tcPr marL="16918" marR="16918" marT="16918" marB="16918" anchor="b"/>
-                </a:tc>
-              </a:tr>
-              <a:tr h="649760">
-                <a:tc>
-                  <a:txBody>
-                    <a:bodyPr/>
-                    <a:lstStyle/>
-                    <a:p>
-                      <a:pPr algn="l"/>
-                      <a:r>
-                        <a:rPr lang="en-US" sz="1600" dirty="0" err="1">
-                          <a:solidFill>
-                            <a:srgbClr val="00B050"/>
-                          </a:solidFill>
-                          <a:effectLst/>
-                          <a:latin typeface="Arial Unicode MS" panose="020B0604020202020204" pitchFamily="34" charset="-122"/>
-                          <a:ea typeface="Arial Unicode MS" panose="020B0604020202020204" pitchFamily="34" charset="-122"/>
-                          <a:cs typeface="Arial Unicode MS" panose="020B0604020202020204" pitchFamily="34" charset="-122"/>
-                        </a:rPr>
-                        <a:t>setData</a:t>
-                      </a:r>
-                      <a:r>
-                        <a:rPr lang="en-US" sz="1600" dirty="0">
-                          <a:solidFill>
-                            <a:srgbClr val="00B050"/>
-                          </a:solidFill>
-                          <a:effectLst/>
-                          <a:latin typeface="Arial Unicode MS" panose="020B0604020202020204" pitchFamily="34" charset="-122"/>
-                          <a:ea typeface="Arial Unicode MS" panose="020B0604020202020204" pitchFamily="34" charset="-122"/>
-                          <a:cs typeface="Arial Unicode MS" panose="020B0604020202020204" pitchFamily="34" charset="-122"/>
-                        </a:rPr>
-                        <a:t>(“/path/child”)</a:t>
-                      </a:r>
-                    </a:p>
-                  </a:txBody>
-                  <a:tcPr marL="16918" marR="16918" marT="16918" marB="16918" anchor="b"/>
-                </a:tc>
-                <a:tc>
-                  <a:txBody>
-                    <a:bodyPr/>
-                    <a:lstStyle/>
-                    <a:p>
-                      <a:pPr algn="l"/>
-                      <a:r>
-                        <a:rPr lang="en-US" sz="1600" dirty="0">
-                          <a:effectLst/>
-                          <a:latin typeface="Arial Unicode MS" panose="020B0604020202020204" pitchFamily="34" charset="-122"/>
-                          <a:ea typeface="Arial Unicode MS" panose="020B0604020202020204" pitchFamily="34" charset="-122"/>
-                          <a:cs typeface="Arial Unicode MS" panose="020B0604020202020204" pitchFamily="34" charset="-122"/>
-                        </a:rPr>
-                        <a:t>NA</a:t>
-                      </a:r>
-                    </a:p>
-                  </a:txBody>
-                  <a:tcPr marL="16918" marR="16918" marT="16918" marB="16918" anchor="b"/>
-                </a:tc>
-                <a:tc>
-                  <a:txBody>
-                    <a:bodyPr/>
-                    <a:lstStyle/>
-                    <a:p>
-                      <a:pPr algn="l"/>
-                      <a:r>
-                        <a:rPr lang="en-US" sz="1600" dirty="0" err="1">
-                          <a:effectLst/>
-                          <a:latin typeface="Arial Unicode MS" panose="020B0604020202020204" pitchFamily="34" charset="-122"/>
-                          <a:ea typeface="Arial Unicode MS" panose="020B0604020202020204" pitchFamily="34" charset="-122"/>
-                          <a:cs typeface="Arial Unicode MS" panose="020B0604020202020204" pitchFamily="34" charset="-122"/>
-                        </a:rPr>
-                        <a:t>EventType.NodeDataChanged</a:t>
-                      </a:r>
-                      <a:endParaRPr lang="en-US" sz="1600" dirty="0">
-                        <a:effectLst/>
-                        <a:latin typeface="Arial Unicode MS" panose="020B0604020202020204" pitchFamily="34" charset="-122"/>
-                        <a:ea typeface="Arial Unicode MS" panose="020B0604020202020204" pitchFamily="34" charset="-122"/>
-                        <a:cs typeface="Arial Unicode MS" panose="020B0604020202020204" pitchFamily="34" charset="-122"/>
-                      </a:endParaRPr>
-                    </a:p>
-                  </a:txBody>
-                  <a:tcPr marL="16918" marR="16918" marT="16918" marB="16918" anchor="b"/>
-                </a:tc>
-              </a:tr>
-            </a:tbl>
-          </a:graphicData>
-        </a:graphic>
-      </p:graphicFrame>
-      <p:sp>
-        <p:nvSpPr>
-          <p:cNvPr id="5" name="文本框 4"/>
+      <p:sp>
+        <p:nvSpPr>
+          <p:cNvPr id="2" name="文本框 1"/>
           <p:cNvSpPr txBox="1"/>
           <p:nvPr/>
         </p:nvSpPr>
         <p:spPr>
           <a:xfrm>
-            <a:off x="407368" y="188640"/>
-            <a:ext cx="6048672" cy="461665"/>
+            <a:off x="839416" y="908720"/>
+            <a:ext cx="9937104" cy="3600986"/>
           </a:xfrm>
           <a:prstGeom prst="rect">
             <a:avLst/>
@@ -16359,29 +18091,143 @@
                 <a:latin typeface="微软雅黑" panose="020B0503020204020204" pitchFamily="34" charset="-122"/>
                 <a:ea typeface="微软雅黑" panose="020B0503020204020204" pitchFamily="34" charset="-122"/>
               </a:rPr>
-              <a:t>操作与</a:t>
+              <a:t>集群管理（</a:t>
             </a:r>
             <a:r>
               <a:rPr lang="en-US" altLang="zh-CN" sz="2400" b="1" dirty="0">
                 <a:latin typeface="微软雅黑" panose="020B0503020204020204" pitchFamily="34" charset="-122"/>
                 <a:ea typeface="微软雅黑" panose="020B0503020204020204" pitchFamily="34" charset="-122"/>
               </a:rPr>
-              <a:t>ZK</a:t>
-            </a:r>
-            <a:r>
-              <a:rPr lang="zh-CN" altLang="en-US" sz="2400" b="1" dirty="0">
-                <a:latin typeface="微软雅黑" panose="020B0503020204020204" pitchFamily="34" charset="-122"/>
-                <a:ea typeface="微软雅黑" panose="020B0503020204020204" pitchFamily="34" charset="-122"/>
-              </a:rPr>
-              <a:t>内部产生的事件的对应关系：</a:t>
-            </a:r>
+              <a:t>Group Membership</a:t>
+            </a:r>
+            <a:r>
+              <a:rPr lang="zh-CN" altLang="en-US" sz="2400" b="1" dirty="0" smtClean="0">
+                <a:latin typeface="微软雅黑" panose="020B0503020204020204" pitchFamily="34" charset="-122"/>
+                <a:ea typeface="微软雅黑" panose="020B0503020204020204" pitchFamily="34" charset="-122"/>
+              </a:rPr>
+              <a:t>）</a:t>
+            </a:r>
+            <a:endParaRPr lang="en-US" altLang="zh-CN" sz="2400" b="1" dirty="0" smtClean="0">
+              <a:latin typeface="微软雅黑" panose="020B0503020204020204" pitchFamily="34" charset="-122"/>
+              <a:ea typeface="微软雅黑" panose="020B0503020204020204" pitchFamily="34" charset="-122"/>
+            </a:endParaRPr>
+          </a:p>
+          <a:p>
+            <a:endParaRPr lang="en-US" altLang="zh-CN" sz="2400" b="1" dirty="0" smtClean="0">
+              <a:latin typeface="微软雅黑" panose="020B0503020204020204" pitchFamily="34" charset="-122"/>
+              <a:ea typeface="微软雅黑" panose="020B0503020204020204" pitchFamily="34" charset="-122"/>
+            </a:endParaRPr>
+          </a:p>
+          <a:p>
+            <a:endParaRPr lang="en-US" altLang="zh-CN" sz="2400" b="1" dirty="0">
+              <a:latin typeface="微软雅黑" panose="020B0503020204020204" pitchFamily="34" charset="-122"/>
+              <a:ea typeface="微软雅黑" panose="020B0503020204020204" pitchFamily="34" charset="-122"/>
+            </a:endParaRPr>
+          </a:p>
+          <a:p>
+            <a:r>
+              <a:rPr lang="en-US" altLang="zh-CN" sz="2000" dirty="0">
+                <a:latin typeface="微软雅黑" panose="020B0503020204020204" pitchFamily="34" charset="-122"/>
+                <a:ea typeface="微软雅黑" panose="020B0503020204020204" pitchFamily="34" charset="-122"/>
+              </a:rPr>
+              <a:t>Zookeeper </a:t>
+            </a:r>
+            <a:r>
+              <a:rPr lang="zh-CN" altLang="en-US" sz="2000" dirty="0">
+                <a:latin typeface="微软雅黑" panose="020B0503020204020204" pitchFamily="34" charset="-122"/>
+                <a:ea typeface="微软雅黑" panose="020B0503020204020204" pitchFamily="34" charset="-122"/>
+              </a:rPr>
+              <a:t>能够很容易的实现集群管理的功能，如有多台 </a:t>
+            </a:r>
+            <a:r>
+              <a:rPr lang="en-US" altLang="zh-CN" sz="2000" dirty="0">
+                <a:latin typeface="微软雅黑" panose="020B0503020204020204" pitchFamily="34" charset="-122"/>
+                <a:ea typeface="微软雅黑" panose="020B0503020204020204" pitchFamily="34" charset="-122"/>
+              </a:rPr>
+              <a:t>Server </a:t>
+            </a:r>
+            <a:r>
+              <a:rPr lang="zh-CN" altLang="en-US" sz="2000" dirty="0">
+                <a:latin typeface="微软雅黑" panose="020B0503020204020204" pitchFamily="34" charset="-122"/>
+                <a:ea typeface="微软雅黑" panose="020B0503020204020204" pitchFamily="34" charset="-122"/>
+              </a:rPr>
+              <a:t>组成一个服务集群，那么必须要一个“总管”知道当前集群中每台机器的服务状态，一旦有机器不能提供服务，集群中其它集群必须知道，从而做出调整重新分配服 务策略。同样当增加集群的服务能力时，就会增加一台或多台 </a:t>
+            </a:r>
+            <a:r>
+              <a:rPr lang="en-US" altLang="zh-CN" sz="2000" dirty="0">
+                <a:latin typeface="微软雅黑" panose="020B0503020204020204" pitchFamily="34" charset="-122"/>
+                <a:ea typeface="微软雅黑" panose="020B0503020204020204" pitchFamily="34" charset="-122"/>
+              </a:rPr>
+              <a:t>Server</a:t>
+            </a:r>
+            <a:r>
+              <a:rPr lang="zh-CN" altLang="en-US" sz="2000" dirty="0">
+                <a:latin typeface="微软雅黑" panose="020B0503020204020204" pitchFamily="34" charset="-122"/>
+                <a:ea typeface="微软雅黑" panose="020B0503020204020204" pitchFamily="34" charset="-122"/>
+              </a:rPr>
+              <a:t>，同样也必须让“总管”知道。</a:t>
+            </a:r>
+          </a:p>
+          <a:p>
+            <a:r>
+              <a:rPr lang="en-US" altLang="zh-CN" sz="2000" dirty="0">
+                <a:latin typeface="微软雅黑" panose="020B0503020204020204" pitchFamily="34" charset="-122"/>
+                <a:ea typeface="微软雅黑" panose="020B0503020204020204" pitchFamily="34" charset="-122"/>
+              </a:rPr>
+              <a:t>Zookeeper </a:t>
+            </a:r>
+            <a:r>
+              <a:rPr lang="zh-CN" altLang="en-US" sz="2000" dirty="0">
+                <a:latin typeface="微软雅黑" panose="020B0503020204020204" pitchFamily="34" charset="-122"/>
+                <a:ea typeface="微软雅黑" panose="020B0503020204020204" pitchFamily="34" charset="-122"/>
+              </a:rPr>
+              <a:t>不仅能够帮你维护当前的集群中机器的服务状态，而且能够帮你选出一个“总管”，让这个总管来管理集群，这就是 </a:t>
+            </a:r>
+            <a:r>
+              <a:rPr lang="en-US" altLang="zh-CN" sz="2000" dirty="0">
+                <a:latin typeface="微软雅黑" panose="020B0503020204020204" pitchFamily="34" charset="-122"/>
+                <a:ea typeface="微软雅黑" panose="020B0503020204020204" pitchFamily="34" charset="-122"/>
+              </a:rPr>
+              <a:t>Zookeeper </a:t>
+            </a:r>
+            <a:r>
+              <a:rPr lang="zh-CN" altLang="en-US" sz="2000" dirty="0">
+                <a:latin typeface="微软雅黑" panose="020B0503020204020204" pitchFamily="34" charset="-122"/>
+                <a:ea typeface="微软雅黑" panose="020B0503020204020204" pitchFamily="34" charset="-122"/>
+              </a:rPr>
+              <a:t>的另一个功能 </a:t>
+            </a:r>
+            <a:r>
+              <a:rPr lang="en-US" altLang="zh-CN" sz="2000" dirty="0">
+                <a:latin typeface="微软雅黑" panose="020B0503020204020204" pitchFamily="34" charset="-122"/>
+                <a:ea typeface="微软雅黑" panose="020B0503020204020204" pitchFamily="34" charset="-122"/>
+              </a:rPr>
+              <a:t>Leader Election</a:t>
+            </a:r>
+            <a:r>
+              <a:rPr lang="zh-CN" altLang="en-US" sz="2000" dirty="0">
+                <a:latin typeface="微软雅黑" panose="020B0503020204020204" pitchFamily="34" charset="-122"/>
+                <a:ea typeface="微软雅黑" panose="020B0503020204020204" pitchFamily="34" charset="-122"/>
+              </a:rPr>
+              <a:t>。</a:t>
+            </a:r>
+          </a:p>
+          <a:p>
+            <a:r>
+              <a:rPr lang="zh-CN" altLang="en-US" dirty="0"/>
+              <a:t/>
+            </a:r>
+            <a:br>
+              <a:rPr lang="zh-CN" altLang="en-US" dirty="0"/>
+            </a:br>
+            <a:endParaRPr lang="zh-CN" altLang="en-US" dirty="0"/>
           </a:p>
         </p:txBody>
       </p:sp>
     </p:spTree>
     <p:extLst>
       <p:ext uri="{BB962C8B-B14F-4D97-AF65-F5344CB8AC3E}">
-        <p14:creationId xmlns:p14="http://schemas.microsoft.com/office/powerpoint/2010/main" val="43791981"/>
+        <p14:creationId xmlns:p14="http://schemas.microsoft.com/office/powerpoint/2010/main" val="863245033"/>
       </p:ext>
     </p:extLst>
   </p:cSld>
